--- a/WDSR - ćwiczenie 3a_REST.pptx
+++ b/WDSR - ćwiczenie 3a_REST.pptx
@@ -147,7 +147,7 @@
   </p:defaultTextStyle>
   <p:extLst>
     <p:ext uri="{EFAFB233-063F-42B5-8137-9DF3F51BA10A}">
-      <p15:sldGuideLst xmlns:p15="http://schemas.microsoft.com/office/powerpoint/2012/main" xmlns="">
+      <p15:sldGuideLst xmlns="" xmlns:p15="http://schemas.microsoft.com/office/powerpoint/2012/main">
         <p15:guide id="1" orient="horz" pos="1620">
           <p15:clr>
             <a:srgbClr val="A4A3A4"/>
@@ -181,7 +181,7 @@
       </p15:sldGuideLst>
     </p:ext>
     <p:ext uri="{2D200454-40CA-4A62-9FC3-DE9A4176ACB9}">
-      <p15:notesGuideLst xmlns:p15="http://schemas.microsoft.com/office/powerpoint/2012/main" xmlns=""/>
+      <p15:notesGuideLst xmlns="" xmlns:p15="http://schemas.microsoft.com/office/powerpoint/2012/main"/>
     </p:ext>
   </p:extLst>
 </p:presentation>
@@ -276,7 +276,7 @@
             <a:fld id="{C4843D26-F355-3844-A4EF-19D4FD875597}" type="datetimeFigureOut">
               <a:rPr lang="de-DE" smtClean="0"/>
               <a:pPr/>
-              <a:t>12.04.2016</a:t>
+              <a:t>24.03.2017</a:t>
             </a:fld>
             <a:endParaRPr lang="de-DE" dirty="0"/>
           </a:p>
@@ -352,7 +352,7 @@
     </p:spTree>
     <p:extLst>
       <p:ext uri="{BB962C8B-B14F-4D97-AF65-F5344CB8AC3E}">
-        <p14:creationId xmlns:p14="http://schemas.microsoft.com/office/powerpoint/2010/main" val="1863735379"/>
+        <p14:creationId xmlns:p14="http://schemas.microsoft.com/office/powerpoint/2010/main" xmlns="" val="1863735379"/>
       </p:ext>
     </p:extLst>
   </p:cSld>
@@ -444,7 +444,7 @@
             <a:fld id="{8E2CFE12-C1FB-D740-8B6C-AFB72D5D4002}" type="datetimeFigureOut">
               <a:rPr lang="de-DE" smtClean="0"/>
               <a:pPr/>
-              <a:t>12.04.2016</a:t>
+              <a:t>24.03.2017</a:t>
             </a:fld>
             <a:endParaRPr lang="de-DE" dirty="0"/>
           </a:p>
@@ -613,7 +613,7 @@
     </p:spTree>
     <p:extLst>
       <p:ext uri="{BB962C8B-B14F-4D97-AF65-F5344CB8AC3E}">
-        <p14:creationId xmlns:p14="http://schemas.microsoft.com/office/powerpoint/2010/main" val="1832403913"/>
+        <p14:creationId xmlns:p14="http://schemas.microsoft.com/office/powerpoint/2010/main" xmlns="" val="1832403913"/>
       </p:ext>
     </p:extLst>
   </p:cSld>
@@ -791,7 +791,7 @@
     </p:spTree>
     <p:extLst>
       <p:ext uri="{BB962C8B-B14F-4D97-AF65-F5344CB8AC3E}">
-        <p14:creationId xmlns:p14="http://schemas.microsoft.com/office/powerpoint/2010/main" val="1775613547"/>
+        <p14:creationId xmlns:p14="http://schemas.microsoft.com/office/powerpoint/2010/main" xmlns="" val="1775613547"/>
       </p:ext>
     </p:extLst>
   </p:cSld>
@@ -878,7 +878,7 @@
     </p:spTree>
     <p:extLst>
       <p:ext uri="{BB962C8B-B14F-4D97-AF65-F5344CB8AC3E}">
-        <p14:creationId xmlns:p14="http://schemas.microsoft.com/office/powerpoint/2010/main" val="1883132698"/>
+        <p14:creationId xmlns:p14="http://schemas.microsoft.com/office/powerpoint/2010/main" xmlns="" val="1883132698"/>
       </p:ext>
     </p:extLst>
   </p:cSld>
@@ -965,7 +965,7 @@
     </p:spTree>
     <p:extLst>
       <p:ext uri="{BB962C8B-B14F-4D97-AF65-F5344CB8AC3E}">
-        <p14:creationId xmlns:p14="http://schemas.microsoft.com/office/powerpoint/2010/main" val="1883132698"/>
+        <p14:creationId xmlns:p14="http://schemas.microsoft.com/office/powerpoint/2010/main" xmlns="" val="1883132698"/>
       </p:ext>
     </p:extLst>
   </p:cSld>
@@ -1052,7 +1052,7 @@
     </p:spTree>
     <p:extLst>
       <p:ext uri="{BB962C8B-B14F-4D97-AF65-F5344CB8AC3E}">
-        <p14:creationId xmlns:p14="http://schemas.microsoft.com/office/powerpoint/2010/main" val="1883132698"/>
+        <p14:creationId xmlns:p14="http://schemas.microsoft.com/office/powerpoint/2010/main" xmlns="" val="1883132698"/>
       </p:ext>
     </p:extLst>
   </p:cSld>
@@ -1139,7 +1139,7 @@
     </p:spTree>
     <p:extLst>
       <p:ext uri="{BB962C8B-B14F-4D97-AF65-F5344CB8AC3E}">
-        <p14:creationId xmlns:p14="http://schemas.microsoft.com/office/powerpoint/2010/main" val="1883132698"/>
+        <p14:creationId xmlns:p14="http://schemas.microsoft.com/office/powerpoint/2010/main" xmlns="" val="1883132698"/>
       </p:ext>
     </p:extLst>
   </p:cSld>
@@ -1226,7 +1226,7 @@
     </p:spTree>
     <p:extLst>
       <p:ext uri="{BB962C8B-B14F-4D97-AF65-F5344CB8AC3E}">
-        <p14:creationId xmlns:p14="http://schemas.microsoft.com/office/powerpoint/2010/main" val="1883132698"/>
+        <p14:creationId xmlns:p14="http://schemas.microsoft.com/office/powerpoint/2010/main" xmlns="" val="1883132698"/>
       </p:ext>
     </p:extLst>
   </p:cSld>
@@ -1313,7 +1313,7 @@
     </p:spTree>
     <p:extLst>
       <p:ext uri="{BB962C8B-B14F-4D97-AF65-F5344CB8AC3E}">
-        <p14:creationId xmlns:p14="http://schemas.microsoft.com/office/powerpoint/2010/main" val="1883132698"/>
+        <p14:creationId xmlns:p14="http://schemas.microsoft.com/office/powerpoint/2010/main" xmlns="" val="1883132698"/>
       </p:ext>
     </p:extLst>
   </p:cSld>
@@ -1400,7 +1400,7 @@
     </p:spTree>
     <p:extLst>
       <p:ext uri="{BB962C8B-B14F-4D97-AF65-F5344CB8AC3E}">
-        <p14:creationId xmlns:p14="http://schemas.microsoft.com/office/powerpoint/2010/main" val="1883132698"/>
+        <p14:creationId xmlns:p14="http://schemas.microsoft.com/office/powerpoint/2010/main" xmlns="" val="1883132698"/>
       </p:ext>
     </p:extLst>
   </p:cSld>
@@ -1487,7 +1487,7 @@
     </p:spTree>
     <p:extLst>
       <p:ext uri="{BB962C8B-B14F-4D97-AF65-F5344CB8AC3E}">
-        <p14:creationId xmlns:p14="http://schemas.microsoft.com/office/powerpoint/2010/main" val="1883132698"/>
+        <p14:creationId xmlns:p14="http://schemas.microsoft.com/office/powerpoint/2010/main" xmlns="" val="1883132698"/>
       </p:ext>
     </p:extLst>
   </p:cSld>
@@ -1574,7 +1574,7 @@
     </p:spTree>
     <p:extLst>
       <p:ext uri="{BB962C8B-B14F-4D97-AF65-F5344CB8AC3E}">
-        <p14:creationId xmlns:p14="http://schemas.microsoft.com/office/powerpoint/2010/main" val="1883132698"/>
+        <p14:creationId xmlns:p14="http://schemas.microsoft.com/office/powerpoint/2010/main" xmlns="" val="1883132698"/>
       </p:ext>
     </p:extLst>
   </p:cSld>
@@ -1661,7 +1661,7 @@
     </p:spTree>
     <p:extLst>
       <p:ext uri="{BB962C8B-B14F-4D97-AF65-F5344CB8AC3E}">
-        <p14:creationId xmlns:p14="http://schemas.microsoft.com/office/powerpoint/2010/main" val="1883132698"/>
+        <p14:creationId xmlns:p14="http://schemas.microsoft.com/office/powerpoint/2010/main" xmlns="" val="1883132698"/>
       </p:ext>
     </p:extLst>
   </p:cSld>
@@ -1748,7 +1748,7 @@
     </p:spTree>
     <p:extLst>
       <p:ext uri="{BB962C8B-B14F-4D97-AF65-F5344CB8AC3E}">
-        <p14:creationId xmlns:p14="http://schemas.microsoft.com/office/powerpoint/2010/main" val="3849374475"/>
+        <p14:creationId xmlns:p14="http://schemas.microsoft.com/office/powerpoint/2010/main" xmlns="" val="3849374475"/>
       </p:ext>
     </p:extLst>
   </p:cSld>
@@ -1835,7 +1835,7 @@
     </p:spTree>
     <p:extLst>
       <p:ext uri="{BB962C8B-B14F-4D97-AF65-F5344CB8AC3E}">
-        <p14:creationId xmlns:p14="http://schemas.microsoft.com/office/powerpoint/2010/main" val="1883132698"/>
+        <p14:creationId xmlns:p14="http://schemas.microsoft.com/office/powerpoint/2010/main" xmlns="" val="1883132698"/>
       </p:ext>
     </p:extLst>
   </p:cSld>
@@ -1922,7 +1922,7 @@
     </p:spTree>
     <p:extLst>
       <p:ext uri="{BB962C8B-B14F-4D97-AF65-F5344CB8AC3E}">
-        <p14:creationId xmlns:p14="http://schemas.microsoft.com/office/powerpoint/2010/main" val="1883132698"/>
+        <p14:creationId xmlns:p14="http://schemas.microsoft.com/office/powerpoint/2010/main" xmlns="" val="1883132698"/>
       </p:ext>
     </p:extLst>
   </p:cSld>
@@ -2009,7 +2009,7 @@
     </p:spTree>
     <p:extLst>
       <p:ext uri="{BB962C8B-B14F-4D97-AF65-F5344CB8AC3E}">
-        <p14:creationId xmlns:p14="http://schemas.microsoft.com/office/powerpoint/2010/main" val="1883132698"/>
+        <p14:creationId xmlns:p14="http://schemas.microsoft.com/office/powerpoint/2010/main" xmlns="" val="1883132698"/>
       </p:ext>
     </p:extLst>
   </p:cSld>
@@ -2096,7 +2096,7 @@
     </p:spTree>
     <p:extLst>
       <p:ext uri="{BB962C8B-B14F-4D97-AF65-F5344CB8AC3E}">
-        <p14:creationId xmlns:p14="http://schemas.microsoft.com/office/powerpoint/2010/main" val="1883132698"/>
+        <p14:creationId xmlns:p14="http://schemas.microsoft.com/office/powerpoint/2010/main" xmlns="" val="1883132698"/>
       </p:ext>
     </p:extLst>
   </p:cSld>
@@ -2183,7 +2183,7 @@
     </p:spTree>
     <p:extLst>
       <p:ext uri="{BB962C8B-B14F-4D97-AF65-F5344CB8AC3E}">
-        <p14:creationId xmlns:p14="http://schemas.microsoft.com/office/powerpoint/2010/main" val="1883132698"/>
+        <p14:creationId xmlns:p14="http://schemas.microsoft.com/office/powerpoint/2010/main" xmlns="" val="1883132698"/>
       </p:ext>
     </p:extLst>
   </p:cSld>
@@ -2270,7 +2270,7 @@
     </p:spTree>
     <p:extLst>
       <p:ext uri="{BB962C8B-B14F-4D97-AF65-F5344CB8AC3E}">
-        <p14:creationId xmlns:p14="http://schemas.microsoft.com/office/powerpoint/2010/main" val="1883132698"/>
+        <p14:creationId xmlns:p14="http://schemas.microsoft.com/office/powerpoint/2010/main" xmlns="" val="1883132698"/>
       </p:ext>
     </p:extLst>
   </p:cSld>
@@ -2357,7 +2357,7 @@
     </p:spTree>
     <p:extLst>
       <p:ext uri="{BB962C8B-B14F-4D97-AF65-F5344CB8AC3E}">
-        <p14:creationId xmlns:p14="http://schemas.microsoft.com/office/powerpoint/2010/main" val="1883132698"/>
+        <p14:creationId xmlns:p14="http://schemas.microsoft.com/office/powerpoint/2010/main" xmlns="" val="1883132698"/>
       </p:ext>
     </p:extLst>
   </p:cSld>
@@ -2444,7 +2444,7 @@
     </p:spTree>
     <p:extLst>
       <p:ext uri="{BB962C8B-B14F-4D97-AF65-F5344CB8AC3E}">
-        <p14:creationId xmlns:p14="http://schemas.microsoft.com/office/powerpoint/2010/main" val="1883132698"/>
+        <p14:creationId xmlns:p14="http://schemas.microsoft.com/office/powerpoint/2010/main" xmlns="" val="1883132698"/>
       </p:ext>
     </p:extLst>
   </p:cSld>
@@ -2531,7 +2531,7 @@
     </p:spTree>
     <p:extLst>
       <p:ext uri="{BB962C8B-B14F-4D97-AF65-F5344CB8AC3E}">
-        <p14:creationId xmlns:p14="http://schemas.microsoft.com/office/powerpoint/2010/main" val="1883132698"/>
+        <p14:creationId xmlns:p14="http://schemas.microsoft.com/office/powerpoint/2010/main" xmlns="" val="1883132698"/>
       </p:ext>
     </p:extLst>
   </p:cSld>
@@ -2618,7 +2618,7 @@
     </p:spTree>
     <p:extLst>
       <p:ext uri="{BB962C8B-B14F-4D97-AF65-F5344CB8AC3E}">
-        <p14:creationId xmlns:p14="http://schemas.microsoft.com/office/powerpoint/2010/main" val="1883132698"/>
+        <p14:creationId xmlns:p14="http://schemas.microsoft.com/office/powerpoint/2010/main" xmlns="" val="1883132698"/>
       </p:ext>
     </p:extLst>
   </p:cSld>
@@ -2705,7 +2705,7 @@
     </p:spTree>
     <p:extLst>
       <p:ext uri="{BB962C8B-B14F-4D97-AF65-F5344CB8AC3E}">
-        <p14:creationId xmlns:p14="http://schemas.microsoft.com/office/powerpoint/2010/main" val="518439452"/>
+        <p14:creationId xmlns:p14="http://schemas.microsoft.com/office/powerpoint/2010/main" xmlns="" val="518439452"/>
       </p:ext>
     </p:extLst>
   </p:cSld>
@@ -2792,7 +2792,7 @@
     </p:spTree>
     <p:extLst>
       <p:ext uri="{BB962C8B-B14F-4D97-AF65-F5344CB8AC3E}">
-        <p14:creationId xmlns:p14="http://schemas.microsoft.com/office/powerpoint/2010/main" val="1883132698"/>
+        <p14:creationId xmlns:p14="http://schemas.microsoft.com/office/powerpoint/2010/main" xmlns="" val="1883132698"/>
       </p:ext>
     </p:extLst>
   </p:cSld>
@@ -2879,7 +2879,7 @@
     </p:spTree>
     <p:extLst>
       <p:ext uri="{BB962C8B-B14F-4D97-AF65-F5344CB8AC3E}">
-        <p14:creationId xmlns:p14="http://schemas.microsoft.com/office/powerpoint/2010/main" val="1883132698"/>
+        <p14:creationId xmlns:p14="http://schemas.microsoft.com/office/powerpoint/2010/main" xmlns="" val="1883132698"/>
       </p:ext>
     </p:extLst>
   </p:cSld>
@@ -2966,7 +2966,7 @@
     </p:spTree>
     <p:extLst>
       <p:ext uri="{BB962C8B-B14F-4D97-AF65-F5344CB8AC3E}">
-        <p14:creationId xmlns:p14="http://schemas.microsoft.com/office/powerpoint/2010/main" val="1883132698"/>
+        <p14:creationId xmlns:p14="http://schemas.microsoft.com/office/powerpoint/2010/main" xmlns="" val="1883132698"/>
       </p:ext>
     </p:extLst>
   </p:cSld>
@@ -3053,7 +3053,7 @@
     </p:spTree>
     <p:extLst>
       <p:ext uri="{BB962C8B-B14F-4D97-AF65-F5344CB8AC3E}">
-        <p14:creationId xmlns:p14="http://schemas.microsoft.com/office/powerpoint/2010/main" val="1883132698"/>
+        <p14:creationId xmlns:p14="http://schemas.microsoft.com/office/powerpoint/2010/main" xmlns="" val="1883132698"/>
       </p:ext>
     </p:extLst>
   </p:cSld>
@@ -3140,7 +3140,7 @@
     </p:spTree>
     <p:extLst>
       <p:ext uri="{BB962C8B-B14F-4D97-AF65-F5344CB8AC3E}">
-        <p14:creationId xmlns:p14="http://schemas.microsoft.com/office/powerpoint/2010/main" val="1883132698"/>
+        <p14:creationId xmlns:p14="http://schemas.microsoft.com/office/powerpoint/2010/main" xmlns="" val="1883132698"/>
       </p:ext>
     </p:extLst>
   </p:cSld>
@@ -3227,7 +3227,7 @@
     </p:spTree>
     <p:extLst>
       <p:ext uri="{BB962C8B-B14F-4D97-AF65-F5344CB8AC3E}">
-        <p14:creationId xmlns:p14="http://schemas.microsoft.com/office/powerpoint/2010/main" val="745957084"/>
+        <p14:creationId xmlns:p14="http://schemas.microsoft.com/office/powerpoint/2010/main" xmlns="" val="745957084"/>
       </p:ext>
     </p:extLst>
   </p:cSld>
@@ -3314,7 +3314,7 @@
     </p:spTree>
     <p:extLst>
       <p:ext uri="{BB962C8B-B14F-4D97-AF65-F5344CB8AC3E}">
-        <p14:creationId xmlns:p14="http://schemas.microsoft.com/office/powerpoint/2010/main" val="3920226349"/>
+        <p14:creationId xmlns:p14="http://schemas.microsoft.com/office/powerpoint/2010/main" xmlns="" val="3920226349"/>
       </p:ext>
     </p:extLst>
   </p:cSld>
@@ -3401,7 +3401,7 @@
     </p:spTree>
     <p:extLst>
       <p:ext uri="{BB962C8B-B14F-4D97-AF65-F5344CB8AC3E}">
-        <p14:creationId xmlns:p14="http://schemas.microsoft.com/office/powerpoint/2010/main" val="404239667"/>
+        <p14:creationId xmlns:p14="http://schemas.microsoft.com/office/powerpoint/2010/main" xmlns="" val="404239667"/>
       </p:ext>
     </p:extLst>
   </p:cSld>
@@ -3488,7 +3488,7 @@
     </p:spTree>
     <p:extLst>
       <p:ext uri="{BB962C8B-B14F-4D97-AF65-F5344CB8AC3E}">
-        <p14:creationId xmlns:p14="http://schemas.microsoft.com/office/powerpoint/2010/main" val="1883132698"/>
+        <p14:creationId xmlns:p14="http://schemas.microsoft.com/office/powerpoint/2010/main" xmlns="" val="1883132698"/>
       </p:ext>
     </p:extLst>
   </p:cSld>
@@ -3575,7 +3575,7 @@
     </p:spTree>
     <p:extLst>
       <p:ext uri="{BB962C8B-B14F-4D97-AF65-F5344CB8AC3E}">
-        <p14:creationId xmlns:p14="http://schemas.microsoft.com/office/powerpoint/2010/main" val="1883132698"/>
+        <p14:creationId xmlns:p14="http://schemas.microsoft.com/office/powerpoint/2010/main" xmlns="" val="1883132698"/>
       </p:ext>
     </p:extLst>
   </p:cSld>
@@ -3662,7 +3662,7 @@
     </p:spTree>
     <p:extLst>
       <p:ext uri="{BB962C8B-B14F-4D97-AF65-F5344CB8AC3E}">
-        <p14:creationId xmlns:p14="http://schemas.microsoft.com/office/powerpoint/2010/main" val="1883132698"/>
+        <p14:creationId xmlns:p14="http://schemas.microsoft.com/office/powerpoint/2010/main" xmlns="" val="1883132698"/>
       </p:ext>
     </p:extLst>
   </p:cSld>
@@ -3701,7 +3701,7 @@
           <a:blip r:embed="rId2">
             <a:extLst>
               <a:ext uri="{28A0092B-C50C-407E-A947-70E740481C1C}">
-                <a14:useLocalDpi xmlns:a14="http://schemas.microsoft.com/office/drawing/2010/main" val="0"/>
+                <a14:useLocalDpi xmlns:a14="http://schemas.microsoft.com/office/drawing/2010/main" xmlns="" val="0"/>
               </a:ext>
             </a:extLst>
           </a:blip>
@@ -4015,7 +4015,7 @@
           <a:blip r:embed="rId3">
             <a:extLst>
               <a:ext uri="{28A0092B-C50C-407E-A947-70E740481C1C}">
-                <a14:useLocalDpi xmlns:a14="http://schemas.microsoft.com/office/drawing/2010/main" val="0"/>
+                <a14:useLocalDpi xmlns:a14="http://schemas.microsoft.com/office/drawing/2010/main" xmlns="" val="0"/>
               </a:ext>
             </a:extLst>
           </a:blip>
@@ -4035,7 +4035,7 @@
           <a:noFill/>
           <a:extLst>
             <a:ext uri="{909E8E84-426E-40DD-AFC4-6F175D3DCCD1}">
-              <a14:hiddenFill xmlns:a14="http://schemas.microsoft.com/office/drawing/2010/main">
+              <a14:hiddenFill xmlns:a14="http://schemas.microsoft.com/office/drawing/2010/main" xmlns="">
                 <a:solidFill>
                   <a:srgbClr val="FFFFFF"/>
                 </a:solidFill>
@@ -4047,7 +4047,7 @@
     </p:spTree>
     <p:extLst>
       <p:ext uri="{BB962C8B-B14F-4D97-AF65-F5344CB8AC3E}">
-        <p14:creationId xmlns:p14="http://schemas.microsoft.com/office/powerpoint/2010/main" val="2032434000"/>
+        <p14:creationId xmlns:p14="http://schemas.microsoft.com/office/powerpoint/2010/main" xmlns="" val="2032434000"/>
       </p:ext>
     </p:extLst>
   </p:cSld>
@@ -4093,7 +4093,7 @@
           <a:blip r:embed="rId2">
             <a:extLst>
               <a:ext uri="{28A0092B-C50C-407E-A947-70E740481C1C}">
-                <a14:useLocalDpi xmlns:a14="http://schemas.microsoft.com/office/drawing/2010/main" val="0"/>
+                <a14:useLocalDpi xmlns:a14="http://schemas.microsoft.com/office/drawing/2010/main" xmlns="" val="0"/>
               </a:ext>
             </a:extLst>
           </a:blip>
@@ -4389,7 +4389,7 @@
           <a:blip r:embed="rId3">
             <a:extLst>
               <a:ext uri="{28A0092B-C50C-407E-A947-70E740481C1C}">
-                <a14:useLocalDpi xmlns:a14="http://schemas.microsoft.com/office/drawing/2010/main" val="0"/>
+                <a14:useLocalDpi xmlns:a14="http://schemas.microsoft.com/office/drawing/2010/main" xmlns="" val="0"/>
               </a:ext>
             </a:extLst>
           </a:blip>
@@ -4409,7 +4409,7 @@
           <a:noFill/>
           <a:extLst>
             <a:ext uri="{909E8E84-426E-40DD-AFC4-6F175D3DCCD1}">
-              <a14:hiddenFill xmlns:a14="http://schemas.microsoft.com/office/drawing/2010/main">
+              <a14:hiddenFill xmlns:a14="http://schemas.microsoft.com/office/drawing/2010/main" xmlns="">
                 <a:solidFill>
                   <a:srgbClr val="FFFFFF"/>
                 </a:solidFill>
@@ -4421,7 +4421,7 @@
     </p:spTree>
     <p:extLst>
       <p:ext uri="{BB962C8B-B14F-4D97-AF65-F5344CB8AC3E}">
-        <p14:creationId xmlns:p14="http://schemas.microsoft.com/office/powerpoint/2010/main" val="707728385"/>
+        <p14:creationId xmlns:p14="http://schemas.microsoft.com/office/powerpoint/2010/main" xmlns="" val="707728385"/>
       </p:ext>
     </p:extLst>
   </p:cSld>
@@ -4437,7 +4437,7 @@
   </p:timing>
   <p:extLst mod="1">
     <p:ext uri="{DCECCB84-F9BA-43D5-87BE-67443E8EF086}">
-      <p15:sldGuideLst xmlns:p15="http://schemas.microsoft.com/office/powerpoint/2012/main" xmlns="">
+      <p15:sldGuideLst xmlns="" xmlns:p15="http://schemas.microsoft.com/office/powerpoint/2012/main">
         <p15:guide id="1" orient="horz" pos="1221">
           <p15:clr>
             <a:srgbClr val="C35EA4"/>
@@ -4478,7 +4478,7 @@
           <a:blip r:embed="rId2">
             <a:extLst>
               <a:ext uri="{28A0092B-C50C-407E-A947-70E740481C1C}">
-                <a14:useLocalDpi xmlns:a14="http://schemas.microsoft.com/office/drawing/2010/main" val="0"/>
+                <a14:useLocalDpi xmlns:a14="http://schemas.microsoft.com/office/drawing/2010/main" xmlns="" val="0"/>
               </a:ext>
             </a:extLst>
           </a:blip>
@@ -4729,7 +4729,7 @@
           <a:blip r:embed="rId3">
             <a:extLst>
               <a:ext uri="{28A0092B-C50C-407E-A947-70E740481C1C}">
-                <a14:useLocalDpi xmlns:a14="http://schemas.microsoft.com/office/drawing/2010/main" val="0"/>
+                <a14:useLocalDpi xmlns:a14="http://schemas.microsoft.com/office/drawing/2010/main" xmlns="" val="0"/>
               </a:ext>
             </a:extLst>
           </a:blip>
@@ -4749,7 +4749,7 @@
           <a:noFill/>
           <a:extLst>
             <a:ext uri="{909E8E84-426E-40DD-AFC4-6F175D3DCCD1}">
-              <a14:hiddenFill xmlns:a14="http://schemas.microsoft.com/office/drawing/2010/main">
+              <a14:hiddenFill xmlns:a14="http://schemas.microsoft.com/office/drawing/2010/main" xmlns="">
                 <a:solidFill>
                   <a:srgbClr val="FFFFFF"/>
                 </a:solidFill>
@@ -4761,7 +4761,7 @@
     </p:spTree>
     <p:extLst>
       <p:ext uri="{BB962C8B-B14F-4D97-AF65-F5344CB8AC3E}">
-        <p14:creationId xmlns:p14="http://schemas.microsoft.com/office/powerpoint/2010/main" val="3130113218"/>
+        <p14:creationId xmlns:p14="http://schemas.microsoft.com/office/powerpoint/2010/main" xmlns="" val="3130113218"/>
       </p:ext>
     </p:extLst>
   </p:cSld>
@@ -4770,7 +4770,7 @@
   </p:clrMapOvr>
   <p:extLst mod="1">
     <p:ext uri="{DCECCB84-F9BA-43D5-87BE-67443E8EF086}">
-      <p15:sldGuideLst xmlns:p15="http://schemas.microsoft.com/office/powerpoint/2012/main" xmlns="">
+      <p15:sldGuideLst xmlns="" xmlns:p15="http://schemas.microsoft.com/office/powerpoint/2012/main">
         <p15:guide id="1" orient="horz" pos="1221">
           <p15:clr>
             <a:srgbClr val="C35EA4"/>
@@ -4924,7 +4924,7 @@
     </p:spTree>
     <p:extLst>
       <p:ext uri="{BB962C8B-B14F-4D97-AF65-F5344CB8AC3E}">
-        <p14:creationId xmlns:p14="http://schemas.microsoft.com/office/powerpoint/2010/main" val="2626482632"/>
+        <p14:creationId xmlns:p14="http://schemas.microsoft.com/office/powerpoint/2010/main" xmlns="" val="2626482632"/>
       </p:ext>
     </p:extLst>
   </p:cSld>
@@ -5145,7 +5145,7 @@
     </p:spTree>
     <p:extLst>
       <p:ext uri="{BB962C8B-B14F-4D97-AF65-F5344CB8AC3E}">
-        <p14:creationId xmlns:p14="http://schemas.microsoft.com/office/powerpoint/2010/main" val="3371847988"/>
+        <p14:creationId xmlns:p14="http://schemas.microsoft.com/office/powerpoint/2010/main" xmlns="" val="3371847988"/>
       </p:ext>
     </p:extLst>
   </p:cSld>
@@ -5361,7 +5361,7 @@
     </p:spTree>
     <p:extLst>
       <p:ext uri="{BB962C8B-B14F-4D97-AF65-F5344CB8AC3E}">
-        <p14:creationId xmlns:p14="http://schemas.microsoft.com/office/powerpoint/2010/main" val="4208395069"/>
+        <p14:creationId xmlns:p14="http://schemas.microsoft.com/office/powerpoint/2010/main" xmlns="" val="4208395069"/>
       </p:ext>
     </p:extLst>
   </p:cSld>
@@ -5457,7 +5457,7 @@
     </p:spTree>
     <p:extLst>
       <p:ext uri="{BB962C8B-B14F-4D97-AF65-F5344CB8AC3E}">
-        <p14:creationId xmlns:p14="http://schemas.microsoft.com/office/powerpoint/2010/main" val="2097094422"/>
+        <p14:creationId xmlns:p14="http://schemas.microsoft.com/office/powerpoint/2010/main" xmlns="" val="2097094422"/>
       </p:ext>
     </p:extLst>
   </p:cSld>
@@ -5491,12 +5491,9 @@
             <a:graphicFrameLocks noChangeAspect="1"/>
           </p:cNvGraphicFramePr>
           <p:nvPr userDrawn="1">
-            <p:custDataLst>
-              <p:tags r:id="rId2"/>
-            </p:custDataLst>
             <p:extLst>
               <p:ext uri="{D42A27DB-BD31-4B8C-83A1-F6EECF244321}">
-                <p14:modId xmlns:p14="http://schemas.microsoft.com/office/powerpoint/2010/main" val="2766779821"/>
+                <p14:modId xmlns:p14="http://schemas.microsoft.com/office/powerpoint/2010/main" xmlns="" val="2766779821"/>
               </p:ext>
             </p:extLst>
           </p:nvPr>
@@ -5507,40 +5504,9 @@
         </p:xfrm>
         <a:graphic>
           <a:graphicData uri="http://schemas.openxmlformats.org/presentationml/2006/ole">
-            <mc:AlternateContent xmlns:mc="http://schemas.openxmlformats.org/markup-compatibility/2006">
-              <mc:Choice xmlns:v="urn:schemas-microsoft-com:vml" Requires="v">
-                <p:oleObj spid="_x0000_s2288" name="think-cell Folie" r:id="rId4" imgW="305" imgH="303" progId="TCLayout.ActiveDocument.1">
-                  <p:embed/>
-                </p:oleObj>
-              </mc:Choice>
-              <mc:Fallback>
-                <p:oleObj name="think-cell Folie" r:id="rId4" imgW="305" imgH="303" progId="TCLayout.ActiveDocument.1">
-                  <p:embed/>
-                  <p:pic>
-                    <p:nvPicPr>
-                      <p:cNvPr id="0" name=""/>
-                      <p:cNvPicPr/>
-                      <p:nvPr/>
-                    </p:nvPicPr>
-                    <p:blipFill>
-                      <a:blip r:embed="rId5"/>
-                      <a:stretch>
-                        <a:fillRect/>
-                      </a:stretch>
-                    </p:blipFill>
-                    <p:spPr>
-                      <a:xfrm>
-                        <a:off x="1588" y="1588"/>
-                        <a:ext cx="1587" cy="1587"/>
-                      </a:xfrm>
-                      <a:prstGeom prst="rect">
-                        <a:avLst/>
-                      </a:prstGeom>
-                    </p:spPr>
-                  </p:pic>
-                </p:oleObj>
-              </mc:Fallback>
-            </mc:AlternateContent>
+            <p:oleObj spid="_x0000_s2288" name="think-cell Folie" r:id="rId3" imgW="360" imgH="360" progId="">
+              <p:embed/>
+            </p:oleObj>
           </a:graphicData>
         </a:graphic>
       </p:graphicFrame>
@@ -5553,10 +5519,10 @@
           <p:nvPr userDrawn="1"/>
         </p:nvPicPr>
         <p:blipFill rotWithShape="1">
-          <a:blip r:embed="rId6">
+          <a:blip r:embed="rId4">
             <a:extLst>
               <a:ext uri="{28A0092B-C50C-407E-A947-70E740481C1C}">
-                <a14:useLocalDpi xmlns:a14="http://schemas.microsoft.com/office/drawing/2010/main" val="0"/>
+                <a14:useLocalDpi xmlns:a14="http://schemas.microsoft.com/office/drawing/2010/main" xmlns="" val="0"/>
               </a:ext>
             </a:extLst>
           </a:blip>
@@ -5582,7 +5548,7 @@
           <p:nvPr userDrawn="1"/>
         </p:nvPicPr>
         <p:blipFill>
-          <a:blip r:embed="rId7"/>
+          <a:blip r:embed="rId5"/>
           <a:stretch>
             <a:fillRect/>
           </a:stretch>
@@ -5808,7 +5774,7 @@
     </p:spTree>
     <p:extLst>
       <p:ext uri="{BB962C8B-B14F-4D97-AF65-F5344CB8AC3E}">
-        <p14:creationId xmlns:p14="http://schemas.microsoft.com/office/powerpoint/2010/main" val="2060546820"/>
+        <p14:creationId xmlns:p14="http://schemas.microsoft.com/office/powerpoint/2010/main" xmlns="" val="2060546820"/>
       </p:ext>
     </p:extLst>
   </p:cSld>
@@ -5849,10 +5815,10 @@
           <p:nvPr/>
         </p:nvPicPr>
         <p:blipFill>
-          <a:blip r:embed="rId12">
+          <a:blip r:embed="rId11">
             <a:extLst>
               <a:ext uri="{28A0092B-C50C-407E-A947-70E740481C1C}">
-                <a14:useLocalDpi xmlns:a14="http://schemas.microsoft.com/office/drawing/2010/main" val="0"/>
+                <a14:useLocalDpi xmlns:a14="http://schemas.microsoft.com/office/drawing/2010/main" xmlns="" val="0"/>
               </a:ext>
             </a:extLst>
           </a:blip>
@@ -5872,7 +5838,7 @@
           <a:noFill/>
           <a:extLst>
             <a:ext uri="{909E8E84-426E-40DD-AFC4-6F175D3DCCD1}">
-              <a14:hiddenFill xmlns:a14="http://schemas.microsoft.com/office/drawing/2010/main">
+              <a14:hiddenFill xmlns:a14="http://schemas.microsoft.com/office/drawing/2010/main" xmlns="">
                 <a:solidFill>
                   <a:srgbClr val="FFFFFF"/>
                 </a:solidFill>
@@ -5888,12 +5854,9 @@
             <a:graphicFrameLocks noChangeAspect="1"/>
           </p:cNvGraphicFramePr>
           <p:nvPr>
-            <p:custDataLst>
-              <p:tags r:id="rId11"/>
-            </p:custDataLst>
             <p:extLst>
               <p:ext uri="{D42A27DB-BD31-4B8C-83A1-F6EECF244321}">
-                <p14:modId xmlns:p14="http://schemas.microsoft.com/office/powerpoint/2010/main" val="2610759032"/>
+                <p14:modId xmlns:p14="http://schemas.microsoft.com/office/powerpoint/2010/main" xmlns="" val="2610759032"/>
               </p:ext>
             </p:extLst>
           </p:nvPr>
@@ -5904,40 +5867,9 @@
         </p:xfrm>
         <a:graphic>
           <a:graphicData uri="http://schemas.openxmlformats.org/presentationml/2006/ole">
-            <mc:AlternateContent xmlns:mc="http://schemas.openxmlformats.org/markup-compatibility/2006">
-              <mc:Choice xmlns:v="urn:schemas-microsoft-com:vml" Requires="v">
-                <p:oleObj spid="_x0000_s1269" name="think-cell Folie" r:id="rId13" imgW="305" imgH="303" progId="TCLayout.ActiveDocument.1">
-                  <p:embed/>
-                </p:oleObj>
-              </mc:Choice>
-              <mc:Fallback>
-                <p:oleObj name="think-cell Folie" r:id="rId13" imgW="305" imgH="303" progId="TCLayout.ActiveDocument.1">
-                  <p:embed/>
-                  <p:pic>
-                    <p:nvPicPr>
-                      <p:cNvPr id="0" name=""/>
-                      <p:cNvPicPr/>
-                      <p:nvPr/>
-                    </p:nvPicPr>
-                    <p:blipFill>
-                      <a:blip r:embed="rId14"/>
-                      <a:stretch>
-                        <a:fillRect/>
-                      </a:stretch>
-                    </p:blipFill>
-                    <p:spPr>
-                      <a:xfrm>
-                        <a:off x="1588" y="1588"/>
-                        <a:ext cx="1587" cy="1587"/>
-                      </a:xfrm>
-                      <a:prstGeom prst="rect">
-                        <a:avLst/>
-                      </a:prstGeom>
-                    </p:spPr>
-                  </p:pic>
-                </p:oleObj>
-              </mc:Fallback>
-            </mc:AlternateContent>
+            <p:oleObj spid="_x0000_s1269" name="think-cell Folie" r:id="rId12" imgW="360" imgH="360" progId="">
+              <p:embed/>
+            </p:oleObj>
           </a:graphicData>
         </a:graphic>
       </p:graphicFrame>
@@ -6795,7 +6727,7 @@
     </p:spTree>
     <p:extLst>
       <p:ext uri="{BB962C8B-B14F-4D97-AF65-F5344CB8AC3E}">
-        <p14:creationId xmlns:p14="http://schemas.microsoft.com/office/powerpoint/2010/main" val="2955847980"/>
+        <p14:creationId xmlns:p14="http://schemas.microsoft.com/office/powerpoint/2010/main" xmlns="" val="2955847980"/>
       </p:ext>
     </p:extLst>
   </p:cSld>
@@ -7114,7 +7046,7 @@
   </p:txStyles>
   <p:extLst mod="1">
     <p:ext uri="{27BBF7A9-308A-43DC-89C8-2F10F3537804}">
-      <p15:sldGuideLst xmlns:p15="http://schemas.microsoft.com/office/powerpoint/2012/main" xmlns="">
+      <p15:sldGuideLst xmlns="" xmlns:p15="http://schemas.microsoft.com/office/powerpoint/2012/main">
         <p15:guide id="1" pos="283">
           <p15:clr>
             <a:srgbClr val="FBAE40"/>
@@ -7220,8 +7152,8 @@
         </p:nvSpPr>
         <p:spPr>
           <a:xfrm>
-            <a:off x="976312" y="4178885"/>
-            <a:ext cx="5232400" cy="507831"/>
+            <a:off x="976312" y="4009608"/>
+            <a:ext cx="5232400" cy="677108"/>
           </a:xfrm>
         </p:spPr>
         <p:txBody>
@@ -7230,24 +7162,43 @@
           <a:p>
             <a:r>
               <a:rPr lang="pl-PL" dirty="0" smtClean="0"/>
-              <a:t>Marek Strejczek</a:t>
+              <a:t>Prowadzący: Mateusz Kołodziejski</a:t>
+            </a:r>
+          </a:p>
+          <a:p>
+            <a:r>
+              <a:rPr lang="pl-PL" dirty="0" smtClean="0"/>
+              <a:t>Materiały: </a:t>
+            </a:r>
+            <a:r>
+              <a:rPr lang="pl-PL" dirty="0" smtClean="0"/>
+              <a:t>Marek </a:t>
+            </a:r>
+            <a:r>
+              <a:rPr lang="pl-PL" dirty="0" smtClean="0"/>
+              <a:t>Strejczek</a:t>
             </a:r>
             <a:endParaRPr lang="de-DE" dirty="0" smtClean="0"/>
           </a:p>
           <a:p>
             <a:r>
               <a:rPr lang="pl-PL" dirty="0" smtClean="0"/>
-              <a:t>Lato 2016</a:t>
-            </a:r>
-          </a:p>
-          <a:p>
-            <a:r>
-              <a:rPr lang="pl-PL" smtClean="0"/>
+              <a:t>Lato </a:t>
+            </a:r>
+            <a:r>
+              <a:rPr lang="pl-PL" dirty="0" smtClean="0"/>
+              <a:t>2017</a:t>
+            </a:r>
+            <a:endParaRPr lang="pl-PL" dirty="0" smtClean="0"/>
+          </a:p>
+          <a:p>
+            <a:r>
+              <a:rPr lang="pl-PL" dirty="0" smtClean="0"/>
               <a:t>Wersja </a:t>
             </a:r>
             <a:r>
-              <a:rPr lang="pl-PL" smtClean="0"/>
-              <a:t>1.1</a:t>
+              <a:rPr lang="pl-PL" dirty="0" smtClean="0"/>
+              <a:t>1.2</a:t>
             </a:r>
             <a:endParaRPr lang="de-DE" dirty="0"/>
           </a:p>
@@ -7256,7 +7207,7 @@
     </p:spTree>
     <p:extLst>
       <p:ext uri="{BB962C8B-B14F-4D97-AF65-F5344CB8AC3E}">
-        <p14:creationId xmlns:p14="http://schemas.microsoft.com/office/powerpoint/2010/main" val="3230101943"/>
+        <p14:creationId xmlns:p14="http://schemas.microsoft.com/office/powerpoint/2010/main" xmlns="" val="3230101943"/>
       </p:ext>
     </p:extLst>
   </p:cSld>
@@ -7465,18 +7416,18 @@
     </p:spTree>
     <p:extLst>
       <p:ext uri="{BB962C8B-B14F-4D97-AF65-F5344CB8AC3E}">
-        <p14:creationId xmlns:p14="http://schemas.microsoft.com/office/powerpoint/2010/main" val="565121571"/>
+        <p14:creationId xmlns:p14="http://schemas.microsoft.com/office/powerpoint/2010/main" xmlns="" val="565121571"/>
       </p:ext>
     </p:extLst>
   </p:cSld>
   <p:clrMapOvr>
     <a:masterClrMapping/>
   </p:clrMapOvr>
-  <mc:AlternateContent xmlns:mc="http://schemas.openxmlformats.org/markup-compatibility/2006" xmlns:p14="http://schemas.microsoft.com/office/powerpoint/2010/main">
-    <mc:Choice Requires="p14">
+  <mc:AlternateContent xmlns:mc="http://schemas.openxmlformats.org/markup-compatibility/2006">
+    <mc:Choice xmlns:p14="http://schemas.microsoft.com/office/powerpoint/2010/main" xmlns="" Requires="p14">
       <p:transition p14:dur="10"/>
     </mc:Choice>
-    <mc:Fallback xmlns="">
+    <mc:Fallback>
       <p:transition/>
     </mc:Fallback>
   </mc:AlternateContent>
@@ -8196,18 +8147,18 @@
     </p:spTree>
     <p:extLst>
       <p:ext uri="{BB962C8B-B14F-4D97-AF65-F5344CB8AC3E}">
-        <p14:creationId xmlns:p14="http://schemas.microsoft.com/office/powerpoint/2010/main" val="1329190289"/>
+        <p14:creationId xmlns:p14="http://schemas.microsoft.com/office/powerpoint/2010/main" xmlns="" val="1329190289"/>
       </p:ext>
     </p:extLst>
   </p:cSld>
   <p:clrMapOvr>
     <a:masterClrMapping/>
   </p:clrMapOvr>
-  <mc:AlternateContent xmlns:mc="http://schemas.openxmlformats.org/markup-compatibility/2006" xmlns:p14="http://schemas.microsoft.com/office/powerpoint/2010/main">
-    <mc:Choice Requires="p14">
+  <mc:AlternateContent xmlns:mc="http://schemas.openxmlformats.org/markup-compatibility/2006">
+    <mc:Choice xmlns:p14="http://schemas.microsoft.com/office/powerpoint/2010/main" xmlns="" Requires="p14">
       <p:transition p14:dur="10"/>
     </mc:Choice>
-    <mc:Fallback xmlns="">
+    <mc:Fallback>
       <p:transition/>
     </mc:Fallback>
   </mc:AlternateContent>
@@ -8796,7 +8747,7 @@
           <a:blip r:embed="rId8">
             <a:extLst>
               <a:ext uri="{28A0092B-C50C-407E-A947-70E740481C1C}">
-                <a14:useLocalDpi xmlns:a14="http://schemas.microsoft.com/office/drawing/2010/main" val="0"/>
+                <a14:useLocalDpi xmlns:a14="http://schemas.microsoft.com/office/drawing/2010/main" xmlns="" val="0"/>
               </a:ext>
             </a:extLst>
           </a:blip>
@@ -8819,14 +8770,14 @@
           </a:ln>
           <a:extLst>
             <a:ext uri="{909E8E84-426E-40DD-AFC4-6F175D3DCCD1}">
-              <a14:hiddenFill xmlns:a14="http://schemas.microsoft.com/office/drawing/2010/main">
+              <a14:hiddenFill xmlns:a14="http://schemas.microsoft.com/office/drawing/2010/main" xmlns="">
                 <a:solidFill>
                   <a:schemeClr val="accent1"/>
                 </a:solidFill>
               </a14:hiddenFill>
             </a:ext>
             <a:ext uri="{91240B29-F687-4F45-9708-019B960494DF}">
-              <a14:hiddenLine xmlns:a14="http://schemas.microsoft.com/office/drawing/2010/main" w="9525">
+              <a14:hiddenLine xmlns:a14="http://schemas.microsoft.com/office/drawing/2010/main" xmlns="" w="9525">
                 <a:solidFill>
                   <a:schemeClr val="tx1"/>
                 </a:solidFill>
@@ -8841,18 +8792,18 @@
     </p:spTree>
     <p:extLst>
       <p:ext uri="{BB962C8B-B14F-4D97-AF65-F5344CB8AC3E}">
-        <p14:creationId xmlns:p14="http://schemas.microsoft.com/office/powerpoint/2010/main" val="1445465161"/>
+        <p14:creationId xmlns:p14="http://schemas.microsoft.com/office/powerpoint/2010/main" xmlns="" val="1445465161"/>
       </p:ext>
     </p:extLst>
   </p:cSld>
   <p:clrMapOvr>
     <a:masterClrMapping/>
   </p:clrMapOvr>
-  <mc:AlternateContent xmlns:mc="http://schemas.openxmlformats.org/markup-compatibility/2006" xmlns:p14="http://schemas.microsoft.com/office/powerpoint/2010/main">
-    <mc:Choice Requires="p14">
+  <mc:AlternateContent xmlns:mc="http://schemas.openxmlformats.org/markup-compatibility/2006">
+    <mc:Choice xmlns:p14="http://schemas.microsoft.com/office/powerpoint/2010/main" xmlns="" Requires="p14">
       <p:transition p14:dur="10"/>
     </mc:Choice>
-    <mc:Fallback xmlns="">
+    <mc:Fallback>
       <p:transition/>
     </mc:Fallback>
   </mc:AlternateContent>
@@ -9066,7 +9017,7 @@
           <a:blip r:embed="rId4">
             <a:extLst>
               <a:ext uri="{28A0092B-C50C-407E-A947-70E740481C1C}">
-                <a14:useLocalDpi xmlns:a14="http://schemas.microsoft.com/office/drawing/2010/main" val="0"/>
+                <a14:useLocalDpi xmlns:a14="http://schemas.microsoft.com/office/drawing/2010/main" xmlns="" val="0"/>
               </a:ext>
             </a:extLst>
           </a:blip>
@@ -9089,14 +9040,14 @@
           </a:ln>
           <a:extLst>
             <a:ext uri="{909E8E84-426E-40DD-AFC4-6F175D3DCCD1}">
-              <a14:hiddenFill xmlns:a14="http://schemas.microsoft.com/office/drawing/2010/main">
+              <a14:hiddenFill xmlns:a14="http://schemas.microsoft.com/office/drawing/2010/main" xmlns="">
                 <a:solidFill>
                   <a:schemeClr val="accent1"/>
                 </a:solidFill>
               </a14:hiddenFill>
             </a:ext>
             <a:ext uri="{91240B29-F687-4F45-9708-019B960494DF}">
-              <a14:hiddenLine xmlns:a14="http://schemas.microsoft.com/office/drawing/2010/main" w="9525">
+              <a14:hiddenLine xmlns:a14="http://schemas.microsoft.com/office/drawing/2010/main" xmlns="" w="9525">
                 <a:solidFill>
                   <a:schemeClr val="tx1"/>
                 </a:solidFill>
@@ -9120,7 +9071,7 @@
           <a:blip r:embed="rId5">
             <a:extLst>
               <a:ext uri="{28A0092B-C50C-407E-A947-70E740481C1C}">
-                <a14:useLocalDpi xmlns:a14="http://schemas.microsoft.com/office/drawing/2010/main" val="0"/>
+                <a14:useLocalDpi xmlns:a14="http://schemas.microsoft.com/office/drawing/2010/main" xmlns="" val="0"/>
               </a:ext>
             </a:extLst>
           </a:blip>
@@ -9143,14 +9094,14 @@
           </a:ln>
           <a:extLst>
             <a:ext uri="{909E8E84-426E-40DD-AFC4-6F175D3DCCD1}">
-              <a14:hiddenFill xmlns:a14="http://schemas.microsoft.com/office/drawing/2010/main">
+              <a14:hiddenFill xmlns:a14="http://schemas.microsoft.com/office/drawing/2010/main" xmlns="">
                 <a:solidFill>
                   <a:schemeClr val="accent1"/>
                 </a:solidFill>
               </a14:hiddenFill>
             </a:ext>
             <a:ext uri="{91240B29-F687-4F45-9708-019B960494DF}">
-              <a14:hiddenLine xmlns:a14="http://schemas.microsoft.com/office/drawing/2010/main" w="9525">
+              <a14:hiddenLine xmlns:a14="http://schemas.microsoft.com/office/drawing/2010/main" xmlns="" w="9525">
                 <a:solidFill>
                   <a:schemeClr val="tx1"/>
                 </a:solidFill>
@@ -9481,18 +9432,18 @@
     </p:spTree>
     <p:extLst>
       <p:ext uri="{BB962C8B-B14F-4D97-AF65-F5344CB8AC3E}">
-        <p14:creationId xmlns:p14="http://schemas.microsoft.com/office/powerpoint/2010/main" val="3166790887"/>
+        <p14:creationId xmlns:p14="http://schemas.microsoft.com/office/powerpoint/2010/main" xmlns="" val="3166790887"/>
       </p:ext>
     </p:extLst>
   </p:cSld>
   <p:clrMapOvr>
     <a:masterClrMapping/>
   </p:clrMapOvr>
-  <mc:AlternateContent xmlns:mc="http://schemas.openxmlformats.org/markup-compatibility/2006" xmlns:p14="http://schemas.microsoft.com/office/powerpoint/2010/main">
-    <mc:Choice Requires="p14">
+  <mc:AlternateContent xmlns:mc="http://schemas.openxmlformats.org/markup-compatibility/2006">
+    <mc:Choice xmlns:p14="http://schemas.microsoft.com/office/powerpoint/2010/main" xmlns="" Requires="p14">
       <p:transition p14:dur="10"/>
     </mc:Choice>
-    <mc:Fallback xmlns="">
+    <mc:Fallback>
       <p:transition/>
     </mc:Fallback>
   </mc:AlternateContent>
@@ -9663,7 +9614,7 @@
           <a:blip r:embed="rId4">
             <a:extLst>
               <a:ext uri="{28A0092B-C50C-407E-A947-70E740481C1C}">
-                <a14:useLocalDpi xmlns:a14="http://schemas.microsoft.com/office/drawing/2010/main" val="0"/>
+                <a14:useLocalDpi xmlns:a14="http://schemas.microsoft.com/office/drawing/2010/main" xmlns="" val="0"/>
               </a:ext>
             </a:extLst>
           </a:blip>
@@ -9686,14 +9637,14 @@
           </a:ln>
           <a:extLst>
             <a:ext uri="{909E8E84-426E-40DD-AFC4-6F175D3DCCD1}">
-              <a14:hiddenFill xmlns:a14="http://schemas.microsoft.com/office/drawing/2010/main">
+              <a14:hiddenFill xmlns:a14="http://schemas.microsoft.com/office/drawing/2010/main" xmlns="">
                 <a:solidFill>
                   <a:schemeClr val="accent1"/>
                 </a:solidFill>
               </a14:hiddenFill>
             </a:ext>
             <a:ext uri="{91240B29-F687-4F45-9708-019B960494DF}">
-              <a14:hiddenLine xmlns:a14="http://schemas.microsoft.com/office/drawing/2010/main" w="9525">
+              <a14:hiddenLine xmlns:a14="http://schemas.microsoft.com/office/drawing/2010/main" xmlns="" w="9525">
                 <a:solidFill>
                   <a:schemeClr val="tx1"/>
                 </a:solidFill>
@@ -9708,18 +9659,18 @@
     </p:spTree>
     <p:extLst>
       <p:ext uri="{BB962C8B-B14F-4D97-AF65-F5344CB8AC3E}">
-        <p14:creationId xmlns:p14="http://schemas.microsoft.com/office/powerpoint/2010/main" val="2519267293"/>
+        <p14:creationId xmlns:p14="http://schemas.microsoft.com/office/powerpoint/2010/main" xmlns="" val="2519267293"/>
       </p:ext>
     </p:extLst>
   </p:cSld>
   <p:clrMapOvr>
     <a:masterClrMapping/>
   </p:clrMapOvr>
-  <mc:AlternateContent xmlns:mc="http://schemas.openxmlformats.org/markup-compatibility/2006" xmlns:p14="http://schemas.microsoft.com/office/powerpoint/2010/main">
-    <mc:Choice Requires="p14">
+  <mc:AlternateContent xmlns:mc="http://schemas.openxmlformats.org/markup-compatibility/2006">
+    <mc:Choice xmlns:p14="http://schemas.microsoft.com/office/powerpoint/2010/main" xmlns="" Requires="p14">
       <p:transition p14:dur="10"/>
     </mc:Choice>
-    <mc:Fallback xmlns="">
+    <mc:Fallback>
       <p:transition/>
     </mc:Fallback>
   </mc:AlternateContent>
@@ -9834,7 +9785,6 @@
               <a:rPr lang="pl-PL" sz="1050" dirty="0" smtClean="0"/>
               <a:t>Zapytanie o produkty wybranych typów:</a:t>
             </a:r>
-            <a:endParaRPr lang="pl-PL" sz="1050" dirty="0" smtClean="0"/>
           </a:p>
           <a:p>
             <a:pPr lvl="1"/>
@@ -9842,29 +9792,18 @@
               <a:rPr lang="pl-PL" sz="850" dirty="0" smtClean="0">
                 <a:hlinkClick r:id="rId3"/>
               </a:rPr>
-              <a:t>GET http://</a:t>
-            </a:r>
-            <a:r>
-              <a:rPr lang="pl-PL" sz="850" dirty="0" smtClean="0">
-                <a:hlinkClick r:id="rId3"/>
-              </a:rPr>
-              <a:t>localhost:8090/products</a:t>
+              <a:t>GET http://localhost:8090/products</a:t>
             </a:r>
             <a:r>
               <a:rPr lang="pl-PL" sz="850" dirty="0" smtClean="0"/>
               <a:t>?type=METAL&amp;type=FOOD</a:t>
             </a:r>
-            <a:endParaRPr lang="pl-PL" sz="850" dirty="0" smtClean="0"/>
           </a:p>
           <a:p>
             <a:pPr lvl="1"/>
             <a:r>
               <a:rPr lang="pl-PL" sz="850" dirty="0" smtClean="0"/>
-              <a:t>Odpowiedź serwera ma status 200 OK i zawiera tablicę </a:t>
-            </a:r>
-            <a:r>
-              <a:rPr lang="pl-PL" sz="850" dirty="0" smtClean="0"/>
-              <a:t>wszystkich produktów typu METAL lub FOOD.</a:t>
+              <a:t>Odpowiedź serwera ma status 200 OK i zawiera tablicę wszystkich produktów typu METAL lub FOOD.</a:t>
             </a:r>
           </a:p>
           <a:p>
@@ -9912,7 +9851,7 @@
           <a:blip r:embed="rId4">
             <a:extLst>
               <a:ext uri="{28A0092B-C50C-407E-A947-70E740481C1C}">
-                <a14:useLocalDpi xmlns:a14="http://schemas.microsoft.com/office/drawing/2010/main" val="0"/>
+                <a14:useLocalDpi xmlns:a14="http://schemas.microsoft.com/office/drawing/2010/main" xmlns="" val="0"/>
               </a:ext>
             </a:extLst>
           </a:blip>
@@ -9935,14 +9874,14 @@
           </a:ln>
           <a:extLst>
             <a:ext uri="{909E8E84-426E-40DD-AFC4-6F175D3DCCD1}">
-              <a14:hiddenFill xmlns:a14="http://schemas.microsoft.com/office/drawing/2010/main">
+              <a14:hiddenFill xmlns:a14="http://schemas.microsoft.com/office/drawing/2010/main" xmlns="">
                 <a:solidFill>
                   <a:schemeClr val="accent1"/>
                 </a:solidFill>
               </a14:hiddenFill>
             </a:ext>
             <a:ext uri="{91240B29-F687-4F45-9708-019B960494DF}">
-              <a14:hiddenLine xmlns:a14="http://schemas.microsoft.com/office/drawing/2010/main" w="9525">
+              <a14:hiddenLine xmlns:a14="http://schemas.microsoft.com/office/drawing/2010/main" xmlns="" w="9525">
                 <a:solidFill>
                   <a:schemeClr val="tx1"/>
                 </a:solidFill>
@@ -9957,18 +9896,18 @@
     </p:spTree>
     <p:extLst>
       <p:ext uri="{BB962C8B-B14F-4D97-AF65-F5344CB8AC3E}">
-        <p14:creationId xmlns:p14="http://schemas.microsoft.com/office/powerpoint/2010/main" val="245669067"/>
+        <p14:creationId xmlns:p14="http://schemas.microsoft.com/office/powerpoint/2010/main" xmlns="" val="245669067"/>
       </p:ext>
     </p:extLst>
   </p:cSld>
   <p:clrMapOvr>
     <a:masterClrMapping/>
   </p:clrMapOvr>
-  <mc:AlternateContent xmlns:mc="http://schemas.openxmlformats.org/markup-compatibility/2006" xmlns:p14="http://schemas.microsoft.com/office/powerpoint/2010/main">
-    <mc:Choice Requires="p14">
+  <mc:AlternateContent xmlns:mc="http://schemas.openxmlformats.org/markup-compatibility/2006">
+    <mc:Choice xmlns:p14="http://schemas.microsoft.com/office/powerpoint/2010/main" xmlns="" Requires="p14">
       <p:transition p14:dur="10"/>
     </mc:Choice>
-    <mc:Fallback xmlns="">
+    <mc:Fallback>
       <p:transition/>
     </mc:Fallback>
   </mc:AlternateContent>
@@ -10194,7 +10133,7 @@
           <a:blip r:embed="rId5">
             <a:extLst>
               <a:ext uri="{28A0092B-C50C-407E-A947-70E740481C1C}">
-                <a14:useLocalDpi xmlns:a14="http://schemas.microsoft.com/office/drawing/2010/main" val="0"/>
+                <a14:useLocalDpi xmlns:a14="http://schemas.microsoft.com/office/drawing/2010/main" xmlns="" val="0"/>
               </a:ext>
             </a:extLst>
           </a:blip>
@@ -10217,14 +10156,14 @@
           </a:ln>
           <a:extLst>
             <a:ext uri="{909E8E84-426E-40DD-AFC4-6F175D3DCCD1}">
-              <a14:hiddenFill xmlns:a14="http://schemas.microsoft.com/office/drawing/2010/main">
+              <a14:hiddenFill xmlns:a14="http://schemas.microsoft.com/office/drawing/2010/main" xmlns="">
                 <a:solidFill>
                   <a:schemeClr val="accent1"/>
                 </a:solidFill>
               </a14:hiddenFill>
             </a:ext>
             <a:ext uri="{91240B29-F687-4F45-9708-019B960494DF}">
-              <a14:hiddenLine xmlns:a14="http://schemas.microsoft.com/office/drawing/2010/main" w="9525">
+              <a14:hiddenLine xmlns:a14="http://schemas.microsoft.com/office/drawing/2010/main" xmlns="" w="9525">
                 <a:solidFill>
                   <a:schemeClr val="tx1"/>
                 </a:solidFill>
@@ -10239,18 +10178,18 @@
     </p:spTree>
     <p:extLst>
       <p:ext uri="{BB962C8B-B14F-4D97-AF65-F5344CB8AC3E}">
-        <p14:creationId xmlns:p14="http://schemas.microsoft.com/office/powerpoint/2010/main" val="477170418"/>
+        <p14:creationId xmlns:p14="http://schemas.microsoft.com/office/powerpoint/2010/main" xmlns="" val="477170418"/>
       </p:ext>
     </p:extLst>
   </p:cSld>
   <p:clrMapOvr>
     <a:masterClrMapping/>
   </p:clrMapOvr>
-  <mc:AlternateContent xmlns:mc="http://schemas.openxmlformats.org/markup-compatibility/2006" xmlns:p14="http://schemas.microsoft.com/office/powerpoint/2010/main">
-    <mc:Choice Requires="p14">
+  <mc:AlternateContent xmlns:mc="http://schemas.openxmlformats.org/markup-compatibility/2006">
+    <mc:Choice xmlns:p14="http://schemas.microsoft.com/office/powerpoint/2010/main" xmlns="" Requires="p14">
       <p:transition p14:dur="10"/>
     </mc:Choice>
-    <mc:Fallback xmlns="">
+    <mc:Fallback>
       <p:transition/>
     </mc:Fallback>
   </mc:AlternateContent>
@@ -10426,7 +10365,7 @@
           <a:blip r:embed="rId5">
             <a:extLst>
               <a:ext uri="{28A0092B-C50C-407E-A947-70E740481C1C}">
-                <a14:useLocalDpi xmlns:a14="http://schemas.microsoft.com/office/drawing/2010/main" val="0"/>
+                <a14:useLocalDpi xmlns:a14="http://schemas.microsoft.com/office/drawing/2010/main" xmlns="" val="0"/>
               </a:ext>
             </a:extLst>
           </a:blip>
@@ -10449,14 +10388,14 @@
           </a:ln>
           <a:extLst>
             <a:ext uri="{909E8E84-426E-40DD-AFC4-6F175D3DCCD1}">
-              <a14:hiddenFill xmlns:a14="http://schemas.microsoft.com/office/drawing/2010/main">
+              <a14:hiddenFill xmlns:a14="http://schemas.microsoft.com/office/drawing/2010/main" xmlns="">
                 <a:solidFill>
                   <a:schemeClr val="accent1"/>
                 </a:solidFill>
               </a14:hiddenFill>
             </a:ext>
             <a:ext uri="{91240B29-F687-4F45-9708-019B960494DF}">
-              <a14:hiddenLine xmlns:a14="http://schemas.microsoft.com/office/drawing/2010/main" w="9525">
+              <a14:hiddenLine xmlns:a14="http://schemas.microsoft.com/office/drawing/2010/main" xmlns="" w="9525">
                 <a:solidFill>
                   <a:schemeClr val="tx1"/>
                 </a:solidFill>
@@ -10471,18 +10410,18 @@
     </p:spTree>
     <p:extLst>
       <p:ext uri="{BB962C8B-B14F-4D97-AF65-F5344CB8AC3E}">
-        <p14:creationId xmlns:p14="http://schemas.microsoft.com/office/powerpoint/2010/main" val="2865102593"/>
+        <p14:creationId xmlns:p14="http://schemas.microsoft.com/office/powerpoint/2010/main" xmlns="" val="2865102593"/>
       </p:ext>
     </p:extLst>
   </p:cSld>
   <p:clrMapOvr>
     <a:masterClrMapping/>
   </p:clrMapOvr>
-  <mc:AlternateContent xmlns:mc="http://schemas.openxmlformats.org/markup-compatibility/2006" xmlns:p14="http://schemas.microsoft.com/office/powerpoint/2010/main">
-    <mc:Choice Requires="p14">
+  <mc:AlternateContent xmlns:mc="http://schemas.openxmlformats.org/markup-compatibility/2006">
+    <mc:Choice xmlns:p14="http://schemas.microsoft.com/office/powerpoint/2010/main" xmlns="" Requires="p14">
       <p:transition p14:dur="10"/>
     </mc:Choice>
-    <mc:Fallback xmlns="">
+    <mc:Fallback>
       <p:transition/>
     </mc:Fallback>
   </mc:AlternateContent>
@@ -10655,7 +10594,7 @@
           <a:blip r:embed="rId4">
             <a:extLst>
               <a:ext uri="{28A0092B-C50C-407E-A947-70E740481C1C}">
-                <a14:useLocalDpi xmlns:a14="http://schemas.microsoft.com/office/drawing/2010/main" val="0"/>
+                <a14:useLocalDpi xmlns:a14="http://schemas.microsoft.com/office/drawing/2010/main" xmlns="" val="0"/>
               </a:ext>
             </a:extLst>
           </a:blip>
@@ -10678,14 +10617,14 @@
           </a:ln>
           <a:extLst>
             <a:ext uri="{909E8E84-426E-40DD-AFC4-6F175D3DCCD1}">
-              <a14:hiddenFill xmlns:a14="http://schemas.microsoft.com/office/drawing/2010/main">
+              <a14:hiddenFill xmlns:a14="http://schemas.microsoft.com/office/drawing/2010/main" xmlns="">
                 <a:solidFill>
                   <a:schemeClr val="accent1"/>
                 </a:solidFill>
               </a14:hiddenFill>
             </a:ext>
             <a:ext uri="{91240B29-F687-4F45-9708-019B960494DF}">
-              <a14:hiddenLine xmlns:a14="http://schemas.microsoft.com/office/drawing/2010/main" w="9525">
+              <a14:hiddenLine xmlns:a14="http://schemas.microsoft.com/office/drawing/2010/main" xmlns="" w="9525">
                 <a:solidFill>
                   <a:schemeClr val="tx1"/>
                 </a:solidFill>
@@ -10700,18 +10639,18 @@
     </p:spTree>
     <p:extLst>
       <p:ext uri="{BB962C8B-B14F-4D97-AF65-F5344CB8AC3E}">
-        <p14:creationId xmlns:p14="http://schemas.microsoft.com/office/powerpoint/2010/main" val="306169062"/>
+        <p14:creationId xmlns:p14="http://schemas.microsoft.com/office/powerpoint/2010/main" xmlns="" val="306169062"/>
       </p:ext>
     </p:extLst>
   </p:cSld>
   <p:clrMapOvr>
     <a:masterClrMapping/>
   </p:clrMapOvr>
-  <mc:AlternateContent xmlns:mc="http://schemas.openxmlformats.org/markup-compatibility/2006" xmlns:p14="http://schemas.microsoft.com/office/powerpoint/2010/main">
-    <mc:Choice Requires="p14">
+  <mc:AlternateContent xmlns:mc="http://schemas.openxmlformats.org/markup-compatibility/2006">
+    <mc:Choice xmlns:p14="http://schemas.microsoft.com/office/powerpoint/2010/main" xmlns="" Requires="p14">
       <p:transition p14:dur="10"/>
     </mc:Choice>
-    <mc:Fallback xmlns="">
+    <mc:Fallback>
       <p:transition/>
     </mc:Fallback>
   </mc:AlternateContent>
@@ -10890,7 +10829,7 @@
           <a:blip r:embed="rId3">
             <a:extLst>
               <a:ext uri="{28A0092B-C50C-407E-A947-70E740481C1C}">
-                <a14:useLocalDpi xmlns:a14="http://schemas.microsoft.com/office/drawing/2010/main" val="0"/>
+                <a14:useLocalDpi xmlns:a14="http://schemas.microsoft.com/office/drawing/2010/main" xmlns="" val="0"/>
               </a:ext>
             </a:extLst>
           </a:blip>
@@ -10913,14 +10852,14 @@
           </a:ln>
           <a:extLst>
             <a:ext uri="{909E8E84-426E-40DD-AFC4-6F175D3DCCD1}">
-              <a14:hiddenFill xmlns:a14="http://schemas.microsoft.com/office/drawing/2010/main">
+              <a14:hiddenFill xmlns:a14="http://schemas.microsoft.com/office/drawing/2010/main" xmlns="">
                 <a:solidFill>
                   <a:schemeClr val="accent1"/>
                 </a:solidFill>
               </a14:hiddenFill>
             </a:ext>
             <a:ext uri="{91240B29-F687-4F45-9708-019B960494DF}">
-              <a14:hiddenLine xmlns:a14="http://schemas.microsoft.com/office/drawing/2010/main" w="9525">
+              <a14:hiddenLine xmlns:a14="http://schemas.microsoft.com/office/drawing/2010/main" xmlns="" w="9525">
                 <a:solidFill>
                   <a:schemeClr val="tx1"/>
                 </a:solidFill>
@@ -10935,18 +10874,18 @@
     </p:spTree>
     <p:extLst>
       <p:ext uri="{BB962C8B-B14F-4D97-AF65-F5344CB8AC3E}">
-        <p14:creationId xmlns:p14="http://schemas.microsoft.com/office/powerpoint/2010/main" val="1315379794"/>
+        <p14:creationId xmlns:p14="http://schemas.microsoft.com/office/powerpoint/2010/main" xmlns="" val="1315379794"/>
       </p:ext>
     </p:extLst>
   </p:cSld>
   <p:clrMapOvr>
     <a:masterClrMapping/>
   </p:clrMapOvr>
-  <mc:AlternateContent xmlns:mc="http://schemas.openxmlformats.org/markup-compatibility/2006" xmlns:p14="http://schemas.microsoft.com/office/powerpoint/2010/main">
-    <mc:Choice Requires="p14">
+  <mc:AlternateContent xmlns:mc="http://schemas.openxmlformats.org/markup-compatibility/2006">
+    <mc:Choice xmlns:p14="http://schemas.microsoft.com/office/powerpoint/2010/main" xmlns="" Requires="p14">
       <p:transition p14:dur="10"/>
     </mc:Choice>
-    <mc:Fallback xmlns="">
+    <mc:Fallback>
       <p:transition/>
     </mc:Fallback>
   </mc:AlternateContent>
@@ -11199,18 +11138,18 @@
     </p:spTree>
     <p:extLst>
       <p:ext uri="{BB962C8B-B14F-4D97-AF65-F5344CB8AC3E}">
-        <p14:creationId xmlns:p14="http://schemas.microsoft.com/office/powerpoint/2010/main" val="2788988127"/>
+        <p14:creationId xmlns:p14="http://schemas.microsoft.com/office/powerpoint/2010/main" xmlns="" val="2788988127"/>
       </p:ext>
     </p:extLst>
   </p:cSld>
   <p:clrMapOvr>
     <a:masterClrMapping/>
   </p:clrMapOvr>
-  <mc:AlternateContent xmlns:mc="http://schemas.openxmlformats.org/markup-compatibility/2006" xmlns:p14="http://schemas.microsoft.com/office/powerpoint/2010/main">
-    <mc:Choice Requires="p14">
+  <mc:AlternateContent xmlns:mc="http://schemas.openxmlformats.org/markup-compatibility/2006">
+    <mc:Choice xmlns:p14="http://schemas.microsoft.com/office/powerpoint/2010/main" xmlns="" Requires="p14">
       <p:transition p14:dur="10"/>
     </mc:Choice>
-    <mc:Fallback xmlns="">
+    <mc:Fallback>
       <p:transition/>
     </mc:Fallback>
   </mc:AlternateContent>
@@ -12268,18 +12207,18 @@
     </p:spTree>
     <p:extLst>
       <p:ext uri="{BB962C8B-B14F-4D97-AF65-F5344CB8AC3E}">
-        <p14:creationId xmlns:p14="http://schemas.microsoft.com/office/powerpoint/2010/main" val="1765496199"/>
+        <p14:creationId xmlns:p14="http://schemas.microsoft.com/office/powerpoint/2010/main" xmlns="" val="1765496199"/>
       </p:ext>
     </p:extLst>
   </p:cSld>
   <p:clrMapOvr>
     <a:masterClrMapping/>
   </p:clrMapOvr>
-  <mc:AlternateContent xmlns:mc="http://schemas.openxmlformats.org/markup-compatibility/2006" xmlns:p14="http://schemas.microsoft.com/office/powerpoint/2010/main">
-    <mc:Choice Requires="p14">
+  <mc:AlternateContent xmlns:mc="http://schemas.openxmlformats.org/markup-compatibility/2006">
+    <mc:Choice xmlns:p14="http://schemas.microsoft.com/office/powerpoint/2010/main" xmlns="" Requires="p14">
       <p:transition p14:dur="10"/>
     </mc:Choice>
-    <mc:Fallback xmlns="">
+    <mc:Fallback>
       <p:transition/>
     </mc:Fallback>
   </mc:AlternateContent>
@@ -12794,18 +12733,18 @@
     </p:spTree>
     <p:extLst>
       <p:ext uri="{BB962C8B-B14F-4D97-AF65-F5344CB8AC3E}">
-        <p14:creationId xmlns:p14="http://schemas.microsoft.com/office/powerpoint/2010/main" val="1424189538"/>
+        <p14:creationId xmlns:p14="http://schemas.microsoft.com/office/powerpoint/2010/main" xmlns="" val="1424189538"/>
       </p:ext>
     </p:extLst>
   </p:cSld>
   <p:clrMapOvr>
     <a:masterClrMapping/>
   </p:clrMapOvr>
-  <mc:AlternateContent xmlns:mc="http://schemas.openxmlformats.org/markup-compatibility/2006" xmlns:p14="http://schemas.microsoft.com/office/powerpoint/2010/main">
-    <mc:Choice Requires="p14">
+  <mc:AlternateContent xmlns:mc="http://schemas.openxmlformats.org/markup-compatibility/2006">
+    <mc:Choice xmlns:p14="http://schemas.microsoft.com/office/powerpoint/2010/main" xmlns="" Requires="p14">
       <p:transition p14:dur="10"/>
     </mc:Choice>
-    <mc:Fallback xmlns="">
+    <mc:Fallback>
       <p:transition/>
     </mc:Fallback>
   </mc:AlternateContent>
@@ -13188,21 +13127,104 @@
           </a:p>
         </p:txBody>
       </p:sp>
+      <p:sp>
+        <p:nvSpPr>
+          <p:cNvPr id="6" name="pole tekstowe 5"/>
+          <p:cNvSpPr txBox="1"/>
+          <p:nvPr/>
+        </p:nvSpPr>
+        <p:spPr bwMode="auto">
+          <a:xfrm>
+            <a:off x="700428" y="4481512"/>
+            <a:ext cx="6751848" cy="518091"/>
+          </a:xfrm>
+          <a:prstGeom prst="rect">
+            <a:avLst/>
+          </a:prstGeom>
+          <a:noFill/>
+          <a:ln w="9525">
+            <a:noFill/>
+            <a:miter lim="800000"/>
+            <a:headEnd/>
+            <a:tailEnd/>
+          </a:ln>
+        </p:spPr>
+        <p:txBody>
+          <a:bodyPr wrap="none" lIns="0" tIns="0" rIns="0" bIns="0" rtlCol="0">
+            <a:spAutoFit/>
+          </a:bodyPr>
+          <a:lstStyle/>
+          <a:p>
+            <a:pPr>
+              <a:spcBef>
+                <a:spcPts val="100"/>
+              </a:spcBef>
+              <a:spcAft>
+                <a:spcPts val="100"/>
+              </a:spcAft>
+            </a:pPr>
+            <a:r>
+              <a:rPr lang="pl-PL" sz="1600" b="1" dirty="0" smtClean="0">
+                <a:solidFill>
+                  <a:srgbClr val="00B050"/>
+                </a:solidFill>
+              </a:rPr>
+              <a:t>Ostateczny termin zaliczenia ćwiczenia: czwartek </a:t>
+            </a:r>
+            <a:r>
+              <a:rPr lang="pl-PL" sz="1600" b="1" dirty="0" smtClean="0">
+                <a:solidFill>
+                  <a:srgbClr val="00B050"/>
+                </a:solidFill>
+              </a:rPr>
+              <a:t>20 kwietnia</a:t>
+            </a:r>
+            <a:endParaRPr lang="pl-PL" sz="1600" b="1" dirty="0" smtClean="0">
+              <a:solidFill>
+                <a:srgbClr val="00B050"/>
+              </a:solidFill>
+            </a:endParaRPr>
+          </a:p>
+          <a:p>
+            <a:pPr>
+              <a:spcBef>
+                <a:spcPts val="100"/>
+              </a:spcBef>
+              <a:spcAft>
+                <a:spcPts val="100"/>
+              </a:spcAft>
+            </a:pPr>
+            <a:r>
+              <a:rPr lang="pl-PL" sz="1600" b="1" dirty="0" smtClean="0">
+                <a:solidFill>
+                  <a:srgbClr val="00B050"/>
+                </a:solidFill>
+              </a:rPr>
+              <a:t>Rozwiązania dostarczone później nie będą uwzględniane (0 punktów)</a:t>
+            </a:r>
+            <a:endParaRPr lang="pl-PL" sz="1600" b="1" dirty="0">
+              <a:solidFill>
+                <a:srgbClr val="00B050"/>
+              </a:solidFill>
+            </a:endParaRPr>
+          </a:p>
+        </p:txBody>
+      </p:sp>
     </p:spTree>
     <p:extLst>
       <p:ext uri="{BB962C8B-B14F-4D97-AF65-F5344CB8AC3E}">
-        <p14:creationId xmlns:p14="http://schemas.microsoft.com/office/powerpoint/2010/main" val="1336546276"/>
+        <p14:creationId xmlns:p14="http://schemas.microsoft.com/office/powerpoint/2010/main" xmlns="" val="1336546276"/>
       </p:ext>
     </p:extLst>
   </p:cSld>
   <p:clrMapOvr>
     <a:masterClrMapping/>
   </p:clrMapOvr>
-  <mc:AlternateContent xmlns:mc="http://schemas.openxmlformats.org/markup-compatibility/2006" xmlns:p14="http://schemas.microsoft.com/office/powerpoint/2010/main">
-    <mc:Choice Requires="p14">
+  <mc:AlternateContent xmlns:mc="http://schemas.openxmlformats.org/markup-compatibility/2006">
+    <mc:Choice xmlns:p14="http://schemas.microsoft.com/office/powerpoint/2010/main" xmlns="" Requires="p14">
       <p:transition p14:dur="10"/>
     </mc:Choice>
-    <mc:Fallback xmlns="">
+    <mc:Fallback>
       <p:transition/>
     </mc:Fallback>
   </mc:AlternateContent>
@@ -13346,18 +13368,18 @@
     </p:spTree>
     <p:extLst>
       <p:ext uri="{BB962C8B-B14F-4D97-AF65-F5344CB8AC3E}">
-        <p14:creationId xmlns:p14="http://schemas.microsoft.com/office/powerpoint/2010/main" val="2042540814"/>
+        <p14:creationId xmlns:p14="http://schemas.microsoft.com/office/powerpoint/2010/main" xmlns="" val="2042540814"/>
       </p:ext>
     </p:extLst>
   </p:cSld>
   <p:clrMapOvr>
     <a:masterClrMapping/>
   </p:clrMapOvr>
-  <mc:AlternateContent xmlns:mc="http://schemas.openxmlformats.org/markup-compatibility/2006" xmlns:p14="http://schemas.microsoft.com/office/powerpoint/2010/main">
-    <mc:Choice Requires="p14">
+  <mc:AlternateContent xmlns:mc="http://schemas.openxmlformats.org/markup-compatibility/2006">
+    <mc:Choice xmlns:p14="http://schemas.microsoft.com/office/powerpoint/2010/main" xmlns="" Requires="p14">
       <p:transition p14:dur="10"/>
     </mc:Choice>
-    <mc:Fallback xmlns="">
+    <mc:Fallback>
       <p:transition/>
     </mc:Fallback>
   </mc:AlternateContent>
@@ -13563,18 +13585,18 @@
     </p:spTree>
     <p:extLst>
       <p:ext uri="{BB962C8B-B14F-4D97-AF65-F5344CB8AC3E}">
-        <p14:creationId xmlns:p14="http://schemas.microsoft.com/office/powerpoint/2010/main" val="1825348506"/>
+        <p14:creationId xmlns:p14="http://schemas.microsoft.com/office/powerpoint/2010/main" xmlns="" val="1825348506"/>
       </p:ext>
     </p:extLst>
   </p:cSld>
   <p:clrMapOvr>
     <a:masterClrMapping/>
   </p:clrMapOvr>
-  <mc:AlternateContent xmlns:mc="http://schemas.openxmlformats.org/markup-compatibility/2006" xmlns:p14="http://schemas.microsoft.com/office/powerpoint/2010/main">
-    <mc:Choice Requires="p14">
+  <mc:AlternateContent xmlns:mc="http://schemas.openxmlformats.org/markup-compatibility/2006">
+    <mc:Choice xmlns:p14="http://schemas.microsoft.com/office/powerpoint/2010/main" xmlns="" Requires="p14">
       <p:transition p14:dur="10"/>
     </mc:Choice>
-    <mc:Fallback xmlns="">
+    <mc:Fallback>
       <p:transition/>
     </mc:Fallback>
   </mc:AlternateContent>
@@ -14104,18 +14126,18 @@
     </p:spTree>
     <p:extLst>
       <p:ext uri="{BB962C8B-B14F-4D97-AF65-F5344CB8AC3E}">
-        <p14:creationId xmlns:p14="http://schemas.microsoft.com/office/powerpoint/2010/main" val="525294539"/>
+        <p14:creationId xmlns:p14="http://schemas.microsoft.com/office/powerpoint/2010/main" xmlns="" val="525294539"/>
       </p:ext>
     </p:extLst>
   </p:cSld>
   <p:clrMapOvr>
     <a:masterClrMapping/>
   </p:clrMapOvr>
-  <mc:AlternateContent xmlns:mc="http://schemas.openxmlformats.org/markup-compatibility/2006" xmlns:p14="http://schemas.microsoft.com/office/powerpoint/2010/main">
-    <mc:Choice Requires="p14">
+  <mc:AlternateContent xmlns:mc="http://schemas.openxmlformats.org/markup-compatibility/2006">
+    <mc:Choice xmlns:p14="http://schemas.microsoft.com/office/powerpoint/2010/main" xmlns="" Requires="p14">
       <p:transition p14:dur="10"/>
     </mc:Choice>
-    <mc:Fallback xmlns="">
+    <mc:Fallback>
       <p:transition/>
     </mc:Fallback>
   </mc:AlternateContent>
@@ -14375,7 +14397,7 @@
           <a:blip r:embed="rId4">
             <a:extLst>
               <a:ext uri="{28A0092B-C50C-407E-A947-70E740481C1C}">
-                <a14:useLocalDpi xmlns:a14="http://schemas.microsoft.com/office/drawing/2010/main" val="0"/>
+                <a14:useLocalDpi xmlns:a14="http://schemas.microsoft.com/office/drawing/2010/main" xmlns="" val="0"/>
               </a:ext>
             </a:extLst>
           </a:blip>
@@ -14398,14 +14420,14 @@
           </a:ln>
           <a:extLst>
             <a:ext uri="{909E8E84-426E-40DD-AFC4-6F175D3DCCD1}">
-              <a14:hiddenFill xmlns:a14="http://schemas.microsoft.com/office/drawing/2010/main">
+              <a14:hiddenFill xmlns:a14="http://schemas.microsoft.com/office/drawing/2010/main" xmlns="">
                 <a:solidFill>
                   <a:schemeClr val="accent1"/>
                 </a:solidFill>
               </a14:hiddenFill>
             </a:ext>
             <a:ext uri="{91240B29-F687-4F45-9708-019B960494DF}">
-              <a14:hiddenLine xmlns:a14="http://schemas.microsoft.com/office/drawing/2010/main" w="9525">
+              <a14:hiddenLine xmlns:a14="http://schemas.microsoft.com/office/drawing/2010/main" xmlns="" w="9525">
                 <a:solidFill>
                   <a:schemeClr val="tx1"/>
                 </a:solidFill>
@@ -14429,7 +14451,7 @@
           <a:blip r:embed="rId5">
             <a:extLst>
               <a:ext uri="{28A0092B-C50C-407E-A947-70E740481C1C}">
-                <a14:useLocalDpi xmlns:a14="http://schemas.microsoft.com/office/drawing/2010/main" val="0"/>
+                <a14:useLocalDpi xmlns:a14="http://schemas.microsoft.com/office/drawing/2010/main" xmlns="" val="0"/>
               </a:ext>
             </a:extLst>
           </a:blip>
@@ -14452,14 +14474,14 @@
           </a:ln>
           <a:extLst>
             <a:ext uri="{909E8E84-426E-40DD-AFC4-6F175D3DCCD1}">
-              <a14:hiddenFill xmlns:a14="http://schemas.microsoft.com/office/drawing/2010/main">
+              <a14:hiddenFill xmlns:a14="http://schemas.microsoft.com/office/drawing/2010/main" xmlns="">
                 <a:solidFill>
                   <a:schemeClr val="accent1"/>
                 </a:solidFill>
               </a14:hiddenFill>
             </a:ext>
             <a:ext uri="{91240B29-F687-4F45-9708-019B960494DF}">
-              <a14:hiddenLine xmlns:a14="http://schemas.microsoft.com/office/drawing/2010/main" w="9525">
+              <a14:hiddenLine xmlns:a14="http://schemas.microsoft.com/office/drawing/2010/main" xmlns="" w="9525">
                 <a:solidFill>
                   <a:schemeClr val="tx1"/>
                 </a:solidFill>
@@ -14474,18 +14496,18 @@
     </p:spTree>
     <p:extLst>
       <p:ext uri="{BB962C8B-B14F-4D97-AF65-F5344CB8AC3E}">
-        <p14:creationId xmlns:p14="http://schemas.microsoft.com/office/powerpoint/2010/main" val="2111993876"/>
+        <p14:creationId xmlns:p14="http://schemas.microsoft.com/office/powerpoint/2010/main" xmlns="" val="2111993876"/>
       </p:ext>
     </p:extLst>
   </p:cSld>
   <p:clrMapOvr>
     <a:masterClrMapping/>
   </p:clrMapOvr>
-  <mc:AlternateContent xmlns:mc="http://schemas.openxmlformats.org/markup-compatibility/2006" xmlns:p14="http://schemas.microsoft.com/office/powerpoint/2010/main">
-    <mc:Choice Requires="p14">
+  <mc:AlternateContent xmlns:mc="http://schemas.openxmlformats.org/markup-compatibility/2006">
+    <mc:Choice xmlns:p14="http://schemas.microsoft.com/office/powerpoint/2010/main" xmlns="" Requires="p14">
       <p:transition p14:dur="10"/>
     </mc:Choice>
-    <mc:Fallback xmlns="">
+    <mc:Fallback>
       <p:transition/>
     </mc:Fallback>
   </mc:AlternateContent>
@@ -15055,7 +15077,7 @@
           <a:blip r:embed="rId3">
             <a:extLst>
               <a:ext uri="{28A0092B-C50C-407E-A947-70E740481C1C}">
-                <a14:useLocalDpi xmlns:a14="http://schemas.microsoft.com/office/drawing/2010/main" val="0"/>
+                <a14:useLocalDpi xmlns:a14="http://schemas.microsoft.com/office/drawing/2010/main" xmlns="" val="0"/>
               </a:ext>
             </a:extLst>
           </a:blip>
@@ -15078,14 +15100,14 @@
           </a:ln>
           <a:extLst>
             <a:ext uri="{909E8E84-426E-40DD-AFC4-6F175D3DCCD1}">
-              <a14:hiddenFill xmlns:a14="http://schemas.microsoft.com/office/drawing/2010/main">
+              <a14:hiddenFill xmlns:a14="http://schemas.microsoft.com/office/drawing/2010/main" xmlns="">
                 <a:solidFill>
                   <a:schemeClr val="accent1"/>
                 </a:solidFill>
               </a14:hiddenFill>
             </a:ext>
             <a:ext uri="{91240B29-F687-4F45-9708-019B960494DF}">
-              <a14:hiddenLine xmlns:a14="http://schemas.microsoft.com/office/drawing/2010/main" w="9525">
+              <a14:hiddenLine xmlns:a14="http://schemas.microsoft.com/office/drawing/2010/main" xmlns="" w="9525">
                 <a:solidFill>
                   <a:schemeClr val="tx1"/>
                 </a:solidFill>
@@ -15109,7 +15131,7 @@
           <a:blip r:embed="rId4">
             <a:extLst>
               <a:ext uri="{28A0092B-C50C-407E-A947-70E740481C1C}">
-                <a14:useLocalDpi xmlns:a14="http://schemas.microsoft.com/office/drawing/2010/main" val="0"/>
+                <a14:useLocalDpi xmlns:a14="http://schemas.microsoft.com/office/drawing/2010/main" xmlns="" val="0"/>
               </a:ext>
             </a:extLst>
           </a:blip>
@@ -15132,14 +15154,14 @@
           </a:ln>
           <a:extLst>
             <a:ext uri="{909E8E84-426E-40DD-AFC4-6F175D3DCCD1}">
-              <a14:hiddenFill xmlns:a14="http://schemas.microsoft.com/office/drawing/2010/main">
+              <a14:hiddenFill xmlns:a14="http://schemas.microsoft.com/office/drawing/2010/main" xmlns="">
                 <a:solidFill>
                   <a:schemeClr val="accent1"/>
                 </a:solidFill>
               </a14:hiddenFill>
             </a:ext>
             <a:ext uri="{91240B29-F687-4F45-9708-019B960494DF}">
-              <a14:hiddenLine xmlns:a14="http://schemas.microsoft.com/office/drawing/2010/main" w="9525">
+              <a14:hiddenLine xmlns:a14="http://schemas.microsoft.com/office/drawing/2010/main" xmlns="" w="9525">
                 <a:solidFill>
                   <a:schemeClr val="tx1"/>
                 </a:solidFill>
@@ -15154,18 +15176,18 @@
     </p:spTree>
     <p:extLst>
       <p:ext uri="{BB962C8B-B14F-4D97-AF65-F5344CB8AC3E}">
-        <p14:creationId xmlns:p14="http://schemas.microsoft.com/office/powerpoint/2010/main" val="2010681826"/>
+        <p14:creationId xmlns:p14="http://schemas.microsoft.com/office/powerpoint/2010/main" xmlns="" val="2010681826"/>
       </p:ext>
     </p:extLst>
   </p:cSld>
   <p:clrMapOvr>
     <a:masterClrMapping/>
   </p:clrMapOvr>
-  <mc:AlternateContent xmlns:mc="http://schemas.openxmlformats.org/markup-compatibility/2006" xmlns:p14="http://schemas.microsoft.com/office/powerpoint/2010/main">
-    <mc:Choice Requires="p14">
+  <mc:AlternateContent xmlns:mc="http://schemas.openxmlformats.org/markup-compatibility/2006">
+    <mc:Choice xmlns:p14="http://schemas.microsoft.com/office/powerpoint/2010/main" xmlns="" Requires="p14">
       <p:transition p14:dur="10"/>
     </mc:Choice>
-    <mc:Fallback xmlns="">
+    <mc:Fallback>
       <p:transition/>
     </mc:Fallback>
   </mc:AlternateContent>
@@ -15353,7 +15375,7 @@
           <a:blip r:embed="rId3">
             <a:extLst>
               <a:ext uri="{28A0092B-C50C-407E-A947-70E740481C1C}">
-                <a14:useLocalDpi xmlns:a14="http://schemas.microsoft.com/office/drawing/2010/main" val="0"/>
+                <a14:useLocalDpi xmlns:a14="http://schemas.microsoft.com/office/drawing/2010/main" xmlns="" val="0"/>
               </a:ext>
             </a:extLst>
           </a:blip>
@@ -15376,14 +15398,14 @@
           </a:ln>
           <a:extLst>
             <a:ext uri="{909E8E84-426E-40DD-AFC4-6F175D3DCCD1}">
-              <a14:hiddenFill xmlns:a14="http://schemas.microsoft.com/office/drawing/2010/main">
+              <a14:hiddenFill xmlns:a14="http://schemas.microsoft.com/office/drawing/2010/main" xmlns="">
                 <a:solidFill>
                   <a:schemeClr val="accent1"/>
                 </a:solidFill>
               </a14:hiddenFill>
             </a:ext>
             <a:ext uri="{91240B29-F687-4F45-9708-019B960494DF}">
-              <a14:hiddenLine xmlns:a14="http://schemas.microsoft.com/office/drawing/2010/main" w="9525">
+              <a14:hiddenLine xmlns:a14="http://schemas.microsoft.com/office/drawing/2010/main" xmlns="" w="9525">
                 <a:solidFill>
                   <a:schemeClr val="tx1"/>
                 </a:solidFill>
@@ -15398,18 +15420,18 @@
     </p:spTree>
     <p:extLst>
       <p:ext uri="{BB962C8B-B14F-4D97-AF65-F5344CB8AC3E}">
-        <p14:creationId xmlns:p14="http://schemas.microsoft.com/office/powerpoint/2010/main" val="206705609"/>
+        <p14:creationId xmlns:p14="http://schemas.microsoft.com/office/powerpoint/2010/main" xmlns="" val="206705609"/>
       </p:ext>
     </p:extLst>
   </p:cSld>
   <p:clrMapOvr>
     <a:masterClrMapping/>
   </p:clrMapOvr>
-  <mc:AlternateContent xmlns:mc="http://schemas.openxmlformats.org/markup-compatibility/2006" xmlns:p14="http://schemas.microsoft.com/office/powerpoint/2010/main">
-    <mc:Choice Requires="p14">
+  <mc:AlternateContent xmlns:mc="http://schemas.openxmlformats.org/markup-compatibility/2006">
+    <mc:Choice xmlns:p14="http://schemas.microsoft.com/office/powerpoint/2010/main" xmlns="" Requires="p14">
       <p:transition p14:dur="10"/>
     </mc:Choice>
-    <mc:Fallback xmlns="">
+    <mc:Fallback>
       <p:transition/>
     </mc:Fallback>
   </mc:AlternateContent>
@@ -15656,7 +15678,7 @@
           <a:blip r:embed="rId4">
             <a:extLst>
               <a:ext uri="{28A0092B-C50C-407E-A947-70E740481C1C}">
-                <a14:useLocalDpi xmlns:a14="http://schemas.microsoft.com/office/drawing/2010/main" val="0"/>
+                <a14:useLocalDpi xmlns:a14="http://schemas.microsoft.com/office/drawing/2010/main" xmlns="" val="0"/>
               </a:ext>
             </a:extLst>
           </a:blip>
@@ -15679,14 +15701,14 @@
           </a:ln>
           <a:extLst>
             <a:ext uri="{909E8E84-426E-40DD-AFC4-6F175D3DCCD1}">
-              <a14:hiddenFill xmlns:a14="http://schemas.microsoft.com/office/drawing/2010/main">
+              <a14:hiddenFill xmlns:a14="http://schemas.microsoft.com/office/drawing/2010/main" xmlns="">
                 <a:solidFill>
                   <a:schemeClr val="accent1"/>
                 </a:solidFill>
               </a14:hiddenFill>
             </a:ext>
             <a:ext uri="{91240B29-F687-4F45-9708-019B960494DF}">
-              <a14:hiddenLine xmlns:a14="http://schemas.microsoft.com/office/drawing/2010/main" w="9525">
+              <a14:hiddenLine xmlns:a14="http://schemas.microsoft.com/office/drawing/2010/main" xmlns="" w="9525">
                 <a:solidFill>
                   <a:schemeClr val="tx1"/>
                 </a:solidFill>
@@ -15701,18 +15723,18 @@
     </p:spTree>
     <p:extLst>
       <p:ext uri="{BB962C8B-B14F-4D97-AF65-F5344CB8AC3E}">
-        <p14:creationId xmlns:p14="http://schemas.microsoft.com/office/powerpoint/2010/main" val="1210066667"/>
+        <p14:creationId xmlns:p14="http://schemas.microsoft.com/office/powerpoint/2010/main" xmlns="" val="1210066667"/>
       </p:ext>
     </p:extLst>
   </p:cSld>
   <p:clrMapOvr>
     <a:masterClrMapping/>
   </p:clrMapOvr>
-  <mc:AlternateContent xmlns:mc="http://schemas.openxmlformats.org/markup-compatibility/2006" xmlns:p14="http://schemas.microsoft.com/office/powerpoint/2010/main">
-    <mc:Choice Requires="p14">
+  <mc:AlternateContent xmlns:mc="http://schemas.openxmlformats.org/markup-compatibility/2006">
+    <mc:Choice xmlns:p14="http://schemas.microsoft.com/office/powerpoint/2010/main" xmlns="" Requires="p14">
       <p:transition p14:dur="10"/>
     </mc:Choice>
-    <mc:Fallback xmlns="">
+    <mc:Fallback>
       <p:transition/>
     </mc:Fallback>
   </mc:AlternateContent>
@@ -15905,18 +15927,18 @@
     </p:spTree>
     <p:extLst>
       <p:ext uri="{BB962C8B-B14F-4D97-AF65-F5344CB8AC3E}">
-        <p14:creationId xmlns:p14="http://schemas.microsoft.com/office/powerpoint/2010/main" val="1232599275"/>
+        <p14:creationId xmlns:p14="http://schemas.microsoft.com/office/powerpoint/2010/main" xmlns="" val="1232599275"/>
       </p:ext>
     </p:extLst>
   </p:cSld>
   <p:clrMapOvr>
     <a:masterClrMapping/>
   </p:clrMapOvr>
-  <mc:AlternateContent xmlns:mc="http://schemas.openxmlformats.org/markup-compatibility/2006" xmlns:p14="http://schemas.microsoft.com/office/powerpoint/2010/main">
-    <mc:Choice Requires="p14">
+  <mc:AlternateContent xmlns:mc="http://schemas.openxmlformats.org/markup-compatibility/2006">
+    <mc:Choice xmlns:p14="http://schemas.microsoft.com/office/powerpoint/2010/main" xmlns="" Requires="p14">
       <p:transition p14:dur="0"/>
     </mc:Choice>
-    <mc:Fallback xmlns="">
+    <mc:Fallback>
       <p:transition/>
     </mc:Fallback>
   </mc:AlternateContent>
@@ -16282,7 +16304,7 @@
           <a:blip r:embed="rId4">
             <a:extLst>
               <a:ext uri="{28A0092B-C50C-407E-A947-70E740481C1C}">
-                <a14:useLocalDpi xmlns:a14="http://schemas.microsoft.com/office/drawing/2010/main" val="0"/>
+                <a14:useLocalDpi xmlns:a14="http://schemas.microsoft.com/office/drawing/2010/main" xmlns="" val="0"/>
               </a:ext>
             </a:extLst>
           </a:blip>
@@ -16305,14 +16327,14 @@
           </a:ln>
           <a:extLst>
             <a:ext uri="{909E8E84-426E-40DD-AFC4-6F175D3DCCD1}">
-              <a14:hiddenFill xmlns:a14="http://schemas.microsoft.com/office/drawing/2010/main">
+              <a14:hiddenFill xmlns:a14="http://schemas.microsoft.com/office/drawing/2010/main" xmlns="">
                 <a:solidFill>
                   <a:schemeClr val="accent1"/>
                 </a:solidFill>
               </a14:hiddenFill>
             </a:ext>
             <a:ext uri="{91240B29-F687-4F45-9708-019B960494DF}">
-              <a14:hiddenLine xmlns:a14="http://schemas.microsoft.com/office/drawing/2010/main" w="9525">
+              <a14:hiddenLine xmlns:a14="http://schemas.microsoft.com/office/drawing/2010/main" xmlns="" w="9525">
                 <a:solidFill>
                   <a:schemeClr val="tx1"/>
                 </a:solidFill>
@@ -16327,18 +16349,18 @@
     </p:spTree>
     <p:extLst>
       <p:ext uri="{BB962C8B-B14F-4D97-AF65-F5344CB8AC3E}">
-        <p14:creationId xmlns:p14="http://schemas.microsoft.com/office/powerpoint/2010/main" val="2788864210"/>
+        <p14:creationId xmlns:p14="http://schemas.microsoft.com/office/powerpoint/2010/main" xmlns="" val="2788864210"/>
       </p:ext>
     </p:extLst>
   </p:cSld>
   <p:clrMapOvr>
     <a:masterClrMapping/>
   </p:clrMapOvr>
-  <mc:AlternateContent xmlns:mc="http://schemas.openxmlformats.org/markup-compatibility/2006" xmlns:p14="http://schemas.microsoft.com/office/powerpoint/2010/main">
-    <mc:Choice Requires="p14">
+  <mc:AlternateContent xmlns:mc="http://schemas.openxmlformats.org/markup-compatibility/2006">
+    <mc:Choice xmlns:p14="http://schemas.microsoft.com/office/powerpoint/2010/main" xmlns="" Requires="p14">
       <p:transition p14:dur="10"/>
     </mc:Choice>
-    <mc:Fallback xmlns="">
+    <mc:Fallback>
       <p:transition/>
     </mc:Fallback>
   </mc:AlternateContent>
@@ -16543,7 +16565,7 @@
           <a:blip r:embed="rId4">
             <a:extLst>
               <a:ext uri="{28A0092B-C50C-407E-A947-70E740481C1C}">
-                <a14:useLocalDpi xmlns:a14="http://schemas.microsoft.com/office/drawing/2010/main" val="0"/>
+                <a14:useLocalDpi xmlns:a14="http://schemas.microsoft.com/office/drawing/2010/main" xmlns="" val="0"/>
               </a:ext>
             </a:extLst>
           </a:blip>
@@ -16566,14 +16588,14 @@
           </a:ln>
           <a:extLst>
             <a:ext uri="{909E8E84-426E-40DD-AFC4-6F175D3DCCD1}">
-              <a14:hiddenFill xmlns:a14="http://schemas.microsoft.com/office/drawing/2010/main">
+              <a14:hiddenFill xmlns:a14="http://schemas.microsoft.com/office/drawing/2010/main" xmlns="">
                 <a:solidFill>
                   <a:schemeClr val="accent1"/>
                 </a:solidFill>
               </a14:hiddenFill>
             </a:ext>
             <a:ext uri="{91240B29-F687-4F45-9708-019B960494DF}">
-              <a14:hiddenLine xmlns:a14="http://schemas.microsoft.com/office/drawing/2010/main" w="9525">
+              <a14:hiddenLine xmlns:a14="http://schemas.microsoft.com/office/drawing/2010/main" xmlns="" w="9525">
                 <a:solidFill>
                   <a:schemeClr val="tx1"/>
                 </a:solidFill>
@@ -16588,18 +16610,18 @@
     </p:spTree>
     <p:extLst>
       <p:ext uri="{BB962C8B-B14F-4D97-AF65-F5344CB8AC3E}">
-        <p14:creationId xmlns:p14="http://schemas.microsoft.com/office/powerpoint/2010/main" val="59338049"/>
+        <p14:creationId xmlns:p14="http://schemas.microsoft.com/office/powerpoint/2010/main" xmlns="" val="59338049"/>
       </p:ext>
     </p:extLst>
   </p:cSld>
   <p:clrMapOvr>
     <a:masterClrMapping/>
   </p:clrMapOvr>
-  <mc:AlternateContent xmlns:mc="http://schemas.openxmlformats.org/markup-compatibility/2006" xmlns:p14="http://schemas.microsoft.com/office/powerpoint/2010/main">
-    <mc:Choice Requires="p14">
+  <mc:AlternateContent xmlns:mc="http://schemas.openxmlformats.org/markup-compatibility/2006">
+    <mc:Choice xmlns:p14="http://schemas.microsoft.com/office/powerpoint/2010/main" xmlns="" Requires="p14">
       <p:transition p14:dur="10"/>
     </mc:Choice>
-    <mc:Fallback xmlns="">
+    <mc:Fallback>
       <p:transition/>
     </mc:Fallback>
   </mc:AlternateContent>
@@ -16782,7 +16804,7 @@
           <a:blip r:embed="rId3">
             <a:extLst>
               <a:ext uri="{28A0092B-C50C-407E-A947-70E740481C1C}">
-                <a14:useLocalDpi xmlns:a14="http://schemas.microsoft.com/office/drawing/2010/main" val="0"/>
+                <a14:useLocalDpi xmlns:a14="http://schemas.microsoft.com/office/drawing/2010/main" xmlns="" val="0"/>
               </a:ext>
             </a:extLst>
           </a:blip>
@@ -16805,14 +16827,14 @@
           </a:ln>
           <a:extLst>
             <a:ext uri="{909E8E84-426E-40DD-AFC4-6F175D3DCCD1}">
-              <a14:hiddenFill xmlns:a14="http://schemas.microsoft.com/office/drawing/2010/main">
+              <a14:hiddenFill xmlns:a14="http://schemas.microsoft.com/office/drawing/2010/main" xmlns="">
                 <a:solidFill>
                   <a:schemeClr val="accent1"/>
                 </a:solidFill>
               </a14:hiddenFill>
             </a:ext>
             <a:ext uri="{91240B29-F687-4F45-9708-019B960494DF}">
-              <a14:hiddenLine xmlns:a14="http://schemas.microsoft.com/office/drawing/2010/main" w="9525">
+              <a14:hiddenLine xmlns:a14="http://schemas.microsoft.com/office/drawing/2010/main" xmlns="" w="9525">
                 <a:solidFill>
                   <a:schemeClr val="tx1"/>
                 </a:solidFill>
@@ -16827,18 +16849,18 @@
     </p:spTree>
     <p:extLst>
       <p:ext uri="{BB962C8B-B14F-4D97-AF65-F5344CB8AC3E}">
-        <p14:creationId xmlns:p14="http://schemas.microsoft.com/office/powerpoint/2010/main" val="1259301629"/>
+        <p14:creationId xmlns:p14="http://schemas.microsoft.com/office/powerpoint/2010/main" xmlns="" val="1259301629"/>
       </p:ext>
     </p:extLst>
   </p:cSld>
   <p:clrMapOvr>
     <a:masterClrMapping/>
   </p:clrMapOvr>
-  <mc:AlternateContent xmlns:mc="http://schemas.openxmlformats.org/markup-compatibility/2006" xmlns:p14="http://schemas.microsoft.com/office/powerpoint/2010/main">
-    <mc:Choice Requires="p14">
+  <mc:AlternateContent xmlns:mc="http://schemas.openxmlformats.org/markup-compatibility/2006">
+    <mc:Choice xmlns:p14="http://schemas.microsoft.com/office/powerpoint/2010/main" xmlns="" Requires="p14">
       <p:transition p14:dur="10"/>
     </mc:Choice>
-    <mc:Fallback xmlns="">
+    <mc:Fallback>
       <p:transition/>
     </mc:Fallback>
   </mc:AlternateContent>
@@ -17021,7 +17043,7 @@
           <a:blip r:embed="rId3">
             <a:extLst>
               <a:ext uri="{28A0092B-C50C-407E-A947-70E740481C1C}">
-                <a14:useLocalDpi xmlns:a14="http://schemas.microsoft.com/office/drawing/2010/main" val="0"/>
+                <a14:useLocalDpi xmlns:a14="http://schemas.microsoft.com/office/drawing/2010/main" xmlns="" val="0"/>
               </a:ext>
             </a:extLst>
           </a:blip>
@@ -17044,14 +17066,14 @@
           </a:ln>
           <a:extLst>
             <a:ext uri="{909E8E84-426E-40DD-AFC4-6F175D3DCCD1}">
-              <a14:hiddenFill xmlns:a14="http://schemas.microsoft.com/office/drawing/2010/main">
+              <a14:hiddenFill xmlns:a14="http://schemas.microsoft.com/office/drawing/2010/main" xmlns="">
                 <a:solidFill>
                   <a:schemeClr val="accent1"/>
                 </a:solidFill>
               </a14:hiddenFill>
             </a:ext>
             <a:ext uri="{91240B29-F687-4F45-9708-019B960494DF}">
-              <a14:hiddenLine xmlns:a14="http://schemas.microsoft.com/office/drawing/2010/main" w="9525">
+              <a14:hiddenLine xmlns:a14="http://schemas.microsoft.com/office/drawing/2010/main" xmlns="" w="9525">
                 <a:solidFill>
                   <a:schemeClr val="tx1"/>
                 </a:solidFill>
@@ -17066,18 +17088,18 @@
     </p:spTree>
     <p:extLst>
       <p:ext uri="{BB962C8B-B14F-4D97-AF65-F5344CB8AC3E}">
-        <p14:creationId xmlns:p14="http://schemas.microsoft.com/office/powerpoint/2010/main" val="318999014"/>
+        <p14:creationId xmlns:p14="http://schemas.microsoft.com/office/powerpoint/2010/main" xmlns="" val="318999014"/>
       </p:ext>
     </p:extLst>
   </p:cSld>
   <p:clrMapOvr>
     <a:masterClrMapping/>
   </p:clrMapOvr>
-  <mc:AlternateContent xmlns:mc="http://schemas.openxmlformats.org/markup-compatibility/2006" xmlns:p14="http://schemas.microsoft.com/office/powerpoint/2010/main">
-    <mc:Choice Requires="p14">
+  <mc:AlternateContent xmlns:mc="http://schemas.openxmlformats.org/markup-compatibility/2006">
+    <mc:Choice xmlns:p14="http://schemas.microsoft.com/office/powerpoint/2010/main" xmlns="" Requires="p14">
       <p:transition p14:dur="10"/>
     </mc:Choice>
-    <mc:Fallback xmlns="">
+    <mc:Fallback>
       <p:transition/>
     </mc:Fallback>
   </mc:AlternateContent>
@@ -17486,18 +17508,18 @@
     </p:spTree>
     <p:extLst>
       <p:ext uri="{BB962C8B-B14F-4D97-AF65-F5344CB8AC3E}">
-        <p14:creationId xmlns:p14="http://schemas.microsoft.com/office/powerpoint/2010/main" val="1953986883"/>
+        <p14:creationId xmlns:p14="http://schemas.microsoft.com/office/powerpoint/2010/main" xmlns="" val="1953986883"/>
       </p:ext>
     </p:extLst>
   </p:cSld>
   <p:clrMapOvr>
     <a:masterClrMapping/>
   </p:clrMapOvr>
-  <mc:AlternateContent xmlns:mc="http://schemas.openxmlformats.org/markup-compatibility/2006" xmlns:p14="http://schemas.microsoft.com/office/powerpoint/2010/main">
-    <mc:Choice Requires="p14">
+  <mc:AlternateContent xmlns:mc="http://schemas.openxmlformats.org/markup-compatibility/2006">
+    <mc:Choice xmlns:p14="http://schemas.microsoft.com/office/powerpoint/2010/main" xmlns="" Requires="p14">
       <p:transition p14:dur="10"/>
     </mc:Choice>
-    <mc:Fallback xmlns="">
+    <mc:Fallback>
       <p:transition/>
     </mc:Fallback>
   </mc:AlternateContent>
@@ -17702,9 +17724,6 @@
             </a:r>
           </a:p>
           <a:p>
-            <a:endParaRPr lang="pl-PL" dirty="0" smtClean="0"/>
-          </a:p>
-          <a:p>
             <a:pPr marL="0" indent="0">
               <a:buNone/>
             </a:pPr>
@@ -17713,7 +17732,11 @@
           <a:p>
             <a:r>
               <a:rPr lang="pl-PL" dirty="0" smtClean="0"/>
-              <a:t>Zasoby:</a:t>
+              <a:t>Zasoby</a:t>
+            </a:r>
+            <a:r>
+              <a:rPr lang="pl-PL" dirty="0" smtClean="0"/>
+              <a:t>:</a:t>
             </a:r>
           </a:p>
           <a:p>
@@ -17788,21 +17811,104 @@
           </a:p>
         </p:txBody>
       </p:sp>
+      <p:sp>
+        <p:nvSpPr>
+          <p:cNvPr id="6" name="pole tekstowe 5"/>
+          <p:cNvSpPr txBox="1"/>
+          <p:nvPr/>
+        </p:nvSpPr>
+        <p:spPr bwMode="auto">
+          <a:xfrm>
+            <a:off x="427303" y="4291512"/>
+            <a:ext cx="6751848" cy="518091"/>
+          </a:xfrm>
+          <a:prstGeom prst="rect">
+            <a:avLst/>
+          </a:prstGeom>
+          <a:noFill/>
+          <a:ln w="9525">
+            <a:noFill/>
+            <a:miter lim="800000"/>
+            <a:headEnd/>
+            <a:tailEnd/>
+          </a:ln>
+        </p:spPr>
+        <p:txBody>
+          <a:bodyPr wrap="none" lIns="0" tIns="0" rIns="0" bIns="0" rtlCol="0">
+            <a:spAutoFit/>
+          </a:bodyPr>
+          <a:lstStyle/>
+          <a:p>
+            <a:pPr>
+              <a:spcBef>
+                <a:spcPts val="100"/>
+              </a:spcBef>
+              <a:spcAft>
+                <a:spcPts val="100"/>
+              </a:spcAft>
+            </a:pPr>
+            <a:r>
+              <a:rPr lang="pl-PL" sz="1600" b="1" dirty="0" smtClean="0">
+                <a:solidFill>
+                  <a:srgbClr val="00B050"/>
+                </a:solidFill>
+              </a:rPr>
+              <a:t>Ostateczny termin zaliczenia ćwiczenia: czwartek </a:t>
+            </a:r>
+            <a:r>
+              <a:rPr lang="pl-PL" sz="1600" b="1" dirty="0" smtClean="0">
+                <a:solidFill>
+                  <a:srgbClr val="00B050"/>
+                </a:solidFill>
+              </a:rPr>
+              <a:t>20 kwietnia</a:t>
+            </a:r>
+            <a:endParaRPr lang="pl-PL" sz="1600" b="1" dirty="0" smtClean="0">
+              <a:solidFill>
+                <a:srgbClr val="00B050"/>
+              </a:solidFill>
+            </a:endParaRPr>
+          </a:p>
+          <a:p>
+            <a:pPr>
+              <a:spcBef>
+                <a:spcPts val="100"/>
+              </a:spcBef>
+              <a:spcAft>
+                <a:spcPts val="100"/>
+              </a:spcAft>
+            </a:pPr>
+            <a:r>
+              <a:rPr lang="pl-PL" sz="1600" b="1" dirty="0" smtClean="0">
+                <a:solidFill>
+                  <a:srgbClr val="00B050"/>
+                </a:solidFill>
+              </a:rPr>
+              <a:t>Rozwiązania dostarczone później nie będą uwzględniane (0 punktów)</a:t>
+            </a:r>
+            <a:endParaRPr lang="pl-PL" sz="1600" b="1" dirty="0">
+              <a:solidFill>
+                <a:srgbClr val="00B050"/>
+              </a:solidFill>
+            </a:endParaRPr>
+          </a:p>
+        </p:txBody>
+      </p:sp>
     </p:spTree>
     <p:extLst>
       <p:ext uri="{BB962C8B-B14F-4D97-AF65-F5344CB8AC3E}">
-        <p14:creationId xmlns:p14="http://schemas.microsoft.com/office/powerpoint/2010/main" val="3439529518"/>
+        <p14:creationId xmlns:p14="http://schemas.microsoft.com/office/powerpoint/2010/main" xmlns="" val="3439529518"/>
       </p:ext>
     </p:extLst>
   </p:cSld>
   <p:clrMapOvr>
     <a:masterClrMapping/>
   </p:clrMapOvr>
-  <mc:AlternateContent xmlns:mc="http://schemas.openxmlformats.org/markup-compatibility/2006" xmlns:p14="http://schemas.microsoft.com/office/powerpoint/2010/main">
-    <mc:Choice Requires="p14">
+  <mc:AlternateContent xmlns:mc="http://schemas.openxmlformats.org/markup-compatibility/2006">
+    <mc:Choice xmlns:p14="http://schemas.microsoft.com/office/powerpoint/2010/main" xmlns="" Requires="p14">
       <p:transition p14:dur="10"/>
     </mc:Choice>
-    <mc:Fallback xmlns="">
+    <mc:Fallback>
       <p:transition/>
     </mc:Fallback>
   </mc:AlternateContent>
@@ -17846,7 +17952,7 @@
         <p:spPr>
           <a:xfrm>
             <a:off x="976312" y="2867532"/>
-            <a:ext cx="7724458" cy="1523494"/>
+            <a:ext cx="7724458" cy="1354217"/>
           </a:xfrm>
         </p:spPr>
         <p:txBody>
@@ -17866,51 +17972,59 @@
           <a:p>
             <a:r>
               <a:rPr lang="pl-PL" dirty="0" smtClean="0"/>
-              <a:t>Marek Strejczek</a:t>
+              <a:t>Mateusz Kołodziejski</a:t>
+            </a:r>
+          </a:p>
+          <a:p>
+            <a:r>
+              <a:rPr lang="pl-PL" dirty="0" err="1" smtClean="0"/>
+              <a:t>Technical</a:t>
+            </a:r>
+            <a:r>
+              <a:rPr lang="pl-PL" dirty="0" smtClean="0"/>
+              <a:t> </a:t>
+            </a:r>
+            <a:r>
+              <a:rPr lang="pl-PL" dirty="0" err="1" smtClean="0"/>
+              <a:t>Lead</a:t>
             </a:r>
             <a:endParaRPr lang="de-DE" dirty="0"/>
           </a:p>
           <a:p>
             <a:r>
               <a:rPr lang="pl-PL" dirty="0" smtClean="0"/>
-              <a:t>Technical Architect</a:t>
+              <a:t>Sterlinga 8a</a:t>
             </a:r>
             <a:endParaRPr lang="de-DE" dirty="0"/>
           </a:p>
           <a:p>
+            <a:r>
+              <a:rPr lang="pl-PL" dirty="0" smtClean="0"/>
+              <a:t>91-425 Łódź</a:t>
+            </a:r>
+          </a:p>
+          <a:p>
+            <a:r>
+              <a:rPr lang="pl-PL" dirty="0" smtClean="0"/>
+              <a:t>Poland</a:t>
+            </a:r>
             <a:endParaRPr lang="de-DE" dirty="0"/>
           </a:p>
           <a:p>
-            <a:r>
-              <a:rPr lang="pl-PL" dirty="0" smtClean="0"/>
-              <a:t>Sterlinga 8a</a:t>
-            </a:r>
             <a:endParaRPr lang="de-DE" dirty="0"/>
           </a:p>
           <a:p>
             <a:r>
-              <a:rPr lang="pl-PL" dirty="0" smtClean="0"/>
-              <a:t>91-425 Łódź</a:t>
-            </a:r>
-          </a:p>
-          <a:p>
-            <a:r>
-              <a:rPr lang="pl-PL" dirty="0" smtClean="0"/>
-              <a:t>Poland</a:t>
-            </a:r>
-            <a:endParaRPr lang="de-DE" dirty="0"/>
-          </a:p>
-          <a:p>
-            <a:endParaRPr lang="de-DE" dirty="0"/>
-          </a:p>
-          <a:p>
-            <a:r>
               <a:rPr lang="pl-PL" dirty="0" err="1" smtClean="0"/>
-              <a:t>marek.strejczek</a:t>
+              <a:t>mateusz.kolodziejski</a:t>
             </a:r>
             <a:r>
               <a:rPr lang="de-DE" dirty="0" smtClean="0"/>
-              <a:t>@gft.com</a:t>
+              <a:t>@</a:t>
+            </a:r>
+            <a:r>
+              <a:rPr lang="de-DE" dirty="0" err="1" smtClean="0"/>
+              <a:t>gft.com</a:t>
             </a:r>
             <a:endParaRPr lang="de-DE" dirty="0"/>
           </a:p>
@@ -17919,7 +18033,7 @@
     </p:spTree>
     <p:extLst>
       <p:ext uri="{BB962C8B-B14F-4D97-AF65-F5344CB8AC3E}">
-        <p14:creationId xmlns:p14="http://schemas.microsoft.com/office/powerpoint/2010/main" val="1405177657"/>
+        <p14:creationId xmlns:p14="http://schemas.microsoft.com/office/powerpoint/2010/main" xmlns="" val="1405177657"/>
       </p:ext>
     </p:extLst>
   </p:cSld>
@@ -18164,18 +18278,18 @@
     </p:spTree>
     <p:extLst>
       <p:ext uri="{BB962C8B-B14F-4D97-AF65-F5344CB8AC3E}">
-        <p14:creationId xmlns:p14="http://schemas.microsoft.com/office/powerpoint/2010/main" val="2153401368"/>
+        <p14:creationId xmlns:p14="http://schemas.microsoft.com/office/powerpoint/2010/main" xmlns="" val="2153401368"/>
       </p:ext>
     </p:extLst>
   </p:cSld>
   <p:clrMapOvr>
     <a:masterClrMapping/>
   </p:clrMapOvr>
-  <mc:AlternateContent xmlns:mc="http://schemas.openxmlformats.org/markup-compatibility/2006" xmlns:p14="http://schemas.microsoft.com/office/powerpoint/2010/main">
-    <mc:Choice Requires="p14">
+  <mc:AlternateContent xmlns:mc="http://schemas.openxmlformats.org/markup-compatibility/2006">
+    <mc:Choice xmlns:p14="http://schemas.microsoft.com/office/powerpoint/2010/main" xmlns="" Requires="p14">
       <p:transition p14:dur="0"/>
     </mc:Choice>
-    <mc:Fallback xmlns="">
+    <mc:Fallback>
       <p:transition/>
     </mc:Fallback>
   </mc:AlternateContent>
@@ -18953,18 +19067,18 @@
     </p:spTree>
     <p:extLst>
       <p:ext uri="{BB962C8B-B14F-4D97-AF65-F5344CB8AC3E}">
-        <p14:creationId xmlns:p14="http://schemas.microsoft.com/office/powerpoint/2010/main" val="929143175"/>
+        <p14:creationId xmlns:p14="http://schemas.microsoft.com/office/powerpoint/2010/main" xmlns="" val="929143175"/>
       </p:ext>
     </p:extLst>
   </p:cSld>
   <p:clrMapOvr>
     <a:masterClrMapping/>
   </p:clrMapOvr>
-  <mc:AlternateContent xmlns:mc="http://schemas.openxmlformats.org/markup-compatibility/2006" xmlns:p14="http://schemas.microsoft.com/office/powerpoint/2010/main">
-    <mc:Choice Requires="p14">
+  <mc:AlternateContent xmlns:mc="http://schemas.openxmlformats.org/markup-compatibility/2006">
+    <mc:Choice xmlns:p14="http://schemas.microsoft.com/office/powerpoint/2010/main" xmlns="" Requires="p14">
       <p:transition p14:dur="0"/>
     </mc:Choice>
-    <mc:Fallback xmlns="">
+    <mc:Fallback>
       <p:transition/>
     </mc:Fallback>
   </mc:AlternateContent>
@@ -19555,18 +19669,18 @@
     </p:spTree>
     <p:extLst>
       <p:ext uri="{BB962C8B-B14F-4D97-AF65-F5344CB8AC3E}">
-        <p14:creationId xmlns:p14="http://schemas.microsoft.com/office/powerpoint/2010/main" val="1819882541"/>
+        <p14:creationId xmlns:p14="http://schemas.microsoft.com/office/powerpoint/2010/main" xmlns="" val="1819882541"/>
       </p:ext>
     </p:extLst>
   </p:cSld>
   <p:clrMapOvr>
     <a:masterClrMapping/>
   </p:clrMapOvr>
-  <mc:AlternateContent xmlns:mc="http://schemas.openxmlformats.org/markup-compatibility/2006" xmlns:p14="http://schemas.microsoft.com/office/powerpoint/2010/main">
-    <mc:Choice Requires="p14">
+  <mc:AlternateContent xmlns:mc="http://schemas.openxmlformats.org/markup-compatibility/2006">
+    <mc:Choice xmlns:p14="http://schemas.microsoft.com/office/powerpoint/2010/main" xmlns="" Requires="p14">
       <p:transition p14:dur="0"/>
     </mc:Choice>
-    <mc:Fallback xmlns="">
+    <mc:Fallback>
       <p:transition/>
     </mc:Fallback>
   </mc:AlternateContent>
@@ -19706,18 +19820,18 @@
     </p:spTree>
     <p:extLst>
       <p:ext uri="{BB962C8B-B14F-4D97-AF65-F5344CB8AC3E}">
-        <p14:creationId xmlns:p14="http://schemas.microsoft.com/office/powerpoint/2010/main" val="771745050"/>
+        <p14:creationId xmlns:p14="http://schemas.microsoft.com/office/powerpoint/2010/main" xmlns="" val="771745050"/>
       </p:ext>
     </p:extLst>
   </p:cSld>
   <p:clrMapOvr>
     <a:masterClrMapping/>
   </p:clrMapOvr>
-  <mc:AlternateContent xmlns:mc="http://schemas.openxmlformats.org/markup-compatibility/2006" xmlns:p14="http://schemas.microsoft.com/office/powerpoint/2010/main">
-    <mc:Choice Requires="p14">
+  <mc:AlternateContent xmlns:mc="http://schemas.openxmlformats.org/markup-compatibility/2006">
+    <mc:Choice xmlns:p14="http://schemas.microsoft.com/office/powerpoint/2010/main" xmlns="" Requires="p14">
       <p:transition p14:dur="10"/>
     </mc:Choice>
-    <mc:Fallback xmlns="">
+    <mc:Fallback>
       <p:transition/>
     </mc:Fallback>
   </mc:AlternateContent>
@@ -19947,18 +20061,18 @@
     </p:spTree>
     <p:extLst>
       <p:ext uri="{BB962C8B-B14F-4D97-AF65-F5344CB8AC3E}">
-        <p14:creationId xmlns:p14="http://schemas.microsoft.com/office/powerpoint/2010/main" val="2411064202"/>
+        <p14:creationId xmlns:p14="http://schemas.microsoft.com/office/powerpoint/2010/main" xmlns="" val="2411064202"/>
       </p:ext>
     </p:extLst>
   </p:cSld>
   <p:clrMapOvr>
     <a:masterClrMapping/>
   </p:clrMapOvr>
-  <mc:AlternateContent xmlns:mc="http://schemas.openxmlformats.org/markup-compatibility/2006" xmlns:p14="http://schemas.microsoft.com/office/powerpoint/2010/main">
-    <mc:Choice Requires="p14">
+  <mc:AlternateContent xmlns:mc="http://schemas.openxmlformats.org/markup-compatibility/2006">
+    <mc:Choice xmlns:p14="http://schemas.microsoft.com/office/powerpoint/2010/main" xmlns="" Requires="p14">
       <p:transition p14:dur="0"/>
     </mc:Choice>
-    <mc:Fallback xmlns="">
+    <mc:Fallback>
       <p:transition/>
     </mc:Fallback>
   </mc:AlternateContent>
@@ -20102,18 +20216,18 @@
     </p:spTree>
     <p:extLst>
       <p:ext uri="{BB962C8B-B14F-4D97-AF65-F5344CB8AC3E}">
-        <p14:creationId xmlns:p14="http://schemas.microsoft.com/office/powerpoint/2010/main" val="1022935673"/>
+        <p14:creationId xmlns:p14="http://schemas.microsoft.com/office/powerpoint/2010/main" xmlns="" val="1022935673"/>
       </p:ext>
     </p:extLst>
   </p:cSld>
   <p:clrMapOvr>
     <a:masterClrMapping/>
   </p:clrMapOvr>
-  <mc:AlternateContent xmlns:mc="http://schemas.openxmlformats.org/markup-compatibility/2006" xmlns:p14="http://schemas.microsoft.com/office/powerpoint/2010/main">
-    <mc:Choice Requires="p14">
+  <mc:AlternateContent xmlns:mc="http://schemas.openxmlformats.org/markup-compatibility/2006">
+    <mc:Choice xmlns:p14="http://schemas.microsoft.com/office/powerpoint/2010/main" xmlns="" Requires="p14">
       <p:transition p14:dur="10"/>
     </mc:Choice>
-    <mc:Fallback xmlns="">
+    <mc:Fallback>
       <p:transition/>
     </mc:Fallback>
   </mc:AlternateContent>
@@ -20125,18 +20239,6 @@
     </p:tnLst>
   </p:timing>
 </p:sld>
-</file>
-
-<file path=ppt/tags/tag1.xml><?xml version="1.0" encoding="utf-8"?>
-<p:tagLst xmlns:a="http://schemas.openxmlformats.org/drawingml/2006/main" xmlns:r="http://schemas.openxmlformats.org/officeDocument/2006/relationships" xmlns:p="http://schemas.openxmlformats.org/presentationml/2006/main">
-  <p:tag name="THINKCELLSHAPEDONOTDELETE" val="thinkcellActiveDocDoNotDelete"/>
-</p:tagLst>
-</file>
-
-<file path=ppt/tags/tag2.xml><?xml version="1.0" encoding="utf-8"?>
-<p:tagLst xmlns:a="http://schemas.openxmlformats.org/drawingml/2006/main" xmlns:r="http://schemas.openxmlformats.org/officeDocument/2006/relationships" xmlns:p="http://schemas.openxmlformats.org/presentationml/2006/main">
-  <p:tag name="THINKCELLSHAPEDONOTDELETE" val="thinkcellActiveDocDoNotDelete"/>
-</p:tagLst>
 </file>
 
 <file path=ppt/theme/theme1.xml><?xml version="1.0" encoding="utf-8"?>
@@ -20411,7 +20513,7 @@
   <a:extraClrSchemeLst/>
   <a:extLst>
     <a:ext uri="{05A4C25C-085E-4340-85A3-A5531E510DB2}">
-      <thm15:themeFamily xmlns:thm15="http://schemas.microsoft.com/office/thememl/2012/main" xmlns="" name="GFT_Chartpool_2015.pptx" id="{A28C9458-9558-44C8-89F4-D7A2CBC04405}" vid="{0F156D25-70FA-498B-891B-4FDE46BF1046}"/>
+      <thm15:themeFamily xmlns="" xmlns:thm15="http://schemas.microsoft.com/office/thememl/2012/main" name="GFT_Chartpool_2015.pptx" id="{A28C9458-9558-44C8-89F4-D7A2CBC04405}" vid="{0F156D25-70FA-498B-891B-4FDE46BF1046}"/>
     </a:ext>
   </a:extLst>
 </a:theme>
@@ -21058,12 +21160,38 @@
 </file>
 
 <file path=customXml/item1.xml><?xml version="1.0" encoding="utf-8"?>
-<?mso-contentType ?>
-<FormTemplates xmlns="http://schemas.microsoft.com/sharepoint/v3/contenttype/forms">
-  <Display>DocumentLibraryForm</Display>
-  <Edit>DocumentLibraryForm</Edit>
-  <New>DocumentLibraryForm</New>
-</FormTemplates>
+<p:properties xmlns:p="http://schemas.microsoft.com/office/2006/metadata/properties" xmlns:xsi="http://www.w3.org/2001/XMLSchema-instance" xmlns:pc="http://schemas.microsoft.com/office/infopath/2007/PartnerControls">
+  <documentManagement>
+    <_dlc_DocId xmlns="727178e8-9586-4f49-8e7b-77af9c2fb085">CVD5QAC74SYH-2-13943</_dlc_DocId>
+    <_dlc_DocIdUrl xmlns="727178e8-9586-4f49-8e7b-77af9c2fb085">
+      <Url>https://share.gft.com/sites/Corporate-Marketing/_layouts/DocIdRedir.aspx?ID=CVD5QAC74SYH-2-13943</Url>
+      <Description>CVD5QAC74SYH-2-13943</Description>
+    </_dlc_DocIdUrl>
+    <Functional_x0020_Area xmlns="e44e039f-c551-4112-981c-456f1b630ef1">Functional Area 1</Functional_x0020_Area>
+    <Reference_x0020_Title xmlns="e44e039f-c551-4112-981c-456f1b630ef1" xsi:nil="true"/>
+    <Area xmlns="e44e039f-c551-4112-981c-456f1b630ef1">Area 1</Area>
+    <Project_x0020_size_x0020__x0028_resources_x0029_ xmlns="e44e039f-c551-4112-981c-456f1b630ef1" xsi:nil="true"/>
+    <Comments xmlns="e44e039f-c551-4112-981c-456f1b630ef1" xsi:nil="true"/>
+    <Business_x0020_Sector xmlns="e44e039f-c551-4112-981c-456f1b630ef1">Banking</Business_x0020_Sector>
+    <Client_x0020_Category xmlns="e44e039f-c551-4112-981c-456f1b630ef1">Central</Client_x0020_Category>
+    <Methods_x0020_and_x0020_standards xmlns="e44e039f-c551-4112-981c-456f1b630ef1" xsi:nil="true"/>
+    <Responsible xmlns="e44e039f-c551-4112-981c-456f1b630ef1">Marek Strejczek</Responsible>
+    <Client_x0020_Name xmlns="e44e039f-c551-4112-981c-456f1b630ef1" xsi:nil="true"/>
+    <Client_x0020_approval xmlns="e44e039f-c551-4112-981c-456f1b630ef1">No</Client_x0020_approval>
+    <Plattform_x0020__x0026__x0020_tools xmlns="e44e039f-c551-4112-981c-456f1b630ef1" xsi:nil="true"/>
+    <Project_x0020_ID xmlns="e44e039f-c551-4112-981c-456f1b630ef1" xsi:nil="true"/>
+    <Description0 xmlns="e44e039f-c551-4112-981c-456f1b630ef1" xsi:nil="true"/>
+    <Author_x0020__x002f__x0020_Contact xmlns="e44e039f-c551-4112-981c-456f1b630ef1">
+      <UserInfo>
+        <DisplayName/>
+        <AccountId xsi:nil="true"/>
+        <AccountType/>
+      </UserInfo>
+    </Author_x0020__x002f__x0020_Contact>
+    <Client_x0020_Country xmlns="e44e039f-c551-4112-981c-456f1b630ef1">Germany</Client_x0020_Country>
+    <Year xmlns="e44e039f-c551-4112-981c-456f1b630ef1" xsi:nil="true"/>
+  </documentManagement>
+</p:properties>
 </file>
 
 <file path=customXml/item2.xml><?xml version="1.0" encoding="utf-8"?>
@@ -21564,38 +21692,12 @@
 </file>
 
 <file path=customXml/item3.xml><?xml version="1.0" encoding="utf-8"?>
-<p:properties xmlns:p="http://schemas.microsoft.com/office/2006/metadata/properties" xmlns:xsi="http://www.w3.org/2001/XMLSchema-instance" xmlns:pc="http://schemas.microsoft.com/office/infopath/2007/PartnerControls">
-  <documentManagement>
-    <_dlc_DocId xmlns="727178e8-9586-4f49-8e7b-77af9c2fb085">CVD5QAC74SYH-2-13943</_dlc_DocId>
-    <_dlc_DocIdUrl xmlns="727178e8-9586-4f49-8e7b-77af9c2fb085">
-      <Url>https://share.gft.com/sites/Corporate-Marketing/_layouts/DocIdRedir.aspx?ID=CVD5QAC74SYH-2-13943</Url>
-      <Description>CVD5QAC74SYH-2-13943</Description>
-    </_dlc_DocIdUrl>
-    <Functional_x0020_Area xmlns="e44e039f-c551-4112-981c-456f1b630ef1">Functional Area 1</Functional_x0020_Area>
-    <Reference_x0020_Title xmlns="e44e039f-c551-4112-981c-456f1b630ef1" xsi:nil="true"/>
-    <Area xmlns="e44e039f-c551-4112-981c-456f1b630ef1">Area 1</Area>
-    <Project_x0020_size_x0020__x0028_resources_x0029_ xmlns="e44e039f-c551-4112-981c-456f1b630ef1" xsi:nil="true"/>
-    <Comments xmlns="e44e039f-c551-4112-981c-456f1b630ef1" xsi:nil="true"/>
-    <Business_x0020_Sector xmlns="e44e039f-c551-4112-981c-456f1b630ef1">Banking</Business_x0020_Sector>
-    <Client_x0020_Category xmlns="e44e039f-c551-4112-981c-456f1b630ef1">Central</Client_x0020_Category>
-    <Methods_x0020_and_x0020_standards xmlns="e44e039f-c551-4112-981c-456f1b630ef1" xsi:nil="true"/>
-    <Responsible xmlns="e44e039f-c551-4112-981c-456f1b630ef1">Marek Strejczek</Responsible>
-    <Client_x0020_Name xmlns="e44e039f-c551-4112-981c-456f1b630ef1" xsi:nil="true"/>
-    <Client_x0020_approval xmlns="e44e039f-c551-4112-981c-456f1b630ef1">No</Client_x0020_approval>
-    <Plattform_x0020__x0026__x0020_tools xmlns="e44e039f-c551-4112-981c-456f1b630ef1" xsi:nil="true"/>
-    <Project_x0020_ID xmlns="e44e039f-c551-4112-981c-456f1b630ef1" xsi:nil="true"/>
-    <Description0 xmlns="e44e039f-c551-4112-981c-456f1b630ef1" xsi:nil="true"/>
-    <Author_x0020__x002f__x0020_Contact xmlns="e44e039f-c551-4112-981c-456f1b630ef1">
-      <UserInfo>
-        <DisplayName/>
-        <AccountId xsi:nil="true"/>
-        <AccountType/>
-      </UserInfo>
-    </Author_x0020__x002f__x0020_Contact>
-    <Client_x0020_Country xmlns="e44e039f-c551-4112-981c-456f1b630ef1">Germany</Client_x0020_Country>
-    <Year xmlns="e44e039f-c551-4112-981c-456f1b630ef1" xsi:nil="true"/>
-  </documentManagement>
-</p:properties>
+<?mso-contentType ?>
+<FormTemplates xmlns="http://schemas.microsoft.com/sharepoint/v3/contenttype/forms">
+  <Display>DocumentLibraryForm</Display>
+  <Edit>DocumentLibraryForm</Edit>
+  <New>DocumentLibraryForm</New>
+</FormTemplates>
 </file>
 
 <file path=customXml/item4.xml><?xml version="1.0" encoding="utf-8"?>
@@ -21645,9 +21747,18 @@
 </file>
 
 <file path=customXml/itemProps1.xml><?xml version="1.0" encoding="utf-8"?>
-<ds:datastoreItem xmlns:ds="http://schemas.openxmlformats.org/officeDocument/2006/customXml" ds:itemID="{9217953E-6BB7-40C6-9A84-608D0A8D65EC}">
+<ds:datastoreItem xmlns:ds="http://schemas.openxmlformats.org/officeDocument/2006/customXml" ds:itemID="{7445AAF4-B73F-4E3A-B9D2-4DDAE0F1BE8A}">
   <ds:schemaRefs>
-    <ds:schemaRef ds:uri="http://schemas.microsoft.com/sharepoint/v3/contenttype/forms"/>
+    <ds:schemaRef ds:uri="http://schemas.microsoft.com/office/2006/documentManagement/types"/>
+    <ds:schemaRef ds:uri="http://schemas.openxmlformats.org/package/2006/metadata/core-properties"/>
+    <ds:schemaRef ds:uri="727178e8-9586-4f49-8e7b-77af9c2fb085"/>
+    <ds:schemaRef ds:uri="http://purl.org/dc/elements/1.1/"/>
+    <ds:schemaRef ds:uri="http://schemas.microsoft.com/office/2006/metadata/properties"/>
+    <ds:schemaRef ds:uri="e44e039f-c551-4112-981c-456f1b630ef1"/>
+    <ds:schemaRef ds:uri="http://purl.org/dc/terms/"/>
+    <ds:schemaRef ds:uri="http://schemas.microsoft.com/office/infopath/2007/PartnerControls"/>
+    <ds:schemaRef ds:uri="http://www.w3.org/XML/1998/namespace"/>
+    <ds:schemaRef ds:uri="http://purl.org/dc/dcmitype/"/>
   </ds:schemaRefs>
 </ds:datastoreItem>
 </file>
@@ -21672,18 +21783,9 @@
 </file>
 
 <file path=customXml/itemProps3.xml><?xml version="1.0" encoding="utf-8"?>
-<ds:datastoreItem xmlns:ds="http://schemas.openxmlformats.org/officeDocument/2006/customXml" ds:itemID="{7445AAF4-B73F-4E3A-B9D2-4DDAE0F1BE8A}">
+<ds:datastoreItem xmlns:ds="http://schemas.openxmlformats.org/officeDocument/2006/customXml" ds:itemID="{9217953E-6BB7-40C6-9A84-608D0A8D65EC}">
   <ds:schemaRefs>
-    <ds:schemaRef ds:uri="http://schemas.microsoft.com/office/2006/documentManagement/types"/>
-    <ds:schemaRef ds:uri="http://schemas.openxmlformats.org/package/2006/metadata/core-properties"/>
-    <ds:schemaRef ds:uri="727178e8-9586-4f49-8e7b-77af9c2fb085"/>
-    <ds:schemaRef ds:uri="http://purl.org/dc/elements/1.1/"/>
-    <ds:schemaRef ds:uri="http://schemas.microsoft.com/office/2006/metadata/properties"/>
-    <ds:schemaRef ds:uri="e44e039f-c551-4112-981c-456f1b630ef1"/>
-    <ds:schemaRef ds:uri="http://purl.org/dc/terms/"/>
-    <ds:schemaRef ds:uri="http://schemas.microsoft.com/office/infopath/2007/PartnerControls"/>
-    <ds:schemaRef ds:uri="http://www.w3.org/XML/1998/namespace"/>
-    <ds:schemaRef ds:uri="http://purl.org/dc/dcmitype/"/>
+    <ds:schemaRef ds:uri="http://schemas.microsoft.com/sharepoint/v3/contenttype/forms"/>
   </ds:schemaRefs>
 </ds:datastoreItem>
 </file>

--- a/WDSR - ćwiczenie 3a_REST.pptx
+++ b/WDSR - ćwiczenie 3a_REST.pptx
@@ -147,7 +147,7 @@
   </p:defaultTextStyle>
   <p:extLst>
     <p:ext uri="{EFAFB233-063F-42B5-8137-9DF3F51BA10A}">
-      <p15:sldGuideLst xmlns="" xmlns:p15="http://schemas.microsoft.com/office/powerpoint/2012/main">
+      <p15:sldGuideLst xmlns:p15="http://schemas.microsoft.com/office/powerpoint/2012/main" xmlns="">
         <p15:guide id="1" orient="horz" pos="1620">
           <p15:clr>
             <a:srgbClr val="A4A3A4"/>
@@ -181,7 +181,7 @@
       </p15:sldGuideLst>
     </p:ext>
     <p:ext uri="{2D200454-40CA-4A62-9FC3-DE9A4176ACB9}">
-      <p15:notesGuideLst xmlns="" xmlns:p15="http://schemas.microsoft.com/office/powerpoint/2012/main"/>
+      <p15:notesGuideLst xmlns:p15="http://schemas.microsoft.com/office/powerpoint/2012/main" xmlns=""/>
     </p:ext>
   </p:extLst>
 </p:presentation>
@@ -276,7 +276,7 @@
             <a:fld id="{C4843D26-F355-3844-A4EF-19D4FD875597}" type="datetimeFigureOut">
               <a:rPr lang="de-DE" smtClean="0"/>
               <a:pPr/>
-              <a:t>24.03.2017</a:t>
+              <a:t>26.03.2017</a:t>
             </a:fld>
             <a:endParaRPr lang="de-DE" dirty="0"/>
           </a:p>
@@ -352,7 +352,7 @@
     </p:spTree>
     <p:extLst>
       <p:ext uri="{BB962C8B-B14F-4D97-AF65-F5344CB8AC3E}">
-        <p14:creationId xmlns:p14="http://schemas.microsoft.com/office/powerpoint/2010/main" xmlns="" val="1863735379"/>
+        <p14:creationId xmlns="" xmlns:p14="http://schemas.microsoft.com/office/powerpoint/2010/main" val="1863735379"/>
       </p:ext>
     </p:extLst>
   </p:cSld>
@@ -444,7 +444,7 @@
             <a:fld id="{8E2CFE12-C1FB-D740-8B6C-AFB72D5D4002}" type="datetimeFigureOut">
               <a:rPr lang="de-DE" smtClean="0"/>
               <a:pPr/>
-              <a:t>24.03.2017</a:t>
+              <a:t>26.03.2017</a:t>
             </a:fld>
             <a:endParaRPr lang="de-DE" dirty="0"/>
           </a:p>
@@ -613,7 +613,7 @@
     </p:spTree>
     <p:extLst>
       <p:ext uri="{BB962C8B-B14F-4D97-AF65-F5344CB8AC3E}">
-        <p14:creationId xmlns:p14="http://schemas.microsoft.com/office/powerpoint/2010/main" xmlns="" val="1832403913"/>
+        <p14:creationId xmlns="" xmlns:p14="http://schemas.microsoft.com/office/powerpoint/2010/main" val="1832403913"/>
       </p:ext>
     </p:extLst>
   </p:cSld>
@@ -791,7 +791,7 @@
     </p:spTree>
     <p:extLst>
       <p:ext uri="{BB962C8B-B14F-4D97-AF65-F5344CB8AC3E}">
-        <p14:creationId xmlns:p14="http://schemas.microsoft.com/office/powerpoint/2010/main" xmlns="" val="1775613547"/>
+        <p14:creationId xmlns="" xmlns:p14="http://schemas.microsoft.com/office/powerpoint/2010/main" val="1775613547"/>
       </p:ext>
     </p:extLst>
   </p:cSld>
@@ -878,7 +878,7 @@
     </p:spTree>
     <p:extLst>
       <p:ext uri="{BB962C8B-B14F-4D97-AF65-F5344CB8AC3E}">
-        <p14:creationId xmlns:p14="http://schemas.microsoft.com/office/powerpoint/2010/main" xmlns="" val="1883132698"/>
+        <p14:creationId xmlns="" xmlns:p14="http://schemas.microsoft.com/office/powerpoint/2010/main" val="1883132698"/>
       </p:ext>
     </p:extLst>
   </p:cSld>
@@ -965,7 +965,7 @@
     </p:spTree>
     <p:extLst>
       <p:ext uri="{BB962C8B-B14F-4D97-AF65-F5344CB8AC3E}">
-        <p14:creationId xmlns:p14="http://schemas.microsoft.com/office/powerpoint/2010/main" xmlns="" val="1883132698"/>
+        <p14:creationId xmlns="" xmlns:p14="http://schemas.microsoft.com/office/powerpoint/2010/main" val="1883132698"/>
       </p:ext>
     </p:extLst>
   </p:cSld>
@@ -1052,7 +1052,7 @@
     </p:spTree>
     <p:extLst>
       <p:ext uri="{BB962C8B-B14F-4D97-AF65-F5344CB8AC3E}">
-        <p14:creationId xmlns:p14="http://schemas.microsoft.com/office/powerpoint/2010/main" xmlns="" val="1883132698"/>
+        <p14:creationId xmlns="" xmlns:p14="http://schemas.microsoft.com/office/powerpoint/2010/main" val="1883132698"/>
       </p:ext>
     </p:extLst>
   </p:cSld>
@@ -1139,7 +1139,7 @@
     </p:spTree>
     <p:extLst>
       <p:ext uri="{BB962C8B-B14F-4D97-AF65-F5344CB8AC3E}">
-        <p14:creationId xmlns:p14="http://schemas.microsoft.com/office/powerpoint/2010/main" xmlns="" val="1883132698"/>
+        <p14:creationId xmlns="" xmlns:p14="http://schemas.microsoft.com/office/powerpoint/2010/main" val="1883132698"/>
       </p:ext>
     </p:extLst>
   </p:cSld>
@@ -1226,7 +1226,7 @@
     </p:spTree>
     <p:extLst>
       <p:ext uri="{BB962C8B-B14F-4D97-AF65-F5344CB8AC3E}">
-        <p14:creationId xmlns:p14="http://schemas.microsoft.com/office/powerpoint/2010/main" xmlns="" val="1883132698"/>
+        <p14:creationId xmlns="" xmlns:p14="http://schemas.microsoft.com/office/powerpoint/2010/main" val="1883132698"/>
       </p:ext>
     </p:extLst>
   </p:cSld>
@@ -1313,7 +1313,7 @@
     </p:spTree>
     <p:extLst>
       <p:ext uri="{BB962C8B-B14F-4D97-AF65-F5344CB8AC3E}">
-        <p14:creationId xmlns:p14="http://schemas.microsoft.com/office/powerpoint/2010/main" xmlns="" val="1883132698"/>
+        <p14:creationId xmlns="" xmlns:p14="http://schemas.microsoft.com/office/powerpoint/2010/main" val="1883132698"/>
       </p:ext>
     </p:extLst>
   </p:cSld>
@@ -1400,7 +1400,7 @@
     </p:spTree>
     <p:extLst>
       <p:ext uri="{BB962C8B-B14F-4D97-AF65-F5344CB8AC3E}">
-        <p14:creationId xmlns:p14="http://schemas.microsoft.com/office/powerpoint/2010/main" xmlns="" val="1883132698"/>
+        <p14:creationId xmlns="" xmlns:p14="http://schemas.microsoft.com/office/powerpoint/2010/main" val="1883132698"/>
       </p:ext>
     </p:extLst>
   </p:cSld>
@@ -1487,7 +1487,7 @@
     </p:spTree>
     <p:extLst>
       <p:ext uri="{BB962C8B-B14F-4D97-AF65-F5344CB8AC3E}">
-        <p14:creationId xmlns:p14="http://schemas.microsoft.com/office/powerpoint/2010/main" xmlns="" val="1883132698"/>
+        <p14:creationId xmlns="" xmlns:p14="http://schemas.microsoft.com/office/powerpoint/2010/main" val="1883132698"/>
       </p:ext>
     </p:extLst>
   </p:cSld>
@@ -1574,7 +1574,7 @@
     </p:spTree>
     <p:extLst>
       <p:ext uri="{BB962C8B-B14F-4D97-AF65-F5344CB8AC3E}">
-        <p14:creationId xmlns:p14="http://schemas.microsoft.com/office/powerpoint/2010/main" xmlns="" val="1883132698"/>
+        <p14:creationId xmlns="" xmlns:p14="http://schemas.microsoft.com/office/powerpoint/2010/main" val="1883132698"/>
       </p:ext>
     </p:extLst>
   </p:cSld>
@@ -1661,7 +1661,7 @@
     </p:spTree>
     <p:extLst>
       <p:ext uri="{BB962C8B-B14F-4D97-AF65-F5344CB8AC3E}">
-        <p14:creationId xmlns:p14="http://schemas.microsoft.com/office/powerpoint/2010/main" xmlns="" val="1883132698"/>
+        <p14:creationId xmlns="" xmlns:p14="http://schemas.microsoft.com/office/powerpoint/2010/main" val="1883132698"/>
       </p:ext>
     </p:extLst>
   </p:cSld>
@@ -1748,7 +1748,7 @@
     </p:spTree>
     <p:extLst>
       <p:ext uri="{BB962C8B-B14F-4D97-AF65-F5344CB8AC3E}">
-        <p14:creationId xmlns:p14="http://schemas.microsoft.com/office/powerpoint/2010/main" xmlns="" val="3849374475"/>
+        <p14:creationId xmlns="" xmlns:p14="http://schemas.microsoft.com/office/powerpoint/2010/main" val="3849374475"/>
       </p:ext>
     </p:extLst>
   </p:cSld>
@@ -1835,7 +1835,7 @@
     </p:spTree>
     <p:extLst>
       <p:ext uri="{BB962C8B-B14F-4D97-AF65-F5344CB8AC3E}">
-        <p14:creationId xmlns:p14="http://schemas.microsoft.com/office/powerpoint/2010/main" xmlns="" val="1883132698"/>
+        <p14:creationId xmlns="" xmlns:p14="http://schemas.microsoft.com/office/powerpoint/2010/main" val="1883132698"/>
       </p:ext>
     </p:extLst>
   </p:cSld>
@@ -1922,7 +1922,7 @@
     </p:spTree>
     <p:extLst>
       <p:ext uri="{BB962C8B-B14F-4D97-AF65-F5344CB8AC3E}">
-        <p14:creationId xmlns:p14="http://schemas.microsoft.com/office/powerpoint/2010/main" xmlns="" val="1883132698"/>
+        <p14:creationId xmlns="" xmlns:p14="http://schemas.microsoft.com/office/powerpoint/2010/main" val="1883132698"/>
       </p:ext>
     </p:extLst>
   </p:cSld>
@@ -2009,7 +2009,7 @@
     </p:spTree>
     <p:extLst>
       <p:ext uri="{BB962C8B-B14F-4D97-AF65-F5344CB8AC3E}">
-        <p14:creationId xmlns:p14="http://schemas.microsoft.com/office/powerpoint/2010/main" xmlns="" val="1883132698"/>
+        <p14:creationId xmlns="" xmlns:p14="http://schemas.microsoft.com/office/powerpoint/2010/main" val="1883132698"/>
       </p:ext>
     </p:extLst>
   </p:cSld>
@@ -2096,7 +2096,7 @@
     </p:spTree>
     <p:extLst>
       <p:ext uri="{BB962C8B-B14F-4D97-AF65-F5344CB8AC3E}">
-        <p14:creationId xmlns:p14="http://schemas.microsoft.com/office/powerpoint/2010/main" xmlns="" val="1883132698"/>
+        <p14:creationId xmlns="" xmlns:p14="http://schemas.microsoft.com/office/powerpoint/2010/main" val="1883132698"/>
       </p:ext>
     </p:extLst>
   </p:cSld>
@@ -2183,7 +2183,7 @@
     </p:spTree>
     <p:extLst>
       <p:ext uri="{BB962C8B-B14F-4D97-AF65-F5344CB8AC3E}">
-        <p14:creationId xmlns:p14="http://schemas.microsoft.com/office/powerpoint/2010/main" xmlns="" val="1883132698"/>
+        <p14:creationId xmlns="" xmlns:p14="http://schemas.microsoft.com/office/powerpoint/2010/main" val="1883132698"/>
       </p:ext>
     </p:extLst>
   </p:cSld>
@@ -2270,7 +2270,7 @@
     </p:spTree>
     <p:extLst>
       <p:ext uri="{BB962C8B-B14F-4D97-AF65-F5344CB8AC3E}">
-        <p14:creationId xmlns:p14="http://schemas.microsoft.com/office/powerpoint/2010/main" xmlns="" val="1883132698"/>
+        <p14:creationId xmlns="" xmlns:p14="http://schemas.microsoft.com/office/powerpoint/2010/main" val="1883132698"/>
       </p:ext>
     </p:extLst>
   </p:cSld>
@@ -2357,7 +2357,7 @@
     </p:spTree>
     <p:extLst>
       <p:ext uri="{BB962C8B-B14F-4D97-AF65-F5344CB8AC3E}">
-        <p14:creationId xmlns:p14="http://schemas.microsoft.com/office/powerpoint/2010/main" xmlns="" val="1883132698"/>
+        <p14:creationId xmlns="" xmlns:p14="http://schemas.microsoft.com/office/powerpoint/2010/main" val="1883132698"/>
       </p:ext>
     </p:extLst>
   </p:cSld>
@@ -2444,7 +2444,7 @@
     </p:spTree>
     <p:extLst>
       <p:ext uri="{BB962C8B-B14F-4D97-AF65-F5344CB8AC3E}">
-        <p14:creationId xmlns:p14="http://schemas.microsoft.com/office/powerpoint/2010/main" xmlns="" val="1883132698"/>
+        <p14:creationId xmlns="" xmlns:p14="http://schemas.microsoft.com/office/powerpoint/2010/main" val="1883132698"/>
       </p:ext>
     </p:extLst>
   </p:cSld>
@@ -2531,7 +2531,7 @@
     </p:spTree>
     <p:extLst>
       <p:ext uri="{BB962C8B-B14F-4D97-AF65-F5344CB8AC3E}">
-        <p14:creationId xmlns:p14="http://schemas.microsoft.com/office/powerpoint/2010/main" xmlns="" val="1883132698"/>
+        <p14:creationId xmlns="" xmlns:p14="http://schemas.microsoft.com/office/powerpoint/2010/main" val="1883132698"/>
       </p:ext>
     </p:extLst>
   </p:cSld>
@@ -2618,7 +2618,7 @@
     </p:spTree>
     <p:extLst>
       <p:ext uri="{BB962C8B-B14F-4D97-AF65-F5344CB8AC3E}">
-        <p14:creationId xmlns:p14="http://schemas.microsoft.com/office/powerpoint/2010/main" xmlns="" val="1883132698"/>
+        <p14:creationId xmlns="" xmlns:p14="http://schemas.microsoft.com/office/powerpoint/2010/main" val="1883132698"/>
       </p:ext>
     </p:extLst>
   </p:cSld>
@@ -2705,7 +2705,7 @@
     </p:spTree>
     <p:extLst>
       <p:ext uri="{BB962C8B-B14F-4D97-AF65-F5344CB8AC3E}">
-        <p14:creationId xmlns:p14="http://schemas.microsoft.com/office/powerpoint/2010/main" xmlns="" val="518439452"/>
+        <p14:creationId xmlns="" xmlns:p14="http://schemas.microsoft.com/office/powerpoint/2010/main" val="518439452"/>
       </p:ext>
     </p:extLst>
   </p:cSld>
@@ -2792,7 +2792,7 @@
     </p:spTree>
     <p:extLst>
       <p:ext uri="{BB962C8B-B14F-4D97-AF65-F5344CB8AC3E}">
-        <p14:creationId xmlns:p14="http://schemas.microsoft.com/office/powerpoint/2010/main" xmlns="" val="1883132698"/>
+        <p14:creationId xmlns="" xmlns:p14="http://schemas.microsoft.com/office/powerpoint/2010/main" val="1883132698"/>
       </p:ext>
     </p:extLst>
   </p:cSld>
@@ -2879,7 +2879,7 @@
     </p:spTree>
     <p:extLst>
       <p:ext uri="{BB962C8B-B14F-4D97-AF65-F5344CB8AC3E}">
-        <p14:creationId xmlns:p14="http://schemas.microsoft.com/office/powerpoint/2010/main" xmlns="" val="1883132698"/>
+        <p14:creationId xmlns="" xmlns:p14="http://schemas.microsoft.com/office/powerpoint/2010/main" val="1883132698"/>
       </p:ext>
     </p:extLst>
   </p:cSld>
@@ -2966,7 +2966,7 @@
     </p:spTree>
     <p:extLst>
       <p:ext uri="{BB962C8B-B14F-4D97-AF65-F5344CB8AC3E}">
-        <p14:creationId xmlns:p14="http://schemas.microsoft.com/office/powerpoint/2010/main" xmlns="" val="1883132698"/>
+        <p14:creationId xmlns="" xmlns:p14="http://schemas.microsoft.com/office/powerpoint/2010/main" val="1883132698"/>
       </p:ext>
     </p:extLst>
   </p:cSld>
@@ -3053,7 +3053,7 @@
     </p:spTree>
     <p:extLst>
       <p:ext uri="{BB962C8B-B14F-4D97-AF65-F5344CB8AC3E}">
-        <p14:creationId xmlns:p14="http://schemas.microsoft.com/office/powerpoint/2010/main" xmlns="" val="1883132698"/>
+        <p14:creationId xmlns="" xmlns:p14="http://schemas.microsoft.com/office/powerpoint/2010/main" val="1883132698"/>
       </p:ext>
     </p:extLst>
   </p:cSld>
@@ -3140,7 +3140,7 @@
     </p:spTree>
     <p:extLst>
       <p:ext uri="{BB962C8B-B14F-4D97-AF65-F5344CB8AC3E}">
-        <p14:creationId xmlns:p14="http://schemas.microsoft.com/office/powerpoint/2010/main" xmlns="" val="1883132698"/>
+        <p14:creationId xmlns="" xmlns:p14="http://schemas.microsoft.com/office/powerpoint/2010/main" val="1883132698"/>
       </p:ext>
     </p:extLst>
   </p:cSld>
@@ -3227,7 +3227,7 @@
     </p:spTree>
     <p:extLst>
       <p:ext uri="{BB962C8B-B14F-4D97-AF65-F5344CB8AC3E}">
-        <p14:creationId xmlns:p14="http://schemas.microsoft.com/office/powerpoint/2010/main" xmlns="" val="745957084"/>
+        <p14:creationId xmlns="" xmlns:p14="http://schemas.microsoft.com/office/powerpoint/2010/main" val="745957084"/>
       </p:ext>
     </p:extLst>
   </p:cSld>
@@ -3314,7 +3314,7 @@
     </p:spTree>
     <p:extLst>
       <p:ext uri="{BB962C8B-B14F-4D97-AF65-F5344CB8AC3E}">
-        <p14:creationId xmlns:p14="http://schemas.microsoft.com/office/powerpoint/2010/main" xmlns="" val="3920226349"/>
+        <p14:creationId xmlns="" xmlns:p14="http://schemas.microsoft.com/office/powerpoint/2010/main" val="3920226349"/>
       </p:ext>
     </p:extLst>
   </p:cSld>
@@ -3401,7 +3401,7 @@
     </p:spTree>
     <p:extLst>
       <p:ext uri="{BB962C8B-B14F-4D97-AF65-F5344CB8AC3E}">
-        <p14:creationId xmlns:p14="http://schemas.microsoft.com/office/powerpoint/2010/main" xmlns="" val="404239667"/>
+        <p14:creationId xmlns="" xmlns:p14="http://schemas.microsoft.com/office/powerpoint/2010/main" val="404239667"/>
       </p:ext>
     </p:extLst>
   </p:cSld>
@@ -3488,7 +3488,7 @@
     </p:spTree>
     <p:extLst>
       <p:ext uri="{BB962C8B-B14F-4D97-AF65-F5344CB8AC3E}">
-        <p14:creationId xmlns:p14="http://schemas.microsoft.com/office/powerpoint/2010/main" xmlns="" val="1883132698"/>
+        <p14:creationId xmlns="" xmlns:p14="http://schemas.microsoft.com/office/powerpoint/2010/main" val="1883132698"/>
       </p:ext>
     </p:extLst>
   </p:cSld>
@@ -3575,7 +3575,7 @@
     </p:spTree>
     <p:extLst>
       <p:ext uri="{BB962C8B-B14F-4D97-AF65-F5344CB8AC3E}">
-        <p14:creationId xmlns:p14="http://schemas.microsoft.com/office/powerpoint/2010/main" xmlns="" val="1883132698"/>
+        <p14:creationId xmlns="" xmlns:p14="http://schemas.microsoft.com/office/powerpoint/2010/main" val="1883132698"/>
       </p:ext>
     </p:extLst>
   </p:cSld>
@@ -3662,7 +3662,7 @@
     </p:spTree>
     <p:extLst>
       <p:ext uri="{BB962C8B-B14F-4D97-AF65-F5344CB8AC3E}">
-        <p14:creationId xmlns:p14="http://schemas.microsoft.com/office/powerpoint/2010/main" xmlns="" val="1883132698"/>
+        <p14:creationId xmlns="" xmlns:p14="http://schemas.microsoft.com/office/powerpoint/2010/main" val="1883132698"/>
       </p:ext>
     </p:extLst>
   </p:cSld>
@@ -3701,7 +3701,7 @@
           <a:blip r:embed="rId2">
             <a:extLst>
               <a:ext uri="{28A0092B-C50C-407E-A947-70E740481C1C}">
-                <a14:useLocalDpi xmlns:a14="http://schemas.microsoft.com/office/drawing/2010/main" xmlns="" val="0"/>
+                <a14:useLocalDpi xmlns="" xmlns:a14="http://schemas.microsoft.com/office/drawing/2010/main" val="0"/>
               </a:ext>
             </a:extLst>
           </a:blip>
@@ -4015,7 +4015,7 @@
           <a:blip r:embed="rId3">
             <a:extLst>
               <a:ext uri="{28A0092B-C50C-407E-A947-70E740481C1C}">
-                <a14:useLocalDpi xmlns:a14="http://schemas.microsoft.com/office/drawing/2010/main" xmlns="" val="0"/>
+                <a14:useLocalDpi xmlns="" xmlns:a14="http://schemas.microsoft.com/office/drawing/2010/main" val="0"/>
               </a:ext>
             </a:extLst>
           </a:blip>
@@ -4035,7 +4035,7 @@
           <a:noFill/>
           <a:extLst>
             <a:ext uri="{909E8E84-426E-40DD-AFC4-6F175D3DCCD1}">
-              <a14:hiddenFill xmlns:a14="http://schemas.microsoft.com/office/drawing/2010/main" xmlns="">
+              <a14:hiddenFill xmlns="" xmlns:a14="http://schemas.microsoft.com/office/drawing/2010/main">
                 <a:solidFill>
                   <a:srgbClr val="FFFFFF"/>
                 </a:solidFill>
@@ -4047,7 +4047,7 @@
     </p:spTree>
     <p:extLst>
       <p:ext uri="{BB962C8B-B14F-4D97-AF65-F5344CB8AC3E}">
-        <p14:creationId xmlns:p14="http://schemas.microsoft.com/office/powerpoint/2010/main" xmlns="" val="2032434000"/>
+        <p14:creationId xmlns="" xmlns:p14="http://schemas.microsoft.com/office/powerpoint/2010/main" val="2032434000"/>
       </p:ext>
     </p:extLst>
   </p:cSld>
@@ -4093,7 +4093,7 @@
           <a:blip r:embed="rId2">
             <a:extLst>
               <a:ext uri="{28A0092B-C50C-407E-A947-70E740481C1C}">
-                <a14:useLocalDpi xmlns:a14="http://schemas.microsoft.com/office/drawing/2010/main" xmlns="" val="0"/>
+                <a14:useLocalDpi xmlns="" xmlns:a14="http://schemas.microsoft.com/office/drawing/2010/main" val="0"/>
               </a:ext>
             </a:extLst>
           </a:blip>
@@ -4389,7 +4389,7 @@
           <a:blip r:embed="rId3">
             <a:extLst>
               <a:ext uri="{28A0092B-C50C-407E-A947-70E740481C1C}">
-                <a14:useLocalDpi xmlns:a14="http://schemas.microsoft.com/office/drawing/2010/main" xmlns="" val="0"/>
+                <a14:useLocalDpi xmlns="" xmlns:a14="http://schemas.microsoft.com/office/drawing/2010/main" val="0"/>
               </a:ext>
             </a:extLst>
           </a:blip>
@@ -4409,7 +4409,7 @@
           <a:noFill/>
           <a:extLst>
             <a:ext uri="{909E8E84-426E-40DD-AFC4-6F175D3DCCD1}">
-              <a14:hiddenFill xmlns:a14="http://schemas.microsoft.com/office/drawing/2010/main" xmlns="">
+              <a14:hiddenFill xmlns="" xmlns:a14="http://schemas.microsoft.com/office/drawing/2010/main">
                 <a:solidFill>
                   <a:srgbClr val="FFFFFF"/>
                 </a:solidFill>
@@ -4421,7 +4421,7 @@
     </p:spTree>
     <p:extLst>
       <p:ext uri="{BB962C8B-B14F-4D97-AF65-F5344CB8AC3E}">
-        <p14:creationId xmlns:p14="http://schemas.microsoft.com/office/powerpoint/2010/main" xmlns="" val="707728385"/>
+        <p14:creationId xmlns="" xmlns:p14="http://schemas.microsoft.com/office/powerpoint/2010/main" val="707728385"/>
       </p:ext>
     </p:extLst>
   </p:cSld>
@@ -4437,7 +4437,7 @@
   </p:timing>
   <p:extLst mod="1">
     <p:ext uri="{DCECCB84-F9BA-43D5-87BE-67443E8EF086}">
-      <p15:sldGuideLst xmlns="" xmlns:p15="http://schemas.microsoft.com/office/powerpoint/2012/main">
+      <p15:sldGuideLst xmlns:p15="http://schemas.microsoft.com/office/powerpoint/2012/main" xmlns="">
         <p15:guide id="1" orient="horz" pos="1221">
           <p15:clr>
             <a:srgbClr val="C35EA4"/>
@@ -4478,7 +4478,7 @@
           <a:blip r:embed="rId2">
             <a:extLst>
               <a:ext uri="{28A0092B-C50C-407E-A947-70E740481C1C}">
-                <a14:useLocalDpi xmlns:a14="http://schemas.microsoft.com/office/drawing/2010/main" xmlns="" val="0"/>
+                <a14:useLocalDpi xmlns="" xmlns:a14="http://schemas.microsoft.com/office/drawing/2010/main" val="0"/>
               </a:ext>
             </a:extLst>
           </a:blip>
@@ -4729,7 +4729,7 @@
           <a:blip r:embed="rId3">
             <a:extLst>
               <a:ext uri="{28A0092B-C50C-407E-A947-70E740481C1C}">
-                <a14:useLocalDpi xmlns:a14="http://schemas.microsoft.com/office/drawing/2010/main" xmlns="" val="0"/>
+                <a14:useLocalDpi xmlns="" xmlns:a14="http://schemas.microsoft.com/office/drawing/2010/main" val="0"/>
               </a:ext>
             </a:extLst>
           </a:blip>
@@ -4749,7 +4749,7 @@
           <a:noFill/>
           <a:extLst>
             <a:ext uri="{909E8E84-426E-40DD-AFC4-6F175D3DCCD1}">
-              <a14:hiddenFill xmlns:a14="http://schemas.microsoft.com/office/drawing/2010/main" xmlns="">
+              <a14:hiddenFill xmlns="" xmlns:a14="http://schemas.microsoft.com/office/drawing/2010/main">
                 <a:solidFill>
                   <a:srgbClr val="FFFFFF"/>
                 </a:solidFill>
@@ -4761,7 +4761,7 @@
     </p:spTree>
     <p:extLst>
       <p:ext uri="{BB962C8B-B14F-4D97-AF65-F5344CB8AC3E}">
-        <p14:creationId xmlns:p14="http://schemas.microsoft.com/office/powerpoint/2010/main" xmlns="" val="3130113218"/>
+        <p14:creationId xmlns="" xmlns:p14="http://schemas.microsoft.com/office/powerpoint/2010/main" val="3130113218"/>
       </p:ext>
     </p:extLst>
   </p:cSld>
@@ -4770,7 +4770,7 @@
   </p:clrMapOvr>
   <p:extLst mod="1">
     <p:ext uri="{DCECCB84-F9BA-43D5-87BE-67443E8EF086}">
-      <p15:sldGuideLst xmlns="" xmlns:p15="http://schemas.microsoft.com/office/powerpoint/2012/main">
+      <p15:sldGuideLst xmlns:p15="http://schemas.microsoft.com/office/powerpoint/2012/main" xmlns="">
         <p15:guide id="1" orient="horz" pos="1221">
           <p15:clr>
             <a:srgbClr val="C35EA4"/>
@@ -4924,7 +4924,7 @@
     </p:spTree>
     <p:extLst>
       <p:ext uri="{BB962C8B-B14F-4D97-AF65-F5344CB8AC3E}">
-        <p14:creationId xmlns:p14="http://schemas.microsoft.com/office/powerpoint/2010/main" xmlns="" val="2626482632"/>
+        <p14:creationId xmlns="" xmlns:p14="http://schemas.microsoft.com/office/powerpoint/2010/main" val="2626482632"/>
       </p:ext>
     </p:extLst>
   </p:cSld>
@@ -5145,7 +5145,7 @@
     </p:spTree>
     <p:extLst>
       <p:ext uri="{BB962C8B-B14F-4D97-AF65-F5344CB8AC3E}">
-        <p14:creationId xmlns:p14="http://schemas.microsoft.com/office/powerpoint/2010/main" xmlns="" val="3371847988"/>
+        <p14:creationId xmlns="" xmlns:p14="http://schemas.microsoft.com/office/powerpoint/2010/main" val="3371847988"/>
       </p:ext>
     </p:extLst>
   </p:cSld>
@@ -5361,7 +5361,7 @@
     </p:spTree>
     <p:extLst>
       <p:ext uri="{BB962C8B-B14F-4D97-AF65-F5344CB8AC3E}">
-        <p14:creationId xmlns:p14="http://schemas.microsoft.com/office/powerpoint/2010/main" xmlns="" val="4208395069"/>
+        <p14:creationId xmlns="" xmlns:p14="http://schemas.microsoft.com/office/powerpoint/2010/main" val="4208395069"/>
       </p:ext>
     </p:extLst>
   </p:cSld>
@@ -5457,7 +5457,7 @@
     </p:spTree>
     <p:extLst>
       <p:ext uri="{BB962C8B-B14F-4D97-AF65-F5344CB8AC3E}">
-        <p14:creationId xmlns:p14="http://schemas.microsoft.com/office/powerpoint/2010/main" xmlns="" val="2097094422"/>
+        <p14:creationId xmlns="" xmlns:p14="http://schemas.microsoft.com/office/powerpoint/2010/main" val="2097094422"/>
       </p:ext>
     </p:extLst>
   </p:cSld>
@@ -5493,7 +5493,7 @@
           <p:nvPr userDrawn="1">
             <p:extLst>
               <p:ext uri="{D42A27DB-BD31-4B8C-83A1-F6EECF244321}">
-                <p14:modId xmlns:p14="http://schemas.microsoft.com/office/powerpoint/2010/main" xmlns="" val="2766779821"/>
+                <p14:modId xmlns="" xmlns:p14="http://schemas.microsoft.com/office/powerpoint/2010/main" val="2766779821"/>
               </p:ext>
             </p:extLst>
           </p:nvPr>
@@ -5522,7 +5522,7 @@
           <a:blip r:embed="rId4">
             <a:extLst>
               <a:ext uri="{28A0092B-C50C-407E-A947-70E740481C1C}">
-                <a14:useLocalDpi xmlns:a14="http://schemas.microsoft.com/office/drawing/2010/main" xmlns="" val="0"/>
+                <a14:useLocalDpi xmlns="" xmlns:a14="http://schemas.microsoft.com/office/drawing/2010/main" val="0"/>
               </a:ext>
             </a:extLst>
           </a:blip>
@@ -5774,7 +5774,7 @@
     </p:spTree>
     <p:extLst>
       <p:ext uri="{BB962C8B-B14F-4D97-AF65-F5344CB8AC3E}">
-        <p14:creationId xmlns:p14="http://schemas.microsoft.com/office/powerpoint/2010/main" xmlns="" val="2060546820"/>
+        <p14:creationId xmlns="" xmlns:p14="http://schemas.microsoft.com/office/powerpoint/2010/main" val="2060546820"/>
       </p:ext>
     </p:extLst>
   </p:cSld>
@@ -5818,7 +5818,7 @@
           <a:blip r:embed="rId11">
             <a:extLst>
               <a:ext uri="{28A0092B-C50C-407E-A947-70E740481C1C}">
-                <a14:useLocalDpi xmlns:a14="http://schemas.microsoft.com/office/drawing/2010/main" xmlns="" val="0"/>
+                <a14:useLocalDpi xmlns="" xmlns:a14="http://schemas.microsoft.com/office/drawing/2010/main" val="0"/>
               </a:ext>
             </a:extLst>
           </a:blip>
@@ -5838,7 +5838,7 @@
           <a:noFill/>
           <a:extLst>
             <a:ext uri="{909E8E84-426E-40DD-AFC4-6F175D3DCCD1}">
-              <a14:hiddenFill xmlns:a14="http://schemas.microsoft.com/office/drawing/2010/main" xmlns="">
+              <a14:hiddenFill xmlns="" xmlns:a14="http://schemas.microsoft.com/office/drawing/2010/main">
                 <a:solidFill>
                   <a:srgbClr val="FFFFFF"/>
                 </a:solidFill>
@@ -5856,7 +5856,7 @@
           <p:nvPr>
             <p:extLst>
               <p:ext uri="{D42A27DB-BD31-4B8C-83A1-F6EECF244321}">
-                <p14:modId xmlns:p14="http://schemas.microsoft.com/office/powerpoint/2010/main" xmlns="" val="2610759032"/>
+                <p14:modId xmlns="" xmlns:p14="http://schemas.microsoft.com/office/powerpoint/2010/main" val="2610759032"/>
               </p:ext>
             </p:extLst>
           </p:nvPr>
@@ -6727,7 +6727,7 @@
     </p:spTree>
     <p:extLst>
       <p:ext uri="{BB962C8B-B14F-4D97-AF65-F5344CB8AC3E}">
-        <p14:creationId xmlns:p14="http://schemas.microsoft.com/office/powerpoint/2010/main" xmlns="" val="2955847980"/>
+        <p14:creationId xmlns="" xmlns:p14="http://schemas.microsoft.com/office/powerpoint/2010/main" val="2955847980"/>
       </p:ext>
     </p:extLst>
   </p:cSld>
@@ -7046,7 +7046,7 @@
   </p:txStyles>
   <p:extLst mod="1">
     <p:ext uri="{27BBF7A9-308A-43DC-89C8-2F10F3537804}">
-      <p15:sldGuideLst xmlns="" xmlns:p15="http://schemas.microsoft.com/office/powerpoint/2012/main">
+      <p15:sldGuideLst xmlns:p15="http://schemas.microsoft.com/office/powerpoint/2012/main" xmlns="">
         <p15:guide id="1" pos="283">
           <p15:clr>
             <a:srgbClr val="FBAE40"/>
@@ -7168,37 +7168,20 @@
           <a:p>
             <a:r>
               <a:rPr lang="pl-PL" dirty="0" smtClean="0"/>
-              <a:t>Materiały: </a:t>
-            </a:r>
-            <a:r>
-              <a:rPr lang="pl-PL" dirty="0" smtClean="0"/>
-              <a:t>Marek </a:t>
-            </a:r>
-            <a:r>
-              <a:rPr lang="pl-PL" dirty="0" smtClean="0"/>
-              <a:t>Strejczek</a:t>
+              <a:t>Materiały: Marek Strejczek</a:t>
             </a:r>
             <a:endParaRPr lang="de-DE" dirty="0" smtClean="0"/>
           </a:p>
           <a:p>
             <a:r>
               <a:rPr lang="pl-PL" dirty="0" smtClean="0"/>
-              <a:t>Lato </a:t>
-            </a:r>
-            <a:r>
-              <a:rPr lang="pl-PL" dirty="0" smtClean="0"/>
-              <a:t>2017</a:t>
-            </a:r>
-            <a:endParaRPr lang="pl-PL" dirty="0" smtClean="0"/>
-          </a:p>
-          <a:p>
-            <a:r>
-              <a:rPr lang="pl-PL" dirty="0" smtClean="0"/>
-              <a:t>Wersja </a:t>
-            </a:r>
-            <a:r>
-              <a:rPr lang="pl-PL" dirty="0" smtClean="0"/>
-              <a:t>1.2</a:t>
+              <a:t>Lato 2017</a:t>
+            </a:r>
+          </a:p>
+          <a:p>
+            <a:r>
+              <a:rPr lang="pl-PL" dirty="0" smtClean="0"/>
+              <a:t>Wersja 1.2</a:t>
             </a:r>
             <a:endParaRPr lang="de-DE" dirty="0"/>
           </a:p>
@@ -7207,7 +7190,7 @@
     </p:spTree>
     <p:extLst>
       <p:ext uri="{BB962C8B-B14F-4D97-AF65-F5344CB8AC3E}">
-        <p14:creationId xmlns:p14="http://schemas.microsoft.com/office/powerpoint/2010/main" xmlns="" val="3230101943"/>
+        <p14:creationId xmlns="" xmlns:p14="http://schemas.microsoft.com/office/powerpoint/2010/main" val="3230101943"/>
       </p:ext>
     </p:extLst>
   </p:cSld>
@@ -7416,7 +7399,7 @@
     </p:spTree>
     <p:extLst>
       <p:ext uri="{BB962C8B-B14F-4D97-AF65-F5344CB8AC3E}">
-        <p14:creationId xmlns:p14="http://schemas.microsoft.com/office/powerpoint/2010/main" xmlns="" val="565121571"/>
+        <p14:creationId xmlns="" xmlns:p14="http://schemas.microsoft.com/office/powerpoint/2010/main" val="565121571"/>
       </p:ext>
     </p:extLst>
   </p:cSld>
@@ -7424,7 +7407,7 @@
     <a:masterClrMapping/>
   </p:clrMapOvr>
   <mc:AlternateContent xmlns:mc="http://schemas.openxmlformats.org/markup-compatibility/2006">
-    <mc:Choice xmlns:p14="http://schemas.microsoft.com/office/powerpoint/2010/main" xmlns="" Requires="p14">
+    <mc:Choice xmlns="" xmlns:p14="http://schemas.microsoft.com/office/powerpoint/2010/main" Requires="p14">
       <p:transition p14:dur="10"/>
     </mc:Choice>
     <mc:Fallback>
@@ -8147,7 +8130,7 @@
     </p:spTree>
     <p:extLst>
       <p:ext uri="{BB962C8B-B14F-4D97-AF65-F5344CB8AC3E}">
-        <p14:creationId xmlns:p14="http://schemas.microsoft.com/office/powerpoint/2010/main" xmlns="" val="1329190289"/>
+        <p14:creationId xmlns="" xmlns:p14="http://schemas.microsoft.com/office/powerpoint/2010/main" val="1329190289"/>
       </p:ext>
     </p:extLst>
   </p:cSld>
@@ -8155,7 +8138,7 @@
     <a:masterClrMapping/>
   </p:clrMapOvr>
   <mc:AlternateContent xmlns:mc="http://schemas.openxmlformats.org/markup-compatibility/2006">
-    <mc:Choice xmlns:p14="http://schemas.microsoft.com/office/powerpoint/2010/main" xmlns="" Requires="p14">
+    <mc:Choice xmlns="" xmlns:p14="http://schemas.microsoft.com/office/powerpoint/2010/main" Requires="p14">
       <p:transition p14:dur="10"/>
     </mc:Choice>
     <mc:Fallback>
@@ -8747,7 +8730,7 @@
           <a:blip r:embed="rId8">
             <a:extLst>
               <a:ext uri="{28A0092B-C50C-407E-A947-70E740481C1C}">
-                <a14:useLocalDpi xmlns:a14="http://schemas.microsoft.com/office/drawing/2010/main" xmlns="" val="0"/>
+                <a14:useLocalDpi xmlns="" xmlns:a14="http://schemas.microsoft.com/office/drawing/2010/main" val="0"/>
               </a:ext>
             </a:extLst>
           </a:blip>
@@ -8770,14 +8753,14 @@
           </a:ln>
           <a:extLst>
             <a:ext uri="{909E8E84-426E-40DD-AFC4-6F175D3DCCD1}">
-              <a14:hiddenFill xmlns:a14="http://schemas.microsoft.com/office/drawing/2010/main" xmlns="">
+              <a14:hiddenFill xmlns="" xmlns:a14="http://schemas.microsoft.com/office/drawing/2010/main">
                 <a:solidFill>
                   <a:schemeClr val="accent1"/>
                 </a:solidFill>
               </a14:hiddenFill>
             </a:ext>
             <a:ext uri="{91240B29-F687-4F45-9708-019B960494DF}">
-              <a14:hiddenLine xmlns:a14="http://schemas.microsoft.com/office/drawing/2010/main" xmlns="" w="9525">
+              <a14:hiddenLine xmlns="" xmlns:a14="http://schemas.microsoft.com/office/drawing/2010/main" w="9525">
                 <a:solidFill>
                   <a:schemeClr val="tx1"/>
                 </a:solidFill>
@@ -8792,7 +8775,7 @@
     </p:spTree>
     <p:extLst>
       <p:ext uri="{BB962C8B-B14F-4D97-AF65-F5344CB8AC3E}">
-        <p14:creationId xmlns:p14="http://schemas.microsoft.com/office/powerpoint/2010/main" xmlns="" val="1445465161"/>
+        <p14:creationId xmlns="" xmlns:p14="http://schemas.microsoft.com/office/powerpoint/2010/main" val="1445465161"/>
       </p:ext>
     </p:extLst>
   </p:cSld>
@@ -8800,7 +8783,7 @@
     <a:masterClrMapping/>
   </p:clrMapOvr>
   <mc:AlternateContent xmlns:mc="http://schemas.openxmlformats.org/markup-compatibility/2006">
-    <mc:Choice xmlns:p14="http://schemas.microsoft.com/office/powerpoint/2010/main" xmlns="" Requires="p14">
+    <mc:Choice xmlns="" xmlns:p14="http://schemas.microsoft.com/office/powerpoint/2010/main" Requires="p14">
       <p:transition p14:dur="10"/>
     </mc:Choice>
     <mc:Fallback>
@@ -9017,7 +9000,7 @@
           <a:blip r:embed="rId4">
             <a:extLst>
               <a:ext uri="{28A0092B-C50C-407E-A947-70E740481C1C}">
-                <a14:useLocalDpi xmlns:a14="http://schemas.microsoft.com/office/drawing/2010/main" xmlns="" val="0"/>
+                <a14:useLocalDpi xmlns="" xmlns:a14="http://schemas.microsoft.com/office/drawing/2010/main" val="0"/>
               </a:ext>
             </a:extLst>
           </a:blip>
@@ -9040,14 +9023,14 @@
           </a:ln>
           <a:extLst>
             <a:ext uri="{909E8E84-426E-40DD-AFC4-6F175D3DCCD1}">
-              <a14:hiddenFill xmlns:a14="http://schemas.microsoft.com/office/drawing/2010/main" xmlns="">
+              <a14:hiddenFill xmlns="" xmlns:a14="http://schemas.microsoft.com/office/drawing/2010/main">
                 <a:solidFill>
                   <a:schemeClr val="accent1"/>
                 </a:solidFill>
               </a14:hiddenFill>
             </a:ext>
             <a:ext uri="{91240B29-F687-4F45-9708-019B960494DF}">
-              <a14:hiddenLine xmlns:a14="http://schemas.microsoft.com/office/drawing/2010/main" xmlns="" w="9525">
+              <a14:hiddenLine xmlns="" xmlns:a14="http://schemas.microsoft.com/office/drawing/2010/main" w="9525">
                 <a:solidFill>
                   <a:schemeClr val="tx1"/>
                 </a:solidFill>
@@ -9071,7 +9054,7 @@
           <a:blip r:embed="rId5">
             <a:extLst>
               <a:ext uri="{28A0092B-C50C-407E-A947-70E740481C1C}">
-                <a14:useLocalDpi xmlns:a14="http://schemas.microsoft.com/office/drawing/2010/main" xmlns="" val="0"/>
+                <a14:useLocalDpi xmlns="" xmlns:a14="http://schemas.microsoft.com/office/drawing/2010/main" val="0"/>
               </a:ext>
             </a:extLst>
           </a:blip>
@@ -9094,14 +9077,14 @@
           </a:ln>
           <a:extLst>
             <a:ext uri="{909E8E84-426E-40DD-AFC4-6F175D3DCCD1}">
-              <a14:hiddenFill xmlns:a14="http://schemas.microsoft.com/office/drawing/2010/main" xmlns="">
+              <a14:hiddenFill xmlns="" xmlns:a14="http://schemas.microsoft.com/office/drawing/2010/main">
                 <a:solidFill>
                   <a:schemeClr val="accent1"/>
                 </a:solidFill>
               </a14:hiddenFill>
             </a:ext>
             <a:ext uri="{91240B29-F687-4F45-9708-019B960494DF}">
-              <a14:hiddenLine xmlns:a14="http://schemas.microsoft.com/office/drawing/2010/main" xmlns="" w="9525">
+              <a14:hiddenLine xmlns="" xmlns:a14="http://schemas.microsoft.com/office/drawing/2010/main" w="9525">
                 <a:solidFill>
                   <a:schemeClr val="tx1"/>
                 </a:solidFill>
@@ -9432,7 +9415,7 @@
     </p:spTree>
     <p:extLst>
       <p:ext uri="{BB962C8B-B14F-4D97-AF65-F5344CB8AC3E}">
-        <p14:creationId xmlns:p14="http://schemas.microsoft.com/office/powerpoint/2010/main" xmlns="" val="3166790887"/>
+        <p14:creationId xmlns="" xmlns:p14="http://schemas.microsoft.com/office/powerpoint/2010/main" val="3166790887"/>
       </p:ext>
     </p:extLst>
   </p:cSld>
@@ -9440,7 +9423,7 @@
     <a:masterClrMapping/>
   </p:clrMapOvr>
   <mc:AlternateContent xmlns:mc="http://schemas.openxmlformats.org/markup-compatibility/2006">
-    <mc:Choice xmlns:p14="http://schemas.microsoft.com/office/powerpoint/2010/main" xmlns="" Requires="p14">
+    <mc:Choice xmlns="" xmlns:p14="http://schemas.microsoft.com/office/powerpoint/2010/main" Requires="p14">
       <p:transition p14:dur="10"/>
     </mc:Choice>
     <mc:Fallback>
@@ -9614,7 +9597,7 @@
           <a:blip r:embed="rId4">
             <a:extLst>
               <a:ext uri="{28A0092B-C50C-407E-A947-70E740481C1C}">
-                <a14:useLocalDpi xmlns:a14="http://schemas.microsoft.com/office/drawing/2010/main" xmlns="" val="0"/>
+                <a14:useLocalDpi xmlns="" xmlns:a14="http://schemas.microsoft.com/office/drawing/2010/main" val="0"/>
               </a:ext>
             </a:extLst>
           </a:blip>
@@ -9637,14 +9620,14 @@
           </a:ln>
           <a:extLst>
             <a:ext uri="{909E8E84-426E-40DD-AFC4-6F175D3DCCD1}">
-              <a14:hiddenFill xmlns:a14="http://schemas.microsoft.com/office/drawing/2010/main" xmlns="">
+              <a14:hiddenFill xmlns="" xmlns:a14="http://schemas.microsoft.com/office/drawing/2010/main">
                 <a:solidFill>
                   <a:schemeClr val="accent1"/>
                 </a:solidFill>
               </a14:hiddenFill>
             </a:ext>
             <a:ext uri="{91240B29-F687-4F45-9708-019B960494DF}">
-              <a14:hiddenLine xmlns:a14="http://schemas.microsoft.com/office/drawing/2010/main" xmlns="" w="9525">
+              <a14:hiddenLine xmlns="" xmlns:a14="http://schemas.microsoft.com/office/drawing/2010/main" w="9525">
                 <a:solidFill>
                   <a:schemeClr val="tx1"/>
                 </a:solidFill>
@@ -9659,7 +9642,7 @@
     </p:spTree>
     <p:extLst>
       <p:ext uri="{BB962C8B-B14F-4D97-AF65-F5344CB8AC3E}">
-        <p14:creationId xmlns:p14="http://schemas.microsoft.com/office/powerpoint/2010/main" xmlns="" val="2519267293"/>
+        <p14:creationId xmlns="" xmlns:p14="http://schemas.microsoft.com/office/powerpoint/2010/main" val="2519267293"/>
       </p:ext>
     </p:extLst>
   </p:cSld>
@@ -9667,7 +9650,7 @@
     <a:masterClrMapping/>
   </p:clrMapOvr>
   <mc:AlternateContent xmlns:mc="http://schemas.openxmlformats.org/markup-compatibility/2006">
-    <mc:Choice xmlns:p14="http://schemas.microsoft.com/office/powerpoint/2010/main" xmlns="" Requires="p14">
+    <mc:Choice xmlns="" xmlns:p14="http://schemas.microsoft.com/office/powerpoint/2010/main" Requires="p14">
       <p:transition p14:dur="10"/>
     </mc:Choice>
     <mc:Fallback>
@@ -9851,7 +9834,7 @@
           <a:blip r:embed="rId4">
             <a:extLst>
               <a:ext uri="{28A0092B-C50C-407E-A947-70E740481C1C}">
-                <a14:useLocalDpi xmlns:a14="http://schemas.microsoft.com/office/drawing/2010/main" xmlns="" val="0"/>
+                <a14:useLocalDpi xmlns="" xmlns:a14="http://schemas.microsoft.com/office/drawing/2010/main" val="0"/>
               </a:ext>
             </a:extLst>
           </a:blip>
@@ -9874,14 +9857,14 @@
           </a:ln>
           <a:extLst>
             <a:ext uri="{909E8E84-426E-40DD-AFC4-6F175D3DCCD1}">
-              <a14:hiddenFill xmlns:a14="http://schemas.microsoft.com/office/drawing/2010/main" xmlns="">
+              <a14:hiddenFill xmlns="" xmlns:a14="http://schemas.microsoft.com/office/drawing/2010/main">
                 <a:solidFill>
                   <a:schemeClr val="accent1"/>
                 </a:solidFill>
               </a14:hiddenFill>
             </a:ext>
             <a:ext uri="{91240B29-F687-4F45-9708-019B960494DF}">
-              <a14:hiddenLine xmlns:a14="http://schemas.microsoft.com/office/drawing/2010/main" xmlns="" w="9525">
+              <a14:hiddenLine xmlns="" xmlns:a14="http://schemas.microsoft.com/office/drawing/2010/main" w="9525">
                 <a:solidFill>
                   <a:schemeClr val="tx1"/>
                 </a:solidFill>
@@ -9896,7 +9879,7 @@
     </p:spTree>
     <p:extLst>
       <p:ext uri="{BB962C8B-B14F-4D97-AF65-F5344CB8AC3E}">
-        <p14:creationId xmlns:p14="http://schemas.microsoft.com/office/powerpoint/2010/main" xmlns="" val="245669067"/>
+        <p14:creationId xmlns="" xmlns:p14="http://schemas.microsoft.com/office/powerpoint/2010/main" val="245669067"/>
       </p:ext>
     </p:extLst>
   </p:cSld>
@@ -9904,7 +9887,7 @@
     <a:masterClrMapping/>
   </p:clrMapOvr>
   <mc:AlternateContent xmlns:mc="http://schemas.openxmlformats.org/markup-compatibility/2006">
-    <mc:Choice xmlns:p14="http://schemas.microsoft.com/office/powerpoint/2010/main" xmlns="" Requires="p14">
+    <mc:Choice xmlns="" xmlns:p14="http://schemas.microsoft.com/office/powerpoint/2010/main" Requires="p14">
       <p:transition p14:dur="10"/>
     </mc:Choice>
     <mc:Fallback>
@@ -10133,7 +10116,7 @@
           <a:blip r:embed="rId5">
             <a:extLst>
               <a:ext uri="{28A0092B-C50C-407E-A947-70E740481C1C}">
-                <a14:useLocalDpi xmlns:a14="http://schemas.microsoft.com/office/drawing/2010/main" xmlns="" val="0"/>
+                <a14:useLocalDpi xmlns="" xmlns:a14="http://schemas.microsoft.com/office/drawing/2010/main" val="0"/>
               </a:ext>
             </a:extLst>
           </a:blip>
@@ -10156,14 +10139,14 @@
           </a:ln>
           <a:extLst>
             <a:ext uri="{909E8E84-426E-40DD-AFC4-6F175D3DCCD1}">
-              <a14:hiddenFill xmlns:a14="http://schemas.microsoft.com/office/drawing/2010/main" xmlns="">
+              <a14:hiddenFill xmlns="" xmlns:a14="http://schemas.microsoft.com/office/drawing/2010/main">
                 <a:solidFill>
                   <a:schemeClr val="accent1"/>
                 </a:solidFill>
               </a14:hiddenFill>
             </a:ext>
             <a:ext uri="{91240B29-F687-4F45-9708-019B960494DF}">
-              <a14:hiddenLine xmlns:a14="http://schemas.microsoft.com/office/drawing/2010/main" xmlns="" w="9525">
+              <a14:hiddenLine xmlns="" xmlns:a14="http://schemas.microsoft.com/office/drawing/2010/main" w="9525">
                 <a:solidFill>
                   <a:schemeClr val="tx1"/>
                 </a:solidFill>
@@ -10178,7 +10161,7 @@
     </p:spTree>
     <p:extLst>
       <p:ext uri="{BB962C8B-B14F-4D97-AF65-F5344CB8AC3E}">
-        <p14:creationId xmlns:p14="http://schemas.microsoft.com/office/powerpoint/2010/main" xmlns="" val="477170418"/>
+        <p14:creationId xmlns="" xmlns:p14="http://schemas.microsoft.com/office/powerpoint/2010/main" val="477170418"/>
       </p:ext>
     </p:extLst>
   </p:cSld>
@@ -10186,7 +10169,7 @@
     <a:masterClrMapping/>
   </p:clrMapOvr>
   <mc:AlternateContent xmlns:mc="http://schemas.openxmlformats.org/markup-compatibility/2006">
-    <mc:Choice xmlns:p14="http://schemas.microsoft.com/office/powerpoint/2010/main" xmlns="" Requires="p14">
+    <mc:Choice xmlns="" xmlns:p14="http://schemas.microsoft.com/office/powerpoint/2010/main" Requires="p14">
       <p:transition p14:dur="10"/>
     </mc:Choice>
     <mc:Fallback>
@@ -10365,7 +10348,7 @@
           <a:blip r:embed="rId5">
             <a:extLst>
               <a:ext uri="{28A0092B-C50C-407E-A947-70E740481C1C}">
-                <a14:useLocalDpi xmlns:a14="http://schemas.microsoft.com/office/drawing/2010/main" xmlns="" val="0"/>
+                <a14:useLocalDpi xmlns="" xmlns:a14="http://schemas.microsoft.com/office/drawing/2010/main" val="0"/>
               </a:ext>
             </a:extLst>
           </a:blip>
@@ -10388,14 +10371,14 @@
           </a:ln>
           <a:extLst>
             <a:ext uri="{909E8E84-426E-40DD-AFC4-6F175D3DCCD1}">
-              <a14:hiddenFill xmlns:a14="http://schemas.microsoft.com/office/drawing/2010/main" xmlns="">
+              <a14:hiddenFill xmlns="" xmlns:a14="http://schemas.microsoft.com/office/drawing/2010/main">
                 <a:solidFill>
                   <a:schemeClr val="accent1"/>
                 </a:solidFill>
               </a14:hiddenFill>
             </a:ext>
             <a:ext uri="{91240B29-F687-4F45-9708-019B960494DF}">
-              <a14:hiddenLine xmlns:a14="http://schemas.microsoft.com/office/drawing/2010/main" xmlns="" w="9525">
+              <a14:hiddenLine xmlns="" xmlns:a14="http://schemas.microsoft.com/office/drawing/2010/main" w="9525">
                 <a:solidFill>
                   <a:schemeClr val="tx1"/>
                 </a:solidFill>
@@ -10410,7 +10393,7 @@
     </p:spTree>
     <p:extLst>
       <p:ext uri="{BB962C8B-B14F-4D97-AF65-F5344CB8AC3E}">
-        <p14:creationId xmlns:p14="http://schemas.microsoft.com/office/powerpoint/2010/main" xmlns="" val="2865102593"/>
+        <p14:creationId xmlns="" xmlns:p14="http://schemas.microsoft.com/office/powerpoint/2010/main" val="2865102593"/>
       </p:ext>
     </p:extLst>
   </p:cSld>
@@ -10418,7 +10401,7 @@
     <a:masterClrMapping/>
   </p:clrMapOvr>
   <mc:AlternateContent xmlns:mc="http://schemas.openxmlformats.org/markup-compatibility/2006">
-    <mc:Choice xmlns:p14="http://schemas.microsoft.com/office/powerpoint/2010/main" xmlns="" Requires="p14">
+    <mc:Choice xmlns="" xmlns:p14="http://schemas.microsoft.com/office/powerpoint/2010/main" Requires="p14">
       <p:transition p14:dur="10"/>
     </mc:Choice>
     <mc:Fallback>
@@ -10594,7 +10577,7 @@
           <a:blip r:embed="rId4">
             <a:extLst>
               <a:ext uri="{28A0092B-C50C-407E-A947-70E740481C1C}">
-                <a14:useLocalDpi xmlns:a14="http://schemas.microsoft.com/office/drawing/2010/main" xmlns="" val="0"/>
+                <a14:useLocalDpi xmlns="" xmlns:a14="http://schemas.microsoft.com/office/drawing/2010/main" val="0"/>
               </a:ext>
             </a:extLst>
           </a:blip>
@@ -10617,14 +10600,14 @@
           </a:ln>
           <a:extLst>
             <a:ext uri="{909E8E84-426E-40DD-AFC4-6F175D3DCCD1}">
-              <a14:hiddenFill xmlns:a14="http://schemas.microsoft.com/office/drawing/2010/main" xmlns="">
+              <a14:hiddenFill xmlns="" xmlns:a14="http://schemas.microsoft.com/office/drawing/2010/main">
                 <a:solidFill>
                   <a:schemeClr val="accent1"/>
                 </a:solidFill>
               </a14:hiddenFill>
             </a:ext>
             <a:ext uri="{91240B29-F687-4F45-9708-019B960494DF}">
-              <a14:hiddenLine xmlns:a14="http://schemas.microsoft.com/office/drawing/2010/main" xmlns="" w="9525">
+              <a14:hiddenLine xmlns="" xmlns:a14="http://schemas.microsoft.com/office/drawing/2010/main" w="9525">
                 <a:solidFill>
                   <a:schemeClr val="tx1"/>
                 </a:solidFill>
@@ -10639,7 +10622,7 @@
     </p:spTree>
     <p:extLst>
       <p:ext uri="{BB962C8B-B14F-4D97-AF65-F5344CB8AC3E}">
-        <p14:creationId xmlns:p14="http://schemas.microsoft.com/office/powerpoint/2010/main" xmlns="" val="306169062"/>
+        <p14:creationId xmlns="" xmlns:p14="http://schemas.microsoft.com/office/powerpoint/2010/main" val="306169062"/>
       </p:ext>
     </p:extLst>
   </p:cSld>
@@ -10647,7 +10630,7 @@
     <a:masterClrMapping/>
   </p:clrMapOvr>
   <mc:AlternateContent xmlns:mc="http://schemas.openxmlformats.org/markup-compatibility/2006">
-    <mc:Choice xmlns:p14="http://schemas.microsoft.com/office/powerpoint/2010/main" xmlns="" Requires="p14">
+    <mc:Choice xmlns="" xmlns:p14="http://schemas.microsoft.com/office/powerpoint/2010/main" Requires="p14">
       <p:transition p14:dur="10"/>
     </mc:Choice>
     <mc:Fallback>
@@ -10829,7 +10812,7 @@
           <a:blip r:embed="rId3">
             <a:extLst>
               <a:ext uri="{28A0092B-C50C-407E-A947-70E740481C1C}">
-                <a14:useLocalDpi xmlns:a14="http://schemas.microsoft.com/office/drawing/2010/main" xmlns="" val="0"/>
+                <a14:useLocalDpi xmlns="" xmlns:a14="http://schemas.microsoft.com/office/drawing/2010/main" val="0"/>
               </a:ext>
             </a:extLst>
           </a:blip>
@@ -10852,14 +10835,14 @@
           </a:ln>
           <a:extLst>
             <a:ext uri="{909E8E84-426E-40DD-AFC4-6F175D3DCCD1}">
-              <a14:hiddenFill xmlns:a14="http://schemas.microsoft.com/office/drawing/2010/main" xmlns="">
+              <a14:hiddenFill xmlns="" xmlns:a14="http://schemas.microsoft.com/office/drawing/2010/main">
                 <a:solidFill>
                   <a:schemeClr val="accent1"/>
                 </a:solidFill>
               </a14:hiddenFill>
             </a:ext>
             <a:ext uri="{91240B29-F687-4F45-9708-019B960494DF}">
-              <a14:hiddenLine xmlns:a14="http://schemas.microsoft.com/office/drawing/2010/main" xmlns="" w="9525">
+              <a14:hiddenLine xmlns="" xmlns:a14="http://schemas.microsoft.com/office/drawing/2010/main" w="9525">
                 <a:solidFill>
                   <a:schemeClr val="tx1"/>
                 </a:solidFill>
@@ -10874,7 +10857,7 @@
     </p:spTree>
     <p:extLst>
       <p:ext uri="{BB962C8B-B14F-4D97-AF65-F5344CB8AC3E}">
-        <p14:creationId xmlns:p14="http://schemas.microsoft.com/office/powerpoint/2010/main" xmlns="" val="1315379794"/>
+        <p14:creationId xmlns="" xmlns:p14="http://schemas.microsoft.com/office/powerpoint/2010/main" val="1315379794"/>
       </p:ext>
     </p:extLst>
   </p:cSld>
@@ -10882,7 +10865,7 @@
     <a:masterClrMapping/>
   </p:clrMapOvr>
   <mc:AlternateContent xmlns:mc="http://schemas.openxmlformats.org/markup-compatibility/2006">
-    <mc:Choice xmlns:p14="http://schemas.microsoft.com/office/powerpoint/2010/main" xmlns="" Requires="p14">
+    <mc:Choice xmlns="" xmlns:p14="http://schemas.microsoft.com/office/powerpoint/2010/main" Requires="p14">
       <p:transition p14:dur="10"/>
     </mc:Choice>
     <mc:Fallback>
@@ -11138,7 +11121,7 @@
     </p:spTree>
     <p:extLst>
       <p:ext uri="{BB962C8B-B14F-4D97-AF65-F5344CB8AC3E}">
-        <p14:creationId xmlns:p14="http://schemas.microsoft.com/office/powerpoint/2010/main" xmlns="" val="2788988127"/>
+        <p14:creationId xmlns="" xmlns:p14="http://schemas.microsoft.com/office/powerpoint/2010/main" val="2788988127"/>
       </p:ext>
     </p:extLst>
   </p:cSld>
@@ -11146,7 +11129,7 @@
     <a:masterClrMapping/>
   </p:clrMapOvr>
   <mc:AlternateContent xmlns:mc="http://schemas.openxmlformats.org/markup-compatibility/2006">
-    <mc:Choice xmlns:p14="http://schemas.microsoft.com/office/powerpoint/2010/main" xmlns="" Requires="p14">
+    <mc:Choice xmlns="" xmlns:p14="http://schemas.microsoft.com/office/powerpoint/2010/main" Requires="p14">
       <p:transition p14:dur="10"/>
     </mc:Choice>
     <mc:Fallback>
@@ -12207,7 +12190,7 @@
     </p:spTree>
     <p:extLst>
       <p:ext uri="{BB962C8B-B14F-4D97-AF65-F5344CB8AC3E}">
-        <p14:creationId xmlns:p14="http://schemas.microsoft.com/office/powerpoint/2010/main" xmlns="" val="1765496199"/>
+        <p14:creationId xmlns="" xmlns:p14="http://schemas.microsoft.com/office/powerpoint/2010/main" val="1765496199"/>
       </p:ext>
     </p:extLst>
   </p:cSld>
@@ -12215,7 +12198,7 @@
     <a:masterClrMapping/>
   </p:clrMapOvr>
   <mc:AlternateContent xmlns:mc="http://schemas.openxmlformats.org/markup-compatibility/2006">
-    <mc:Choice xmlns:p14="http://schemas.microsoft.com/office/powerpoint/2010/main" xmlns="" Requires="p14">
+    <mc:Choice xmlns="" xmlns:p14="http://schemas.microsoft.com/office/powerpoint/2010/main" Requires="p14">
       <p:transition p14:dur="10"/>
     </mc:Choice>
     <mc:Fallback>
@@ -12733,7 +12716,7 @@
     </p:spTree>
     <p:extLst>
       <p:ext uri="{BB962C8B-B14F-4D97-AF65-F5344CB8AC3E}">
-        <p14:creationId xmlns:p14="http://schemas.microsoft.com/office/powerpoint/2010/main" xmlns="" val="1424189538"/>
+        <p14:creationId xmlns="" xmlns:p14="http://schemas.microsoft.com/office/powerpoint/2010/main" val="1424189538"/>
       </p:ext>
     </p:extLst>
   </p:cSld>
@@ -12741,7 +12724,7 @@
     <a:masterClrMapping/>
   </p:clrMapOvr>
   <mc:AlternateContent xmlns:mc="http://schemas.openxmlformats.org/markup-compatibility/2006">
-    <mc:Choice xmlns:p14="http://schemas.microsoft.com/office/powerpoint/2010/main" xmlns="" Requires="p14">
+    <mc:Choice xmlns="" xmlns:p14="http://schemas.microsoft.com/office/powerpoint/2010/main" Requires="p14">
       <p:transition p14:dur="10"/>
     </mc:Choice>
     <mc:Fallback>
@@ -13169,21 +13152,8 @@
                   <a:srgbClr val="00B050"/>
                 </a:solidFill>
               </a:rPr>
-              <a:t>Ostateczny termin zaliczenia ćwiczenia: czwartek </a:t>
-            </a:r>
-            <a:r>
-              <a:rPr lang="pl-PL" sz="1600" b="1" dirty="0" smtClean="0">
-                <a:solidFill>
-                  <a:srgbClr val="00B050"/>
-                </a:solidFill>
-              </a:rPr>
-              <a:t>20 kwietnia</a:t>
-            </a:r>
-            <a:endParaRPr lang="pl-PL" sz="1600" b="1" dirty="0" smtClean="0">
-              <a:solidFill>
-                <a:srgbClr val="00B050"/>
-              </a:solidFill>
-            </a:endParaRPr>
+              <a:t>Ostateczny termin zaliczenia ćwiczenia: czwartek 20 kwietnia</a:t>
+            </a:r>
           </a:p>
           <a:p>
             <a:pPr>
@@ -13213,7 +13183,7 @@
     </p:spTree>
     <p:extLst>
       <p:ext uri="{BB962C8B-B14F-4D97-AF65-F5344CB8AC3E}">
-        <p14:creationId xmlns:p14="http://schemas.microsoft.com/office/powerpoint/2010/main" xmlns="" val="1336546276"/>
+        <p14:creationId xmlns="" xmlns:p14="http://schemas.microsoft.com/office/powerpoint/2010/main" val="1336546276"/>
       </p:ext>
     </p:extLst>
   </p:cSld>
@@ -13221,7 +13191,7 @@
     <a:masterClrMapping/>
   </p:clrMapOvr>
   <mc:AlternateContent xmlns:mc="http://schemas.openxmlformats.org/markup-compatibility/2006">
-    <mc:Choice xmlns:p14="http://schemas.microsoft.com/office/powerpoint/2010/main" xmlns="" Requires="p14">
+    <mc:Choice xmlns="" xmlns:p14="http://schemas.microsoft.com/office/powerpoint/2010/main" Requires="p14">
       <p:transition p14:dur="10"/>
     </mc:Choice>
     <mc:Fallback>
@@ -13368,7 +13338,7 @@
     </p:spTree>
     <p:extLst>
       <p:ext uri="{BB962C8B-B14F-4D97-AF65-F5344CB8AC3E}">
-        <p14:creationId xmlns:p14="http://schemas.microsoft.com/office/powerpoint/2010/main" xmlns="" val="2042540814"/>
+        <p14:creationId xmlns="" xmlns:p14="http://schemas.microsoft.com/office/powerpoint/2010/main" val="2042540814"/>
       </p:ext>
     </p:extLst>
   </p:cSld>
@@ -13376,7 +13346,7 @@
     <a:masterClrMapping/>
   </p:clrMapOvr>
   <mc:AlternateContent xmlns:mc="http://schemas.openxmlformats.org/markup-compatibility/2006">
-    <mc:Choice xmlns:p14="http://schemas.microsoft.com/office/powerpoint/2010/main" xmlns="" Requires="p14">
+    <mc:Choice xmlns="" xmlns:p14="http://schemas.microsoft.com/office/powerpoint/2010/main" Requires="p14">
       <p:transition p14:dur="10"/>
     </mc:Choice>
     <mc:Fallback>
@@ -13585,7 +13555,7 @@
     </p:spTree>
     <p:extLst>
       <p:ext uri="{BB962C8B-B14F-4D97-AF65-F5344CB8AC3E}">
-        <p14:creationId xmlns:p14="http://schemas.microsoft.com/office/powerpoint/2010/main" xmlns="" val="1825348506"/>
+        <p14:creationId xmlns="" xmlns:p14="http://schemas.microsoft.com/office/powerpoint/2010/main" val="1825348506"/>
       </p:ext>
     </p:extLst>
   </p:cSld>
@@ -13593,7 +13563,7 @@
     <a:masterClrMapping/>
   </p:clrMapOvr>
   <mc:AlternateContent xmlns:mc="http://schemas.openxmlformats.org/markup-compatibility/2006">
-    <mc:Choice xmlns:p14="http://schemas.microsoft.com/office/powerpoint/2010/main" xmlns="" Requires="p14">
+    <mc:Choice xmlns="" xmlns:p14="http://schemas.microsoft.com/office/powerpoint/2010/main" Requires="p14">
       <p:transition p14:dur="10"/>
     </mc:Choice>
     <mc:Fallback>
@@ -14126,7 +14096,7 @@
     </p:spTree>
     <p:extLst>
       <p:ext uri="{BB962C8B-B14F-4D97-AF65-F5344CB8AC3E}">
-        <p14:creationId xmlns:p14="http://schemas.microsoft.com/office/powerpoint/2010/main" xmlns="" val="525294539"/>
+        <p14:creationId xmlns="" xmlns:p14="http://schemas.microsoft.com/office/powerpoint/2010/main" val="525294539"/>
       </p:ext>
     </p:extLst>
   </p:cSld>
@@ -14134,7 +14104,7 @@
     <a:masterClrMapping/>
   </p:clrMapOvr>
   <mc:AlternateContent xmlns:mc="http://schemas.openxmlformats.org/markup-compatibility/2006">
-    <mc:Choice xmlns:p14="http://schemas.microsoft.com/office/powerpoint/2010/main" xmlns="" Requires="p14">
+    <mc:Choice xmlns="" xmlns:p14="http://schemas.microsoft.com/office/powerpoint/2010/main" Requires="p14">
       <p:transition p14:dur="10"/>
     </mc:Choice>
     <mc:Fallback>
@@ -14397,7 +14367,7 @@
           <a:blip r:embed="rId4">
             <a:extLst>
               <a:ext uri="{28A0092B-C50C-407E-A947-70E740481C1C}">
-                <a14:useLocalDpi xmlns:a14="http://schemas.microsoft.com/office/drawing/2010/main" xmlns="" val="0"/>
+                <a14:useLocalDpi xmlns="" xmlns:a14="http://schemas.microsoft.com/office/drawing/2010/main" val="0"/>
               </a:ext>
             </a:extLst>
           </a:blip>
@@ -14420,14 +14390,14 @@
           </a:ln>
           <a:extLst>
             <a:ext uri="{909E8E84-426E-40DD-AFC4-6F175D3DCCD1}">
-              <a14:hiddenFill xmlns:a14="http://schemas.microsoft.com/office/drawing/2010/main" xmlns="">
+              <a14:hiddenFill xmlns="" xmlns:a14="http://schemas.microsoft.com/office/drawing/2010/main">
                 <a:solidFill>
                   <a:schemeClr val="accent1"/>
                 </a:solidFill>
               </a14:hiddenFill>
             </a:ext>
             <a:ext uri="{91240B29-F687-4F45-9708-019B960494DF}">
-              <a14:hiddenLine xmlns:a14="http://schemas.microsoft.com/office/drawing/2010/main" xmlns="" w="9525">
+              <a14:hiddenLine xmlns="" xmlns:a14="http://schemas.microsoft.com/office/drawing/2010/main" w="9525">
                 <a:solidFill>
                   <a:schemeClr val="tx1"/>
                 </a:solidFill>
@@ -14451,7 +14421,7 @@
           <a:blip r:embed="rId5">
             <a:extLst>
               <a:ext uri="{28A0092B-C50C-407E-A947-70E740481C1C}">
-                <a14:useLocalDpi xmlns:a14="http://schemas.microsoft.com/office/drawing/2010/main" xmlns="" val="0"/>
+                <a14:useLocalDpi xmlns="" xmlns:a14="http://schemas.microsoft.com/office/drawing/2010/main" val="0"/>
               </a:ext>
             </a:extLst>
           </a:blip>
@@ -14474,14 +14444,14 @@
           </a:ln>
           <a:extLst>
             <a:ext uri="{909E8E84-426E-40DD-AFC4-6F175D3DCCD1}">
-              <a14:hiddenFill xmlns:a14="http://schemas.microsoft.com/office/drawing/2010/main" xmlns="">
+              <a14:hiddenFill xmlns="" xmlns:a14="http://schemas.microsoft.com/office/drawing/2010/main">
                 <a:solidFill>
                   <a:schemeClr val="accent1"/>
                 </a:solidFill>
               </a14:hiddenFill>
             </a:ext>
             <a:ext uri="{91240B29-F687-4F45-9708-019B960494DF}">
-              <a14:hiddenLine xmlns:a14="http://schemas.microsoft.com/office/drawing/2010/main" xmlns="" w="9525">
+              <a14:hiddenLine xmlns="" xmlns:a14="http://schemas.microsoft.com/office/drawing/2010/main" w="9525">
                 <a:solidFill>
                   <a:schemeClr val="tx1"/>
                 </a:solidFill>
@@ -14496,7 +14466,7 @@
     </p:spTree>
     <p:extLst>
       <p:ext uri="{BB962C8B-B14F-4D97-AF65-F5344CB8AC3E}">
-        <p14:creationId xmlns:p14="http://schemas.microsoft.com/office/powerpoint/2010/main" xmlns="" val="2111993876"/>
+        <p14:creationId xmlns="" xmlns:p14="http://schemas.microsoft.com/office/powerpoint/2010/main" val="2111993876"/>
       </p:ext>
     </p:extLst>
   </p:cSld>
@@ -14504,7 +14474,7 @@
     <a:masterClrMapping/>
   </p:clrMapOvr>
   <mc:AlternateContent xmlns:mc="http://schemas.openxmlformats.org/markup-compatibility/2006">
-    <mc:Choice xmlns:p14="http://schemas.microsoft.com/office/powerpoint/2010/main" xmlns="" Requires="p14">
+    <mc:Choice xmlns="" xmlns:p14="http://schemas.microsoft.com/office/powerpoint/2010/main" Requires="p14">
       <p:transition p14:dur="10"/>
     </mc:Choice>
     <mc:Fallback>
@@ -15077,7 +15047,7 @@
           <a:blip r:embed="rId3">
             <a:extLst>
               <a:ext uri="{28A0092B-C50C-407E-A947-70E740481C1C}">
-                <a14:useLocalDpi xmlns:a14="http://schemas.microsoft.com/office/drawing/2010/main" xmlns="" val="0"/>
+                <a14:useLocalDpi xmlns="" xmlns:a14="http://schemas.microsoft.com/office/drawing/2010/main" val="0"/>
               </a:ext>
             </a:extLst>
           </a:blip>
@@ -15100,14 +15070,14 @@
           </a:ln>
           <a:extLst>
             <a:ext uri="{909E8E84-426E-40DD-AFC4-6F175D3DCCD1}">
-              <a14:hiddenFill xmlns:a14="http://schemas.microsoft.com/office/drawing/2010/main" xmlns="">
+              <a14:hiddenFill xmlns="" xmlns:a14="http://schemas.microsoft.com/office/drawing/2010/main">
                 <a:solidFill>
                   <a:schemeClr val="accent1"/>
                 </a:solidFill>
               </a14:hiddenFill>
             </a:ext>
             <a:ext uri="{91240B29-F687-4F45-9708-019B960494DF}">
-              <a14:hiddenLine xmlns:a14="http://schemas.microsoft.com/office/drawing/2010/main" xmlns="" w="9525">
+              <a14:hiddenLine xmlns="" xmlns:a14="http://schemas.microsoft.com/office/drawing/2010/main" w="9525">
                 <a:solidFill>
                   <a:schemeClr val="tx1"/>
                 </a:solidFill>
@@ -15131,7 +15101,7 @@
           <a:blip r:embed="rId4">
             <a:extLst>
               <a:ext uri="{28A0092B-C50C-407E-A947-70E740481C1C}">
-                <a14:useLocalDpi xmlns:a14="http://schemas.microsoft.com/office/drawing/2010/main" xmlns="" val="0"/>
+                <a14:useLocalDpi xmlns="" xmlns:a14="http://schemas.microsoft.com/office/drawing/2010/main" val="0"/>
               </a:ext>
             </a:extLst>
           </a:blip>
@@ -15154,14 +15124,14 @@
           </a:ln>
           <a:extLst>
             <a:ext uri="{909E8E84-426E-40DD-AFC4-6F175D3DCCD1}">
-              <a14:hiddenFill xmlns:a14="http://schemas.microsoft.com/office/drawing/2010/main" xmlns="">
+              <a14:hiddenFill xmlns="" xmlns:a14="http://schemas.microsoft.com/office/drawing/2010/main">
                 <a:solidFill>
                   <a:schemeClr val="accent1"/>
                 </a:solidFill>
               </a14:hiddenFill>
             </a:ext>
             <a:ext uri="{91240B29-F687-4F45-9708-019B960494DF}">
-              <a14:hiddenLine xmlns:a14="http://schemas.microsoft.com/office/drawing/2010/main" xmlns="" w="9525">
+              <a14:hiddenLine xmlns="" xmlns:a14="http://schemas.microsoft.com/office/drawing/2010/main" w="9525">
                 <a:solidFill>
                   <a:schemeClr val="tx1"/>
                 </a:solidFill>
@@ -15176,7 +15146,7 @@
     </p:spTree>
     <p:extLst>
       <p:ext uri="{BB962C8B-B14F-4D97-AF65-F5344CB8AC3E}">
-        <p14:creationId xmlns:p14="http://schemas.microsoft.com/office/powerpoint/2010/main" xmlns="" val="2010681826"/>
+        <p14:creationId xmlns="" xmlns:p14="http://schemas.microsoft.com/office/powerpoint/2010/main" val="2010681826"/>
       </p:ext>
     </p:extLst>
   </p:cSld>
@@ -15184,7 +15154,7 @@
     <a:masterClrMapping/>
   </p:clrMapOvr>
   <mc:AlternateContent xmlns:mc="http://schemas.openxmlformats.org/markup-compatibility/2006">
-    <mc:Choice xmlns:p14="http://schemas.microsoft.com/office/powerpoint/2010/main" xmlns="" Requires="p14">
+    <mc:Choice xmlns="" xmlns:p14="http://schemas.microsoft.com/office/powerpoint/2010/main" Requires="p14">
       <p:transition p14:dur="10"/>
     </mc:Choice>
     <mc:Fallback>
@@ -15375,7 +15345,7 @@
           <a:blip r:embed="rId3">
             <a:extLst>
               <a:ext uri="{28A0092B-C50C-407E-A947-70E740481C1C}">
-                <a14:useLocalDpi xmlns:a14="http://schemas.microsoft.com/office/drawing/2010/main" xmlns="" val="0"/>
+                <a14:useLocalDpi xmlns="" xmlns:a14="http://schemas.microsoft.com/office/drawing/2010/main" val="0"/>
               </a:ext>
             </a:extLst>
           </a:blip>
@@ -15398,14 +15368,14 @@
           </a:ln>
           <a:extLst>
             <a:ext uri="{909E8E84-426E-40DD-AFC4-6F175D3DCCD1}">
-              <a14:hiddenFill xmlns:a14="http://schemas.microsoft.com/office/drawing/2010/main" xmlns="">
+              <a14:hiddenFill xmlns="" xmlns:a14="http://schemas.microsoft.com/office/drawing/2010/main">
                 <a:solidFill>
                   <a:schemeClr val="accent1"/>
                 </a:solidFill>
               </a14:hiddenFill>
             </a:ext>
             <a:ext uri="{91240B29-F687-4F45-9708-019B960494DF}">
-              <a14:hiddenLine xmlns:a14="http://schemas.microsoft.com/office/drawing/2010/main" xmlns="" w="9525">
+              <a14:hiddenLine xmlns="" xmlns:a14="http://schemas.microsoft.com/office/drawing/2010/main" w="9525">
                 <a:solidFill>
                   <a:schemeClr val="tx1"/>
                 </a:solidFill>
@@ -15420,7 +15390,7 @@
     </p:spTree>
     <p:extLst>
       <p:ext uri="{BB962C8B-B14F-4D97-AF65-F5344CB8AC3E}">
-        <p14:creationId xmlns:p14="http://schemas.microsoft.com/office/powerpoint/2010/main" xmlns="" val="206705609"/>
+        <p14:creationId xmlns="" xmlns:p14="http://schemas.microsoft.com/office/powerpoint/2010/main" val="206705609"/>
       </p:ext>
     </p:extLst>
   </p:cSld>
@@ -15428,7 +15398,7 @@
     <a:masterClrMapping/>
   </p:clrMapOvr>
   <mc:AlternateContent xmlns:mc="http://schemas.openxmlformats.org/markup-compatibility/2006">
-    <mc:Choice xmlns:p14="http://schemas.microsoft.com/office/powerpoint/2010/main" xmlns="" Requires="p14">
+    <mc:Choice xmlns="" xmlns:p14="http://schemas.microsoft.com/office/powerpoint/2010/main" Requires="p14">
       <p:transition p14:dur="10"/>
     </mc:Choice>
     <mc:Fallback>
@@ -15678,7 +15648,7 @@
           <a:blip r:embed="rId4">
             <a:extLst>
               <a:ext uri="{28A0092B-C50C-407E-A947-70E740481C1C}">
-                <a14:useLocalDpi xmlns:a14="http://schemas.microsoft.com/office/drawing/2010/main" xmlns="" val="0"/>
+                <a14:useLocalDpi xmlns="" xmlns:a14="http://schemas.microsoft.com/office/drawing/2010/main" val="0"/>
               </a:ext>
             </a:extLst>
           </a:blip>
@@ -15701,14 +15671,14 @@
           </a:ln>
           <a:extLst>
             <a:ext uri="{909E8E84-426E-40DD-AFC4-6F175D3DCCD1}">
-              <a14:hiddenFill xmlns:a14="http://schemas.microsoft.com/office/drawing/2010/main" xmlns="">
+              <a14:hiddenFill xmlns="" xmlns:a14="http://schemas.microsoft.com/office/drawing/2010/main">
                 <a:solidFill>
                   <a:schemeClr val="accent1"/>
                 </a:solidFill>
               </a14:hiddenFill>
             </a:ext>
             <a:ext uri="{91240B29-F687-4F45-9708-019B960494DF}">
-              <a14:hiddenLine xmlns:a14="http://schemas.microsoft.com/office/drawing/2010/main" xmlns="" w="9525">
+              <a14:hiddenLine xmlns="" xmlns:a14="http://schemas.microsoft.com/office/drawing/2010/main" w="9525">
                 <a:solidFill>
                   <a:schemeClr val="tx1"/>
                 </a:solidFill>
@@ -15723,7 +15693,7 @@
     </p:spTree>
     <p:extLst>
       <p:ext uri="{BB962C8B-B14F-4D97-AF65-F5344CB8AC3E}">
-        <p14:creationId xmlns:p14="http://schemas.microsoft.com/office/powerpoint/2010/main" xmlns="" val="1210066667"/>
+        <p14:creationId xmlns="" xmlns:p14="http://schemas.microsoft.com/office/powerpoint/2010/main" val="1210066667"/>
       </p:ext>
     </p:extLst>
   </p:cSld>
@@ -15731,7 +15701,7 @@
     <a:masterClrMapping/>
   </p:clrMapOvr>
   <mc:AlternateContent xmlns:mc="http://schemas.openxmlformats.org/markup-compatibility/2006">
-    <mc:Choice xmlns:p14="http://schemas.microsoft.com/office/powerpoint/2010/main" xmlns="" Requires="p14">
+    <mc:Choice xmlns="" xmlns:p14="http://schemas.microsoft.com/office/powerpoint/2010/main" Requires="p14">
       <p:transition p14:dur="10"/>
     </mc:Choice>
     <mc:Fallback>
@@ -15927,7 +15897,7 @@
     </p:spTree>
     <p:extLst>
       <p:ext uri="{BB962C8B-B14F-4D97-AF65-F5344CB8AC3E}">
-        <p14:creationId xmlns:p14="http://schemas.microsoft.com/office/powerpoint/2010/main" xmlns="" val="1232599275"/>
+        <p14:creationId xmlns="" xmlns:p14="http://schemas.microsoft.com/office/powerpoint/2010/main" val="1232599275"/>
       </p:ext>
     </p:extLst>
   </p:cSld>
@@ -15935,7 +15905,7 @@
     <a:masterClrMapping/>
   </p:clrMapOvr>
   <mc:AlternateContent xmlns:mc="http://schemas.openxmlformats.org/markup-compatibility/2006">
-    <mc:Choice xmlns:p14="http://schemas.microsoft.com/office/powerpoint/2010/main" xmlns="" Requires="p14">
+    <mc:Choice xmlns="" xmlns:p14="http://schemas.microsoft.com/office/powerpoint/2010/main" Requires="p14">
       <p:transition p14:dur="0"/>
     </mc:Choice>
     <mc:Fallback>
@@ -16304,7 +16274,7 @@
           <a:blip r:embed="rId4">
             <a:extLst>
               <a:ext uri="{28A0092B-C50C-407E-A947-70E740481C1C}">
-                <a14:useLocalDpi xmlns:a14="http://schemas.microsoft.com/office/drawing/2010/main" xmlns="" val="0"/>
+                <a14:useLocalDpi xmlns="" xmlns:a14="http://schemas.microsoft.com/office/drawing/2010/main" val="0"/>
               </a:ext>
             </a:extLst>
           </a:blip>
@@ -16327,14 +16297,14 @@
           </a:ln>
           <a:extLst>
             <a:ext uri="{909E8E84-426E-40DD-AFC4-6F175D3DCCD1}">
-              <a14:hiddenFill xmlns:a14="http://schemas.microsoft.com/office/drawing/2010/main" xmlns="">
+              <a14:hiddenFill xmlns="" xmlns:a14="http://schemas.microsoft.com/office/drawing/2010/main">
                 <a:solidFill>
                   <a:schemeClr val="accent1"/>
                 </a:solidFill>
               </a14:hiddenFill>
             </a:ext>
             <a:ext uri="{91240B29-F687-4F45-9708-019B960494DF}">
-              <a14:hiddenLine xmlns:a14="http://schemas.microsoft.com/office/drawing/2010/main" xmlns="" w="9525">
+              <a14:hiddenLine xmlns="" xmlns:a14="http://schemas.microsoft.com/office/drawing/2010/main" w="9525">
                 <a:solidFill>
                   <a:schemeClr val="tx1"/>
                 </a:solidFill>
@@ -16349,7 +16319,7 @@
     </p:spTree>
     <p:extLst>
       <p:ext uri="{BB962C8B-B14F-4D97-AF65-F5344CB8AC3E}">
-        <p14:creationId xmlns:p14="http://schemas.microsoft.com/office/powerpoint/2010/main" xmlns="" val="2788864210"/>
+        <p14:creationId xmlns="" xmlns:p14="http://schemas.microsoft.com/office/powerpoint/2010/main" val="2788864210"/>
       </p:ext>
     </p:extLst>
   </p:cSld>
@@ -16357,7 +16327,7 @@
     <a:masterClrMapping/>
   </p:clrMapOvr>
   <mc:AlternateContent xmlns:mc="http://schemas.openxmlformats.org/markup-compatibility/2006">
-    <mc:Choice xmlns:p14="http://schemas.microsoft.com/office/powerpoint/2010/main" xmlns="" Requires="p14">
+    <mc:Choice xmlns="" xmlns:p14="http://schemas.microsoft.com/office/powerpoint/2010/main" Requires="p14">
       <p:transition p14:dur="10"/>
     </mc:Choice>
     <mc:Fallback>
@@ -16565,7 +16535,7 @@
           <a:blip r:embed="rId4">
             <a:extLst>
               <a:ext uri="{28A0092B-C50C-407E-A947-70E740481C1C}">
-                <a14:useLocalDpi xmlns:a14="http://schemas.microsoft.com/office/drawing/2010/main" xmlns="" val="0"/>
+                <a14:useLocalDpi xmlns="" xmlns:a14="http://schemas.microsoft.com/office/drawing/2010/main" val="0"/>
               </a:ext>
             </a:extLst>
           </a:blip>
@@ -16588,14 +16558,14 @@
           </a:ln>
           <a:extLst>
             <a:ext uri="{909E8E84-426E-40DD-AFC4-6F175D3DCCD1}">
-              <a14:hiddenFill xmlns:a14="http://schemas.microsoft.com/office/drawing/2010/main" xmlns="">
+              <a14:hiddenFill xmlns="" xmlns:a14="http://schemas.microsoft.com/office/drawing/2010/main">
                 <a:solidFill>
                   <a:schemeClr val="accent1"/>
                 </a:solidFill>
               </a14:hiddenFill>
             </a:ext>
             <a:ext uri="{91240B29-F687-4F45-9708-019B960494DF}">
-              <a14:hiddenLine xmlns:a14="http://schemas.microsoft.com/office/drawing/2010/main" xmlns="" w="9525">
+              <a14:hiddenLine xmlns="" xmlns:a14="http://schemas.microsoft.com/office/drawing/2010/main" w="9525">
                 <a:solidFill>
                   <a:schemeClr val="tx1"/>
                 </a:solidFill>
@@ -16610,7 +16580,7 @@
     </p:spTree>
     <p:extLst>
       <p:ext uri="{BB962C8B-B14F-4D97-AF65-F5344CB8AC3E}">
-        <p14:creationId xmlns:p14="http://schemas.microsoft.com/office/powerpoint/2010/main" xmlns="" val="59338049"/>
+        <p14:creationId xmlns="" xmlns:p14="http://schemas.microsoft.com/office/powerpoint/2010/main" val="59338049"/>
       </p:ext>
     </p:extLst>
   </p:cSld>
@@ -16618,7 +16588,7 @@
     <a:masterClrMapping/>
   </p:clrMapOvr>
   <mc:AlternateContent xmlns:mc="http://schemas.openxmlformats.org/markup-compatibility/2006">
-    <mc:Choice xmlns:p14="http://schemas.microsoft.com/office/powerpoint/2010/main" xmlns="" Requires="p14">
+    <mc:Choice xmlns="" xmlns:p14="http://schemas.microsoft.com/office/powerpoint/2010/main" Requires="p14">
       <p:transition p14:dur="10"/>
     </mc:Choice>
     <mc:Fallback>
@@ -16804,7 +16774,7 @@
           <a:blip r:embed="rId3">
             <a:extLst>
               <a:ext uri="{28A0092B-C50C-407E-A947-70E740481C1C}">
-                <a14:useLocalDpi xmlns:a14="http://schemas.microsoft.com/office/drawing/2010/main" xmlns="" val="0"/>
+                <a14:useLocalDpi xmlns="" xmlns:a14="http://schemas.microsoft.com/office/drawing/2010/main" val="0"/>
               </a:ext>
             </a:extLst>
           </a:blip>
@@ -16827,14 +16797,14 @@
           </a:ln>
           <a:extLst>
             <a:ext uri="{909E8E84-426E-40DD-AFC4-6F175D3DCCD1}">
-              <a14:hiddenFill xmlns:a14="http://schemas.microsoft.com/office/drawing/2010/main" xmlns="">
+              <a14:hiddenFill xmlns="" xmlns:a14="http://schemas.microsoft.com/office/drawing/2010/main">
                 <a:solidFill>
                   <a:schemeClr val="accent1"/>
                 </a:solidFill>
               </a14:hiddenFill>
             </a:ext>
             <a:ext uri="{91240B29-F687-4F45-9708-019B960494DF}">
-              <a14:hiddenLine xmlns:a14="http://schemas.microsoft.com/office/drawing/2010/main" xmlns="" w="9525">
+              <a14:hiddenLine xmlns="" xmlns:a14="http://schemas.microsoft.com/office/drawing/2010/main" w="9525">
                 <a:solidFill>
                   <a:schemeClr val="tx1"/>
                 </a:solidFill>
@@ -16849,7 +16819,7 @@
     </p:spTree>
     <p:extLst>
       <p:ext uri="{BB962C8B-B14F-4D97-AF65-F5344CB8AC3E}">
-        <p14:creationId xmlns:p14="http://schemas.microsoft.com/office/powerpoint/2010/main" xmlns="" val="1259301629"/>
+        <p14:creationId xmlns="" xmlns:p14="http://schemas.microsoft.com/office/powerpoint/2010/main" val="1259301629"/>
       </p:ext>
     </p:extLst>
   </p:cSld>
@@ -16857,7 +16827,7 @@
     <a:masterClrMapping/>
   </p:clrMapOvr>
   <mc:AlternateContent xmlns:mc="http://schemas.openxmlformats.org/markup-compatibility/2006">
-    <mc:Choice xmlns:p14="http://schemas.microsoft.com/office/powerpoint/2010/main" xmlns="" Requires="p14">
+    <mc:Choice xmlns="" xmlns:p14="http://schemas.microsoft.com/office/powerpoint/2010/main" Requires="p14">
       <p:transition p14:dur="10"/>
     </mc:Choice>
     <mc:Fallback>
@@ -17043,7 +17013,7 @@
           <a:blip r:embed="rId3">
             <a:extLst>
               <a:ext uri="{28A0092B-C50C-407E-A947-70E740481C1C}">
-                <a14:useLocalDpi xmlns:a14="http://schemas.microsoft.com/office/drawing/2010/main" xmlns="" val="0"/>
+                <a14:useLocalDpi xmlns="" xmlns:a14="http://schemas.microsoft.com/office/drawing/2010/main" val="0"/>
               </a:ext>
             </a:extLst>
           </a:blip>
@@ -17066,14 +17036,14 @@
           </a:ln>
           <a:extLst>
             <a:ext uri="{909E8E84-426E-40DD-AFC4-6F175D3DCCD1}">
-              <a14:hiddenFill xmlns:a14="http://schemas.microsoft.com/office/drawing/2010/main" xmlns="">
+              <a14:hiddenFill xmlns="" xmlns:a14="http://schemas.microsoft.com/office/drawing/2010/main">
                 <a:solidFill>
                   <a:schemeClr val="accent1"/>
                 </a:solidFill>
               </a14:hiddenFill>
             </a:ext>
             <a:ext uri="{91240B29-F687-4F45-9708-019B960494DF}">
-              <a14:hiddenLine xmlns:a14="http://schemas.microsoft.com/office/drawing/2010/main" xmlns="" w="9525">
+              <a14:hiddenLine xmlns="" xmlns:a14="http://schemas.microsoft.com/office/drawing/2010/main" w="9525">
                 <a:solidFill>
                   <a:schemeClr val="tx1"/>
                 </a:solidFill>
@@ -17088,7 +17058,7 @@
     </p:spTree>
     <p:extLst>
       <p:ext uri="{BB962C8B-B14F-4D97-AF65-F5344CB8AC3E}">
-        <p14:creationId xmlns:p14="http://schemas.microsoft.com/office/powerpoint/2010/main" xmlns="" val="318999014"/>
+        <p14:creationId xmlns="" xmlns:p14="http://schemas.microsoft.com/office/powerpoint/2010/main" val="318999014"/>
       </p:ext>
     </p:extLst>
   </p:cSld>
@@ -17096,7 +17066,7 @@
     <a:masterClrMapping/>
   </p:clrMapOvr>
   <mc:AlternateContent xmlns:mc="http://schemas.openxmlformats.org/markup-compatibility/2006">
-    <mc:Choice xmlns:p14="http://schemas.microsoft.com/office/powerpoint/2010/main" xmlns="" Requires="p14">
+    <mc:Choice xmlns="" xmlns:p14="http://schemas.microsoft.com/office/powerpoint/2010/main" Requires="p14">
       <p:transition p14:dur="10"/>
     </mc:Choice>
     <mc:Fallback>
@@ -17508,7 +17478,7 @@
     </p:spTree>
     <p:extLst>
       <p:ext uri="{BB962C8B-B14F-4D97-AF65-F5344CB8AC3E}">
-        <p14:creationId xmlns:p14="http://schemas.microsoft.com/office/powerpoint/2010/main" xmlns="" val="1953986883"/>
+        <p14:creationId xmlns="" xmlns:p14="http://schemas.microsoft.com/office/powerpoint/2010/main" val="1953986883"/>
       </p:ext>
     </p:extLst>
   </p:cSld>
@@ -17516,7 +17486,7 @@
     <a:masterClrMapping/>
   </p:clrMapOvr>
   <mc:AlternateContent xmlns:mc="http://schemas.openxmlformats.org/markup-compatibility/2006">
-    <mc:Choice xmlns:p14="http://schemas.microsoft.com/office/powerpoint/2010/main" xmlns="" Requires="p14">
+    <mc:Choice xmlns="" xmlns:p14="http://schemas.microsoft.com/office/powerpoint/2010/main" Requires="p14">
       <p:transition p14:dur="10"/>
     </mc:Choice>
     <mc:Fallback>
@@ -17732,11 +17702,7 @@
           <a:p>
             <a:r>
               <a:rPr lang="pl-PL" dirty="0" smtClean="0"/>
-              <a:t>Zasoby</a:t>
-            </a:r>
-            <a:r>
-              <a:rPr lang="pl-PL" dirty="0" smtClean="0"/>
-              <a:t>:</a:t>
+              <a:t>Zasoby:</a:t>
             </a:r>
           </a:p>
           <a:p>
@@ -17853,21 +17819,8 @@
                   <a:srgbClr val="00B050"/>
                 </a:solidFill>
               </a:rPr>
-              <a:t>Ostateczny termin zaliczenia ćwiczenia: czwartek </a:t>
-            </a:r>
-            <a:r>
-              <a:rPr lang="pl-PL" sz="1600" b="1" dirty="0" smtClean="0">
-                <a:solidFill>
-                  <a:srgbClr val="00B050"/>
-                </a:solidFill>
-              </a:rPr>
-              <a:t>20 kwietnia</a:t>
-            </a:r>
-            <a:endParaRPr lang="pl-PL" sz="1600" b="1" dirty="0" smtClean="0">
-              <a:solidFill>
-                <a:srgbClr val="00B050"/>
-              </a:solidFill>
-            </a:endParaRPr>
+              <a:t>Ostateczny termin zaliczenia ćwiczenia: czwartek 20 kwietnia</a:t>
+            </a:r>
           </a:p>
           <a:p>
             <a:pPr>
@@ -17897,7 +17850,7 @@
     </p:spTree>
     <p:extLst>
       <p:ext uri="{BB962C8B-B14F-4D97-AF65-F5344CB8AC3E}">
-        <p14:creationId xmlns:p14="http://schemas.microsoft.com/office/powerpoint/2010/main" xmlns="" val="3439529518"/>
+        <p14:creationId xmlns="" xmlns:p14="http://schemas.microsoft.com/office/powerpoint/2010/main" val="3439529518"/>
       </p:ext>
     </p:extLst>
   </p:cSld>
@@ -17905,7 +17858,7 @@
     <a:masterClrMapping/>
   </p:clrMapOvr>
   <mc:AlternateContent xmlns:mc="http://schemas.openxmlformats.org/markup-compatibility/2006">
-    <mc:Choice xmlns:p14="http://schemas.microsoft.com/office/powerpoint/2010/main" xmlns="" Requires="p14">
+    <mc:Choice xmlns="" xmlns:p14="http://schemas.microsoft.com/office/powerpoint/2010/main" Requires="p14">
       <p:transition p14:dur="10"/>
     </mc:Choice>
     <mc:Fallback>
@@ -18033,7 +17986,7 @@
     </p:spTree>
     <p:extLst>
       <p:ext uri="{BB962C8B-B14F-4D97-AF65-F5344CB8AC3E}">
-        <p14:creationId xmlns:p14="http://schemas.microsoft.com/office/powerpoint/2010/main" xmlns="" val="1405177657"/>
+        <p14:creationId xmlns="" xmlns:p14="http://schemas.microsoft.com/office/powerpoint/2010/main" val="1405177657"/>
       </p:ext>
     </p:extLst>
   </p:cSld>
@@ -18278,7 +18231,7 @@
     </p:spTree>
     <p:extLst>
       <p:ext uri="{BB962C8B-B14F-4D97-AF65-F5344CB8AC3E}">
-        <p14:creationId xmlns:p14="http://schemas.microsoft.com/office/powerpoint/2010/main" xmlns="" val="2153401368"/>
+        <p14:creationId xmlns="" xmlns:p14="http://schemas.microsoft.com/office/powerpoint/2010/main" val="2153401368"/>
       </p:ext>
     </p:extLst>
   </p:cSld>
@@ -18286,7 +18239,7 @@
     <a:masterClrMapping/>
   </p:clrMapOvr>
   <mc:AlternateContent xmlns:mc="http://schemas.openxmlformats.org/markup-compatibility/2006">
-    <mc:Choice xmlns:p14="http://schemas.microsoft.com/office/powerpoint/2010/main" xmlns="" Requires="p14">
+    <mc:Choice xmlns="" xmlns:p14="http://schemas.microsoft.com/office/powerpoint/2010/main" Requires="p14">
       <p:transition p14:dur="0"/>
     </mc:Choice>
     <mc:Fallback>
@@ -19067,7 +19020,7 @@
     </p:spTree>
     <p:extLst>
       <p:ext uri="{BB962C8B-B14F-4D97-AF65-F5344CB8AC3E}">
-        <p14:creationId xmlns:p14="http://schemas.microsoft.com/office/powerpoint/2010/main" xmlns="" val="929143175"/>
+        <p14:creationId xmlns="" xmlns:p14="http://schemas.microsoft.com/office/powerpoint/2010/main" val="929143175"/>
       </p:ext>
     </p:extLst>
   </p:cSld>
@@ -19075,7 +19028,7 @@
     <a:masterClrMapping/>
   </p:clrMapOvr>
   <mc:AlternateContent xmlns:mc="http://schemas.openxmlformats.org/markup-compatibility/2006">
-    <mc:Choice xmlns:p14="http://schemas.microsoft.com/office/powerpoint/2010/main" xmlns="" Requires="p14">
+    <mc:Choice xmlns="" xmlns:p14="http://schemas.microsoft.com/office/powerpoint/2010/main" Requires="p14">
       <p:transition p14:dur="0"/>
     </mc:Choice>
     <mc:Fallback>
@@ -19669,7 +19622,7 @@
     </p:spTree>
     <p:extLst>
       <p:ext uri="{BB962C8B-B14F-4D97-AF65-F5344CB8AC3E}">
-        <p14:creationId xmlns:p14="http://schemas.microsoft.com/office/powerpoint/2010/main" xmlns="" val="1819882541"/>
+        <p14:creationId xmlns="" xmlns:p14="http://schemas.microsoft.com/office/powerpoint/2010/main" val="1819882541"/>
       </p:ext>
     </p:extLst>
   </p:cSld>
@@ -19677,7 +19630,7 @@
     <a:masterClrMapping/>
   </p:clrMapOvr>
   <mc:AlternateContent xmlns:mc="http://schemas.openxmlformats.org/markup-compatibility/2006">
-    <mc:Choice xmlns:p14="http://schemas.microsoft.com/office/powerpoint/2010/main" xmlns="" Requires="p14">
+    <mc:Choice xmlns="" xmlns:p14="http://schemas.microsoft.com/office/powerpoint/2010/main" Requires="p14">
       <p:transition p14:dur="0"/>
     </mc:Choice>
     <mc:Fallback>
@@ -19820,7 +19773,7 @@
     </p:spTree>
     <p:extLst>
       <p:ext uri="{BB962C8B-B14F-4D97-AF65-F5344CB8AC3E}">
-        <p14:creationId xmlns:p14="http://schemas.microsoft.com/office/powerpoint/2010/main" xmlns="" val="771745050"/>
+        <p14:creationId xmlns="" xmlns:p14="http://schemas.microsoft.com/office/powerpoint/2010/main" val="771745050"/>
       </p:ext>
     </p:extLst>
   </p:cSld>
@@ -19828,7 +19781,7 @@
     <a:masterClrMapping/>
   </p:clrMapOvr>
   <mc:AlternateContent xmlns:mc="http://schemas.openxmlformats.org/markup-compatibility/2006">
-    <mc:Choice xmlns:p14="http://schemas.microsoft.com/office/powerpoint/2010/main" xmlns="" Requires="p14">
+    <mc:Choice xmlns="" xmlns:p14="http://schemas.microsoft.com/office/powerpoint/2010/main" Requires="p14">
       <p:transition p14:dur="10"/>
     </mc:Choice>
     <mc:Fallback>
@@ -19935,27 +19888,10 @@
               <a:t>Repozytorium git: </a:t>
             </a:r>
             <a:r>
-              <a:rPr lang="pl-PL" dirty="0" smtClean="0">
-                <a:hlinkClick r:id="rId3"/>
-              </a:rPr>
-              <a:t>https</a:t>
-            </a:r>
-            <a:r>
-              <a:rPr lang="pl-PL" dirty="0">
-                <a:hlinkClick r:id="rId3"/>
-              </a:rPr>
-              <a:t>://</a:t>
-            </a:r>
-            <a:r>
-              <a:rPr lang="pl-PL" dirty="0" smtClean="0">
-                <a:hlinkClick r:id="rId3"/>
-              </a:rPr>
-              <a:t>github.com/wdsr/exercise</a:t>
-            </a:r>
-            <a:r>
-              <a:rPr lang="pl-PL" dirty="0" smtClean="0"/>
-              <a:t>3</a:t>
-            </a:r>
+              <a:rPr lang="pl-PL" u="sng" dirty="0" smtClean="0"/>
+              <a:t>https://github.com/m-kolodziejski/exercise3</a:t>
+            </a:r>
+            <a:endParaRPr lang="pl-PL" u="sng" dirty="0" smtClean="0"/>
           </a:p>
           <a:p>
             <a:pPr lvl="1"/>
@@ -19991,21 +19927,10 @@
               <a:t>git clone </a:t>
             </a:r>
             <a:r>
-              <a:rPr lang="pl-PL" dirty="0">
-                <a:hlinkClick r:id="rId3"/>
-              </a:rPr>
-              <a:t>https://</a:t>
-            </a:r>
-            <a:r>
-              <a:rPr lang="pl-PL" dirty="0" smtClean="0">
-                <a:hlinkClick r:id="rId3"/>
-              </a:rPr>
-              <a:t>github.com/&lt;username&gt;/exercise</a:t>
-            </a:r>
-            <a:r>
-              <a:rPr lang="pl-PL" dirty="0" smtClean="0"/>
-              <a:t>3</a:t>
-            </a:r>
+              <a:rPr lang="pl-PL" dirty="0" smtClean="0"/>
+              <a:t>https://github.com/m-kolodziejski/exercise3.git</a:t>
+            </a:r>
+            <a:endParaRPr lang="pl-PL" dirty="0" smtClean="0"/>
           </a:p>
           <a:p>
             <a:pPr lvl="1"/>
@@ -20061,7 +19986,7 @@
     </p:spTree>
     <p:extLst>
       <p:ext uri="{BB962C8B-B14F-4D97-AF65-F5344CB8AC3E}">
-        <p14:creationId xmlns:p14="http://schemas.microsoft.com/office/powerpoint/2010/main" xmlns="" val="2411064202"/>
+        <p14:creationId xmlns="" xmlns:p14="http://schemas.microsoft.com/office/powerpoint/2010/main" val="2411064202"/>
       </p:ext>
     </p:extLst>
   </p:cSld>
@@ -20069,7 +19994,7 @@
     <a:masterClrMapping/>
   </p:clrMapOvr>
   <mc:AlternateContent xmlns:mc="http://schemas.openxmlformats.org/markup-compatibility/2006">
-    <mc:Choice xmlns:p14="http://schemas.microsoft.com/office/powerpoint/2010/main" xmlns="" Requires="p14">
+    <mc:Choice xmlns="" xmlns:p14="http://schemas.microsoft.com/office/powerpoint/2010/main" Requires="p14">
       <p:transition p14:dur="0"/>
     </mc:Choice>
     <mc:Fallback>
@@ -20216,7 +20141,7 @@
     </p:spTree>
     <p:extLst>
       <p:ext uri="{BB962C8B-B14F-4D97-AF65-F5344CB8AC3E}">
-        <p14:creationId xmlns:p14="http://schemas.microsoft.com/office/powerpoint/2010/main" xmlns="" val="1022935673"/>
+        <p14:creationId xmlns="" xmlns:p14="http://schemas.microsoft.com/office/powerpoint/2010/main" val="1022935673"/>
       </p:ext>
     </p:extLst>
   </p:cSld>
@@ -20224,7 +20149,7 @@
     <a:masterClrMapping/>
   </p:clrMapOvr>
   <mc:AlternateContent xmlns:mc="http://schemas.openxmlformats.org/markup-compatibility/2006">
-    <mc:Choice xmlns:p14="http://schemas.microsoft.com/office/powerpoint/2010/main" xmlns="" Requires="p14">
+    <mc:Choice xmlns="" xmlns:p14="http://schemas.microsoft.com/office/powerpoint/2010/main" Requires="p14">
       <p:transition p14:dur="10"/>
     </mc:Choice>
     <mc:Fallback>
@@ -20513,7 +20438,7 @@
   <a:extraClrSchemeLst/>
   <a:extLst>
     <a:ext uri="{05A4C25C-085E-4340-85A3-A5531E510DB2}">
-      <thm15:themeFamily xmlns="" xmlns:thm15="http://schemas.microsoft.com/office/thememl/2012/main" name="GFT_Chartpool_2015.pptx" id="{A28C9458-9558-44C8-89F4-D7A2CBC04405}" vid="{0F156D25-70FA-498B-891B-4FDE46BF1046}"/>
+      <thm15:themeFamily xmlns:thm15="http://schemas.microsoft.com/office/thememl/2012/main" xmlns="" name="GFT_Chartpool_2015.pptx" id="{A28C9458-9558-44C8-89F4-D7A2CBC04405}" vid="{0F156D25-70FA-498B-891B-4FDE46BF1046}"/>
     </a:ext>
   </a:extLst>
 </a:theme>
@@ -21160,38 +21085,12 @@
 </file>
 
 <file path=customXml/item1.xml><?xml version="1.0" encoding="utf-8"?>
-<p:properties xmlns:p="http://schemas.microsoft.com/office/2006/metadata/properties" xmlns:xsi="http://www.w3.org/2001/XMLSchema-instance" xmlns:pc="http://schemas.microsoft.com/office/infopath/2007/PartnerControls">
-  <documentManagement>
-    <_dlc_DocId xmlns="727178e8-9586-4f49-8e7b-77af9c2fb085">CVD5QAC74SYH-2-13943</_dlc_DocId>
-    <_dlc_DocIdUrl xmlns="727178e8-9586-4f49-8e7b-77af9c2fb085">
-      <Url>https://share.gft.com/sites/Corporate-Marketing/_layouts/DocIdRedir.aspx?ID=CVD5QAC74SYH-2-13943</Url>
-      <Description>CVD5QAC74SYH-2-13943</Description>
-    </_dlc_DocIdUrl>
-    <Functional_x0020_Area xmlns="e44e039f-c551-4112-981c-456f1b630ef1">Functional Area 1</Functional_x0020_Area>
-    <Reference_x0020_Title xmlns="e44e039f-c551-4112-981c-456f1b630ef1" xsi:nil="true"/>
-    <Area xmlns="e44e039f-c551-4112-981c-456f1b630ef1">Area 1</Area>
-    <Project_x0020_size_x0020__x0028_resources_x0029_ xmlns="e44e039f-c551-4112-981c-456f1b630ef1" xsi:nil="true"/>
-    <Comments xmlns="e44e039f-c551-4112-981c-456f1b630ef1" xsi:nil="true"/>
-    <Business_x0020_Sector xmlns="e44e039f-c551-4112-981c-456f1b630ef1">Banking</Business_x0020_Sector>
-    <Client_x0020_Category xmlns="e44e039f-c551-4112-981c-456f1b630ef1">Central</Client_x0020_Category>
-    <Methods_x0020_and_x0020_standards xmlns="e44e039f-c551-4112-981c-456f1b630ef1" xsi:nil="true"/>
-    <Responsible xmlns="e44e039f-c551-4112-981c-456f1b630ef1">Marek Strejczek</Responsible>
-    <Client_x0020_Name xmlns="e44e039f-c551-4112-981c-456f1b630ef1" xsi:nil="true"/>
-    <Client_x0020_approval xmlns="e44e039f-c551-4112-981c-456f1b630ef1">No</Client_x0020_approval>
-    <Plattform_x0020__x0026__x0020_tools xmlns="e44e039f-c551-4112-981c-456f1b630ef1" xsi:nil="true"/>
-    <Project_x0020_ID xmlns="e44e039f-c551-4112-981c-456f1b630ef1" xsi:nil="true"/>
-    <Description0 xmlns="e44e039f-c551-4112-981c-456f1b630ef1" xsi:nil="true"/>
-    <Author_x0020__x002f__x0020_Contact xmlns="e44e039f-c551-4112-981c-456f1b630ef1">
-      <UserInfo>
-        <DisplayName/>
-        <AccountId xsi:nil="true"/>
-        <AccountType/>
-      </UserInfo>
-    </Author_x0020__x002f__x0020_Contact>
-    <Client_x0020_Country xmlns="e44e039f-c551-4112-981c-456f1b630ef1">Germany</Client_x0020_Country>
-    <Year xmlns="e44e039f-c551-4112-981c-456f1b630ef1" xsi:nil="true"/>
-  </documentManagement>
-</p:properties>
+<?mso-contentType ?>
+<FormTemplates xmlns="http://schemas.microsoft.com/sharepoint/v3/contenttype/forms">
+  <Display>DocumentLibraryForm</Display>
+  <Edit>DocumentLibraryForm</Edit>
+  <New>DocumentLibraryForm</New>
+</FormTemplates>
 </file>
 
 <file path=customXml/item2.xml><?xml version="1.0" encoding="utf-8"?>
@@ -21692,12 +21591,38 @@
 </file>
 
 <file path=customXml/item3.xml><?xml version="1.0" encoding="utf-8"?>
-<?mso-contentType ?>
-<FormTemplates xmlns="http://schemas.microsoft.com/sharepoint/v3/contenttype/forms">
-  <Display>DocumentLibraryForm</Display>
-  <Edit>DocumentLibraryForm</Edit>
-  <New>DocumentLibraryForm</New>
-</FormTemplates>
+<p:properties xmlns:p="http://schemas.microsoft.com/office/2006/metadata/properties" xmlns:xsi="http://www.w3.org/2001/XMLSchema-instance" xmlns:pc="http://schemas.microsoft.com/office/infopath/2007/PartnerControls">
+  <documentManagement>
+    <_dlc_DocId xmlns="727178e8-9586-4f49-8e7b-77af9c2fb085">CVD5QAC74SYH-2-13943</_dlc_DocId>
+    <_dlc_DocIdUrl xmlns="727178e8-9586-4f49-8e7b-77af9c2fb085">
+      <Url>https://share.gft.com/sites/Corporate-Marketing/_layouts/DocIdRedir.aspx?ID=CVD5QAC74SYH-2-13943</Url>
+      <Description>CVD5QAC74SYH-2-13943</Description>
+    </_dlc_DocIdUrl>
+    <Functional_x0020_Area xmlns="e44e039f-c551-4112-981c-456f1b630ef1">Functional Area 1</Functional_x0020_Area>
+    <Reference_x0020_Title xmlns="e44e039f-c551-4112-981c-456f1b630ef1" xsi:nil="true"/>
+    <Area xmlns="e44e039f-c551-4112-981c-456f1b630ef1">Area 1</Area>
+    <Project_x0020_size_x0020__x0028_resources_x0029_ xmlns="e44e039f-c551-4112-981c-456f1b630ef1" xsi:nil="true"/>
+    <Comments xmlns="e44e039f-c551-4112-981c-456f1b630ef1" xsi:nil="true"/>
+    <Business_x0020_Sector xmlns="e44e039f-c551-4112-981c-456f1b630ef1">Banking</Business_x0020_Sector>
+    <Client_x0020_Category xmlns="e44e039f-c551-4112-981c-456f1b630ef1">Central</Client_x0020_Category>
+    <Methods_x0020_and_x0020_standards xmlns="e44e039f-c551-4112-981c-456f1b630ef1" xsi:nil="true"/>
+    <Responsible xmlns="e44e039f-c551-4112-981c-456f1b630ef1">Marek Strejczek</Responsible>
+    <Client_x0020_Name xmlns="e44e039f-c551-4112-981c-456f1b630ef1" xsi:nil="true"/>
+    <Client_x0020_approval xmlns="e44e039f-c551-4112-981c-456f1b630ef1">No</Client_x0020_approval>
+    <Plattform_x0020__x0026__x0020_tools xmlns="e44e039f-c551-4112-981c-456f1b630ef1" xsi:nil="true"/>
+    <Project_x0020_ID xmlns="e44e039f-c551-4112-981c-456f1b630ef1" xsi:nil="true"/>
+    <Description0 xmlns="e44e039f-c551-4112-981c-456f1b630ef1" xsi:nil="true"/>
+    <Author_x0020__x002f__x0020_Contact xmlns="e44e039f-c551-4112-981c-456f1b630ef1">
+      <UserInfo>
+        <DisplayName/>
+        <AccountId xsi:nil="true"/>
+        <AccountType/>
+      </UserInfo>
+    </Author_x0020__x002f__x0020_Contact>
+    <Client_x0020_Country xmlns="e44e039f-c551-4112-981c-456f1b630ef1">Germany</Client_x0020_Country>
+    <Year xmlns="e44e039f-c551-4112-981c-456f1b630ef1" xsi:nil="true"/>
+  </documentManagement>
+</p:properties>
 </file>
 
 <file path=customXml/item4.xml><?xml version="1.0" encoding="utf-8"?>
@@ -21747,18 +21672,9 @@
 </file>
 
 <file path=customXml/itemProps1.xml><?xml version="1.0" encoding="utf-8"?>
-<ds:datastoreItem xmlns:ds="http://schemas.openxmlformats.org/officeDocument/2006/customXml" ds:itemID="{7445AAF4-B73F-4E3A-B9D2-4DDAE0F1BE8A}">
+<ds:datastoreItem xmlns:ds="http://schemas.openxmlformats.org/officeDocument/2006/customXml" ds:itemID="{9217953E-6BB7-40C6-9A84-608D0A8D65EC}">
   <ds:schemaRefs>
-    <ds:schemaRef ds:uri="http://schemas.microsoft.com/office/2006/documentManagement/types"/>
-    <ds:schemaRef ds:uri="http://schemas.openxmlformats.org/package/2006/metadata/core-properties"/>
-    <ds:schemaRef ds:uri="727178e8-9586-4f49-8e7b-77af9c2fb085"/>
-    <ds:schemaRef ds:uri="http://purl.org/dc/elements/1.1/"/>
-    <ds:schemaRef ds:uri="http://schemas.microsoft.com/office/2006/metadata/properties"/>
-    <ds:schemaRef ds:uri="e44e039f-c551-4112-981c-456f1b630ef1"/>
-    <ds:schemaRef ds:uri="http://purl.org/dc/terms/"/>
-    <ds:schemaRef ds:uri="http://schemas.microsoft.com/office/infopath/2007/PartnerControls"/>
-    <ds:schemaRef ds:uri="http://www.w3.org/XML/1998/namespace"/>
-    <ds:schemaRef ds:uri="http://purl.org/dc/dcmitype/"/>
+    <ds:schemaRef ds:uri="http://schemas.microsoft.com/sharepoint/v3/contenttype/forms"/>
   </ds:schemaRefs>
 </ds:datastoreItem>
 </file>
@@ -21783,9 +21699,18 @@
 </file>
 
 <file path=customXml/itemProps3.xml><?xml version="1.0" encoding="utf-8"?>
-<ds:datastoreItem xmlns:ds="http://schemas.openxmlformats.org/officeDocument/2006/customXml" ds:itemID="{9217953E-6BB7-40C6-9A84-608D0A8D65EC}">
+<ds:datastoreItem xmlns:ds="http://schemas.openxmlformats.org/officeDocument/2006/customXml" ds:itemID="{7445AAF4-B73F-4E3A-B9D2-4DDAE0F1BE8A}">
   <ds:schemaRefs>
-    <ds:schemaRef ds:uri="http://schemas.microsoft.com/sharepoint/v3/contenttype/forms"/>
+    <ds:schemaRef ds:uri="http://schemas.microsoft.com/office/2006/documentManagement/types"/>
+    <ds:schemaRef ds:uri="http://schemas.openxmlformats.org/package/2006/metadata/core-properties"/>
+    <ds:schemaRef ds:uri="727178e8-9586-4f49-8e7b-77af9c2fb085"/>
+    <ds:schemaRef ds:uri="http://purl.org/dc/elements/1.1/"/>
+    <ds:schemaRef ds:uri="http://schemas.microsoft.com/office/2006/metadata/properties"/>
+    <ds:schemaRef ds:uri="e44e039f-c551-4112-981c-456f1b630ef1"/>
+    <ds:schemaRef ds:uri="http://purl.org/dc/terms/"/>
+    <ds:schemaRef ds:uri="http://schemas.microsoft.com/office/infopath/2007/PartnerControls"/>
+    <ds:schemaRef ds:uri="http://www.w3.org/XML/1998/namespace"/>
+    <ds:schemaRef ds:uri="http://purl.org/dc/dcmitype/"/>
   </ds:schemaRefs>
 </ds:datastoreItem>
 </file>
